--- a/ppt/Covid Death Rates.pptx
+++ b/ppt/Covid Death Rates.pptx
@@ -5,11 +5,22 @@
     <p:sldMasterId id="2147483648" r:id="rId4"/>
   </p:sldMasterIdLst>
   <p:notesMasterIdLst>
-    <p:notesMasterId r:id="rId7"/>
+    <p:notesMasterId r:id="rId18"/>
   </p:notesMasterIdLst>
   <p:sldIdLst>
     <p:sldId id="256" r:id="rId5"/>
-    <p:sldId id="277" r:id="rId6"/>
+    <p:sldId id="278" r:id="rId6"/>
+    <p:sldId id="279" r:id="rId7"/>
+    <p:sldId id="280" r:id="rId8"/>
+    <p:sldId id="281" r:id="rId9"/>
+    <p:sldId id="282" r:id="rId10"/>
+    <p:sldId id="283" r:id="rId11"/>
+    <p:sldId id="284" r:id="rId12"/>
+    <p:sldId id="285" r:id="rId13"/>
+    <p:sldId id="286" r:id="rId14"/>
+    <p:sldId id="288" r:id="rId15"/>
+    <p:sldId id="287" r:id="rId16"/>
+    <p:sldId id="277" r:id="rId17"/>
   </p:sldIdLst>
   <p:sldSz cx="12192000" cy="6858000"/>
   <p:notesSz cx="6858000" cy="9144000"/>
@@ -116,2807 +127,6 @@
 </p:presentation>
 </file>
 
-<file path=ppt/diagrams/colors1.xml><?xml version="1.0" encoding="utf-8"?>
-<dgm:colorsDef xmlns:dgm="http://schemas.openxmlformats.org/drawingml/2006/diagram" xmlns:a="http://schemas.openxmlformats.org/drawingml/2006/main" uniqueId="urn:microsoft.com/office/officeart/2018/5/colors/Iconchunking_neutralicon_accent2_2">
-  <dgm:title val=""/>
-  <dgm:desc val=""/>
-  <dgm:catLst>
-    <dgm:cat type="accent2" pri="11200"/>
-  </dgm:catLst>
-  <dgm:styleLbl name="node0">
-    <dgm:fillClrLst meth="repeat">
-      <a:schemeClr val="accent2"/>
-    </dgm:fillClrLst>
-    <dgm:linClrLst meth="repeat">
-      <a:schemeClr val="lt1"/>
-    </dgm:linClrLst>
-    <dgm:effectClrLst/>
-    <dgm:txLinClrLst/>
-    <dgm:txFillClrLst/>
-    <dgm:txEffectClrLst/>
-  </dgm:styleLbl>
-  <dgm:styleLbl name="node1">
-    <dgm:fillClrLst meth="repeat">
-      <a:schemeClr val="bg1"/>
-    </dgm:fillClrLst>
-    <dgm:linClrLst meth="repeat">
-      <a:schemeClr val="lt1">
-        <a:alpha val="0"/>
-      </a:schemeClr>
-    </dgm:linClrLst>
-    <dgm:effectClrLst/>
-    <dgm:txLinClrLst/>
-    <dgm:txFillClrLst meth="repeat">
-      <a:schemeClr val="dk1"/>
-    </dgm:txFillClrLst>
-    <dgm:txEffectClrLst/>
-  </dgm:styleLbl>
-  <dgm:styleLbl name="alignNode1">
-    <dgm:fillClrLst meth="repeat">
-      <a:schemeClr val="accent2"/>
-    </dgm:fillClrLst>
-    <dgm:linClrLst meth="repeat">
-      <a:schemeClr val="accent2"/>
-    </dgm:linClrLst>
-    <dgm:effectClrLst/>
-    <dgm:txLinClrLst/>
-    <dgm:txFillClrLst/>
-    <dgm:txEffectClrLst/>
-  </dgm:styleLbl>
-  <dgm:styleLbl name="lnNode1">
-    <dgm:fillClrLst meth="repeat">
-      <a:schemeClr val="accent2"/>
-    </dgm:fillClrLst>
-    <dgm:linClrLst meth="repeat">
-      <a:schemeClr val="lt1"/>
-    </dgm:linClrLst>
-    <dgm:effectClrLst/>
-    <dgm:txLinClrLst/>
-    <dgm:txFillClrLst/>
-    <dgm:txEffectClrLst/>
-  </dgm:styleLbl>
-  <dgm:styleLbl name="vennNode1">
-    <dgm:fillClrLst meth="repeat">
-      <a:schemeClr val="accent2">
-        <a:alpha val="50000"/>
-      </a:schemeClr>
-    </dgm:fillClrLst>
-    <dgm:linClrLst meth="repeat">
-      <a:schemeClr val="lt1"/>
-    </dgm:linClrLst>
-    <dgm:effectClrLst/>
-    <dgm:txLinClrLst/>
-    <dgm:txFillClrLst/>
-    <dgm:txEffectClrLst/>
-  </dgm:styleLbl>
-  <dgm:styleLbl name="node2">
-    <dgm:fillClrLst meth="repeat">
-      <a:schemeClr val="accent2"/>
-    </dgm:fillClrLst>
-    <dgm:linClrLst meth="repeat">
-      <a:schemeClr val="lt1"/>
-    </dgm:linClrLst>
-    <dgm:effectClrLst/>
-    <dgm:txLinClrLst/>
-    <dgm:txFillClrLst/>
-    <dgm:txEffectClrLst/>
-  </dgm:styleLbl>
-  <dgm:styleLbl name="node3">
-    <dgm:fillClrLst meth="repeat">
-      <a:schemeClr val="accent2"/>
-    </dgm:fillClrLst>
-    <dgm:linClrLst meth="repeat">
-      <a:schemeClr val="lt1"/>
-    </dgm:linClrLst>
-    <dgm:effectClrLst/>
-    <dgm:txLinClrLst/>
-    <dgm:txFillClrLst/>
-    <dgm:txEffectClrLst/>
-  </dgm:styleLbl>
-  <dgm:styleLbl name="node4">
-    <dgm:fillClrLst meth="repeat">
-      <a:schemeClr val="accent2"/>
-    </dgm:fillClrLst>
-    <dgm:linClrLst meth="repeat">
-      <a:schemeClr val="lt1"/>
-    </dgm:linClrLst>
-    <dgm:effectClrLst/>
-    <dgm:txLinClrLst/>
-    <dgm:txFillClrLst/>
-    <dgm:txEffectClrLst/>
-  </dgm:styleLbl>
-  <dgm:styleLbl name="fgImgPlace1">
-    <dgm:fillClrLst meth="repeat">
-      <a:schemeClr val="accent2">
-        <a:tint val="50000"/>
-      </a:schemeClr>
-    </dgm:fillClrLst>
-    <dgm:linClrLst meth="repeat">
-      <a:schemeClr val="lt1"/>
-    </dgm:linClrLst>
-    <dgm:effectClrLst/>
-    <dgm:txLinClrLst/>
-    <dgm:txFillClrLst meth="repeat">
-      <a:schemeClr val="lt1"/>
-    </dgm:txFillClrLst>
-    <dgm:txEffectClrLst/>
-  </dgm:styleLbl>
-  <dgm:styleLbl name="alignImgPlace1">
-    <dgm:fillClrLst meth="repeat">
-      <a:schemeClr val="accent2">
-        <a:tint val="50000"/>
-      </a:schemeClr>
-    </dgm:fillClrLst>
-    <dgm:linClrLst meth="repeat">
-      <a:schemeClr val="lt1"/>
-    </dgm:linClrLst>
-    <dgm:effectClrLst/>
-    <dgm:txLinClrLst/>
-    <dgm:txFillClrLst meth="repeat">
-      <a:schemeClr val="lt1"/>
-    </dgm:txFillClrLst>
-    <dgm:txEffectClrLst/>
-  </dgm:styleLbl>
-  <dgm:styleLbl name="bgImgPlace1">
-    <dgm:fillClrLst meth="repeat">
-      <a:schemeClr val="accent2">
-        <a:tint val="50000"/>
-      </a:schemeClr>
-    </dgm:fillClrLst>
-    <dgm:linClrLst meth="repeat">
-      <a:schemeClr val="lt1"/>
-    </dgm:linClrLst>
-    <dgm:effectClrLst/>
-    <dgm:txLinClrLst/>
-    <dgm:txFillClrLst meth="repeat">
-      <a:schemeClr val="lt1"/>
-    </dgm:txFillClrLst>
-    <dgm:txEffectClrLst/>
-  </dgm:styleLbl>
-  <dgm:styleLbl name="sibTrans2D1">
-    <dgm:fillClrLst meth="repeat">
-      <a:schemeClr val="accent2">
-        <a:tint val="60000"/>
-      </a:schemeClr>
-    </dgm:fillClrLst>
-    <dgm:linClrLst meth="repeat">
-      <a:schemeClr val="accent2">
-        <a:tint val="60000"/>
-      </a:schemeClr>
-    </dgm:linClrLst>
-    <dgm:effectClrLst/>
-    <dgm:txLinClrLst/>
-    <dgm:txFillClrLst/>
-    <dgm:txEffectClrLst/>
-  </dgm:styleLbl>
-  <dgm:styleLbl name="fgSibTrans2D1">
-    <dgm:fillClrLst meth="repeat">
-      <a:schemeClr val="accent2">
-        <a:tint val="60000"/>
-      </a:schemeClr>
-    </dgm:fillClrLst>
-    <dgm:linClrLst meth="repeat">
-      <a:schemeClr val="accent2">
-        <a:tint val="60000"/>
-      </a:schemeClr>
-    </dgm:linClrLst>
-    <dgm:effectClrLst/>
-    <dgm:txLinClrLst/>
-    <dgm:txFillClrLst/>
-    <dgm:txEffectClrLst/>
-  </dgm:styleLbl>
-  <dgm:styleLbl name="bgSibTrans2D1">
-    <dgm:fillClrLst meth="repeat">
-      <a:schemeClr val="accent2">
-        <a:tint val="60000"/>
-      </a:schemeClr>
-    </dgm:fillClrLst>
-    <dgm:linClrLst meth="repeat">
-      <a:schemeClr val="accent2">
-        <a:tint val="60000"/>
-      </a:schemeClr>
-    </dgm:linClrLst>
-    <dgm:effectClrLst/>
-    <dgm:txLinClrLst/>
-    <dgm:txFillClrLst/>
-    <dgm:txEffectClrLst/>
-  </dgm:styleLbl>
-  <dgm:styleLbl name="sibTrans1D1">
-    <dgm:fillClrLst meth="repeat">
-      <a:schemeClr val="accent2"/>
-    </dgm:fillClrLst>
-    <dgm:linClrLst meth="repeat">
-      <a:schemeClr val="accent2"/>
-    </dgm:linClrLst>
-    <dgm:effectClrLst/>
-    <dgm:txLinClrLst/>
-    <dgm:txFillClrLst meth="repeat">
-      <a:schemeClr val="tx1"/>
-    </dgm:txFillClrLst>
-    <dgm:txEffectClrLst/>
-  </dgm:styleLbl>
-  <dgm:styleLbl name="callout">
-    <dgm:fillClrLst meth="repeat">
-      <a:schemeClr val="accent2"/>
-    </dgm:fillClrLst>
-    <dgm:linClrLst meth="repeat">
-      <a:schemeClr val="accent2">
-        <a:tint val="50000"/>
-      </a:schemeClr>
-    </dgm:linClrLst>
-    <dgm:effectClrLst/>
-    <dgm:txLinClrLst/>
-    <dgm:txFillClrLst meth="repeat">
-      <a:schemeClr val="tx1"/>
-    </dgm:txFillClrLst>
-    <dgm:txEffectClrLst/>
-  </dgm:styleLbl>
-  <dgm:styleLbl name="asst0">
-    <dgm:fillClrLst meth="repeat">
-      <a:schemeClr val="accent2"/>
-    </dgm:fillClrLst>
-    <dgm:linClrLst meth="repeat">
-      <a:schemeClr val="lt1"/>
-    </dgm:linClrLst>
-    <dgm:effectClrLst/>
-    <dgm:txLinClrLst/>
-    <dgm:txFillClrLst/>
-    <dgm:txEffectClrLst/>
-  </dgm:styleLbl>
-  <dgm:styleLbl name="asst1">
-    <dgm:fillClrLst meth="repeat">
-      <a:schemeClr val="accent2"/>
-    </dgm:fillClrLst>
-    <dgm:linClrLst meth="repeat">
-      <a:schemeClr val="lt1"/>
-    </dgm:linClrLst>
-    <dgm:effectClrLst/>
-    <dgm:txLinClrLst/>
-    <dgm:txFillClrLst/>
-    <dgm:txEffectClrLst/>
-  </dgm:styleLbl>
-  <dgm:styleLbl name="asst2">
-    <dgm:fillClrLst meth="repeat">
-      <a:schemeClr val="accent2"/>
-    </dgm:fillClrLst>
-    <dgm:linClrLst meth="repeat">
-      <a:schemeClr val="lt1"/>
-    </dgm:linClrLst>
-    <dgm:effectClrLst/>
-    <dgm:txLinClrLst/>
-    <dgm:txFillClrLst/>
-    <dgm:txEffectClrLst/>
-  </dgm:styleLbl>
-  <dgm:styleLbl name="asst3">
-    <dgm:fillClrLst meth="repeat">
-      <a:schemeClr val="accent2"/>
-    </dgm:fillClrLst>
-    <dgm:linClrLst meth="repeat">
-      <a:schemeClr val="lt1"/>
-    </dgm:linClrLst>
-    <dgm:effectClrLst/>
-    <dgm:txLinClrLst/>
-    <dgm:txFillClrLst/>
-    <dgm:txEffectClrLst/>
-  </dgm:styleLbl>
-  <dgm:styleLbl name="asst4">
-    <dgm:fillClrLst meth="repeat">
-      <a:schemeClr val="accent2"/>
-    </dgm:fillClrLst>
-    <dgm:linClrLst meth="repeat">
-      <a:schemeClr val="lt1"/>
-    </dgm:linClrLst>
-    <dgm:effectClrLst/>
-    <dgm:txLinClrLst/>
-    <dgm:txFillClrLst/>
-    <dgm:txEffectClrLst/>
-  </dgm:styleLbl>
-  <dgm:styleLbl name="parChTrans2D1">
-    <dgm:fillClrLst meth="repeat">
-      <a:schemeClr val="accent2">
-        <a:tint val="60000"/>
-      </a:schemeClr>
-    </dgm:fillClrLst>
-    <dgm:linClrLst meth="repeat">
-      <a:schemeClr val="accent2">
-        <a:tint val="60000"/>
-      </a:schemeClr>
-    </dgm:linClrLst>
-    <dgm:effectClrLst/>
-    <dgm:txLinClrLst/>
-    <dgm:txFillClrLst meth="repeat">
-      <a:schemeClr val="lt1"/>
-    </dgm:txFillClrLst>
-    <dgm:txEffectClrLst/>
-  </dgm:styleLbl>
-  <dgm:styleLbl name="parChTrans2D2">
-    <dgm:fillClrLst meth="repeat">
-      <a:schemeClr val="accent2"/>
-    </dgm:fillClrLst>
-    <dgm:linClrLst meth="repeat">
-      <a:schemeClr val="accent2"/>
-    </dgm:linClrLst>
-    <dgm:effectClrLst/>
-    <dgm:txLinClrLst/>
-    <dgm:txFillClrLst meth="repeat">
-      <a:schemeClr val="lt1"/>
-    </dgm:txFillClrLst>
-    <dgm:txEffectClrLst/>
-  </dgm:styleLbl>
-  <dgm:styleLbl name="parChTrans2D3">
-    <dgm:fillClrLst meth="repeat">
-      <a:schemeClr val="accent2"/>
-    </dgm:fillClrLst>
-    <dgm:linClrLst meth="repeat">
-      <a:schemeClr val="accent2"/>
-    </dgm:linClrLst>
-    <dgm:effectClrLst/>
-    <dgm:txLinClrLst/>
-    <dgm:txFillClrLst meth="repeat">
-      <a:schemeClr val="lt1"/>
-    </dgm:txFillClrLst>
-    <dgm:txEffectClrLst/>
-  </dgm:styleLbl>
-  <dgm:styleLbl name="parChTrans2D4">
-    <dgm:fillClrLst meth="repeat">
-      <a:schemeClr val="accent2"/>
-    </dgm:fillClrLst>
-    <dgm:linClrLst meth="repeat">
-      <a:schemeClr val="accent2"/>
-    </dgm:linClrLst>
-    <dgm:effectClrLst/>
-    <dgm:txLinClrLst/>
-    <dgm:txFillClrLst meth="repeat">
-      <a:schemeClr val="lt1"/>
-    </dgm:txFillClrLst>
-    <dgm:txEffectClrLst/>
-  </dgm:styleLbl>
-  <dgm:styleLbl name="parChTrans1D1">
-    <dgm:fillClrLst meth="repeat">
-      <a:schemeClr val="accent2"/>
-    </dgm:fillClrLst>
-    <dgm:linClrLst meth="repeat">
-      <a:schemeClr val="accent2">
-        <a:shade val="60000"/>
-      </a:schemeClr>
-    </dgm:linClrLst>
-    <dgm:effectClrLst/>
-    <dgm:txLinClrLst/>
-    <dgm:txFillClrLst meth="repeat">
-      <a:schemeClr val="tx1"/>
-    </dgm:txFillClrLst>
-    <dgm:txEffectClrLst/>
-  </dgm:styleLbl>
-  <dgm:styleLbl name="parChTrans1D2">
-    <dgm:fillClrLst meth="repeat">
-      <a:schemeClr val="accent2"/>
-    </dgm:fillClrLst>
-    <dgm:linClrLst meth="repeat">
-      <a:schemeClr val="accent2">
-        <a:shade val="60000"/>
-      </a:schemeClr>
-    </dgm:linClrLst>
-    <dgm:effectClrLst/>
-    <dgm:txLinClrLst/>
-    <dgm:txFillClrLst meth="repeat">
-      <a:schemeClr val="tx1"/>
-    </dgm:txFillClrLst>
-    <dgm:txEffectClrLst/>
-  </dgm:styleLbl>
-  <dgm:styleLbl name="parChTrans1D3">
-    <dgm:fillClrLst meth="repeat">
-      <a:schemeClr val="accent2"/>
-    </dgm:fillClrLst>
-    <dgm:linClrLst meth="repeat">
-      <a:schemeClr val="accent2">
-        <a:shade val="80000"/>
-      </a:schemeClr>
-    </dgm:linClrLst>
-    <dgm:effectClrLst/>
-    <dgm:txLinClrLst/>
-    <dgm:txFillClrLst meth="repeat">
-      <a:schemeClr val="tx1"/>
-    </dgm:txFillClrLst>
-    <dgm:txEffectClrLst/>
-  </dgm:styleLbl>
-  <dgm:styleLbl name="parChTrans1D4">
-    <dgm:fillClrLst meth="repeat">
-      <a:schemeClr val="accent2"/>
-    </dgm:fillClrLst>
-    <dgm:linClrLst meth="repeat">
-      <a:schemeClr val="accent2">
-        <a:shade val="80000"/>
-      </a:schemeClr>
-    </dgm:linClrLst>
-    <dgm:effectClrLst/>
-    <dgm:txLinClrLst/>
-    <dgm:txFillClrLst meth="repeat">
-      <a:schemeClr val="tx1"/>
-    </dgm:txFillClrLst>
-    <dgm:txEffectClrLst/>
-  </dgm:styleLbl>
-  <dgm:styleLbl name="fgAcc1">
-    <dgm:fillClrLst meth="repeat">
-      <a:schemeClr val="lt1">
-        <a:alpha val="90000"/>
-      </a:schemeClr>
-    </dgm:fillClrLst>
-    <dgm:linClrLst meth="repeat">
-      <a:schemeClr val="accent2"/>
-    </dgm:linClrLst>
-    <dgm:effectClrLst/>
-    <dgm:txLinClrLst/>
-    <dgm:txFillClrLst meth="repeat">
-      <a:schemeClr val="dk1"/>
-    </dgm:txFillClrLst>
-    <dgm:txEffectClrLst/>
-  </dgm:styleLbl>
-  <dgm:styleLbl name="conFgAcc1">
-    <dgm:fillClrLst meth="repeat">
-      <a:schemeClr val="lt1">
-        <a:alpha val="90000"/>
-      </a:schemeClr>
-    </dgm:fillClrLst>
-    <dgm:linClrLst meth="repeat">
-      <a:schemeClr val="accent2"/>
-    </dgm:linClrLst>
-    <dgm:effectClrLst/>
-    <dgm:txLinClrLst/>
-    <dgm:txFillClrLst meth="repeat">
-      <a:schemeClr val="dk1"/>
-    </dgm:txFillClrLst>
-    <dgm:txEffectClrLst/>
-  </dgm:styleLbl>
-  <dgm:styleLbl name="alignAcc1">
-    <dgm:fillClrLst meth="repeat">
-      <a:schemeClr val="lt1">
-        <a:alpha val="90000"/>
-      </a:schemeClr>
-    </dgm:fillClrLst>
-    <dgm:linClrLst meth="repeat">
-      <a:schemeClr val="accent2"/>
-    </dgm:linClrLst>
-    <dgm:effectClrLst/>
-    <dgm:txLinClrLst/>
-    <dgm:txFillClrLst meth="repeat">
-      <a:schemeClr val="dk1"/>
-    </dgm:txFillClrLst>
-    <dgm:txEffectClrLst/>
-  </dgm:styleLbl>
-  <dgm:styleLbl name="trAlignAcc1">
-    <dgm:fillClrLst meth="repeat">
-      <a:schemeClr val="lt1">
-        <a:alpha val="40000"/>
-      </a:schemeClr>
-    </dgm:fillClrLst>
-    <dgm:linClrLst meth="repeat">
-      <a:schemeClr val="accent2"/>
-    </dgm:linClrLst>
-    <dgm:effectClrLst/>
-    <dgm:txLinClrLst/>
-    <dgm:txFillClrLst meth="repeat">
-      <a:schemeClr val="dk1"/>
-    </dgm:txFillClrLst>
-    <dgm:txEffectClrLst/>
-  </dgm:styleLbl>
-  <dgm:styleLbl name="bgAcc1">
-    <dgm:fillClrLst meth="repeat">
-      <a:schemeClr val="lt1">
-        <a:alpha val="90000"/>
-      </a:schemeClr>
-    </dgm:fillClrLst>
-    <dgm:linClrLst meth="repeat">
-      <a:schemeClr val="accent2"/>
-    </dgm:linClrLst>
-    <dgm:effectClrLst/>
-    <dgm:txLinClrLst/>
-    <dgm:txFillClrLst meth="repeat">
-      <a:schemeClr val="dk1"/>
-    </dgm:txFillClrLst>
-    <dgm:txEffectClrLst/>
-  </dgm:styleLbl>
-  <dgm:styleLbl name="solidFgAcc1">
-    <dgm:fillClrLst meth="repeat">
-      <a:schemeClr val="lt1"/>
-    </dgm:fillClrLst>
-    <dgm:linClrLst meth="repeat">
-      <a:schemeClr val="accent2"/>
-    </dgm:linClrLst>
-    <dgm:effectClrLst/>
-    <dgm:txLinClrLst/>
-    <dgm:txFillClrLst meth="repeat">
-      <a:schemeClr val="dk1"/>
-    </dgm:txFillClrLst>
-    <dgm:txEffectClrLst/>
-  </dgm:styleLbl>
-  <dgm:styleLbl name="solidAlignAcc1">
-    <dgm:fillClrLst meth="repeat">
-      <a:schemeClr val="lt1"/>
-    </dgm:fillClrLst>
-    <dgm:linClrLst meth="repeat">
-      <a:schemeClr val="accent2"/>
-    </dgm:linClrLst>
-    <dgm:effectClrLst/>
-    <dgm:txLinClrLst/>
-    <dgm:txFillClrLst meth="repeat">
-      <a:schemeClr val="dk1"/>
-    </dgm:txFillClrLst>
-    <dgm:txEffectClrLst/>
-  </dgm:styleLbl>
-  <dgm:styleLbl name="solidBgAcc1">
-    <dgm:fillClrLst meth="repeat">
-      <a:schemeClr val="lt1"/>
-    </dgm:fillClrLst>
-    <dgm:linClrLst meth="repeat">
-      <a:schemeClr val="accent2"/>
-    </dgm:linClrLst>
-    <dgm:effectClrLst/>
-    <dgm:txLinClrLst/>
-    <dgm:txFillClrLst meth="repeat">
-      <a:schemeClr val="dk1"/>
-    </dgm:txFillClrLst>
-    <dgm:txEffectClrLst/>
-  </dgm:styleLbl>
-  <dgm:styleLbl name="fgAccFollowNode1">
-    <dgm:fillClrLst meth="repeat">
-      <a:schemeClr val="accent2">
-        <a:alpha val="90000"/>
-        <a:tint val="40000"/>
-      </a:schemeClr>
-    </dgm:fillClrLst>
-    <dgm:linClrLst meth="repeat">
-      <a:schemeClr val="accent2">
-        <a:alpha val="90000"/>
-        <a:tint val="40000"/>
-      </a:schemeClr>
-    </dgm:linClrLst>
-    <dgm:effectClrLst/>
-    <dgm:txLinClrLst/>
-    <dgm:txFillClrLst meth="repeat">
-      <a:schemeClr val="dk1"/>
-    </dgm:txFillClrLst>
-    <dgm:txEffectClrLst/>
-  </dgm:styleLbl>
-  <dgm:styleLbl name="alignAccFollowNode1">
-    <dgm:fillClrLst meth="repeat">
-      <a:schemeClr val="accent2">
-        <a:alpha val="90000"/>
-        <a:tint val="40000"/>
-      </a:schemeClr>
-    </dgm:fillClrLst>
-    <dgm:linClrLst meth="repeat">
-      <a:schemeClr val="accent2">
-        <a:alpha val="90000"/>
-        <a:tint val="40000"/>
-      </a:schemeClr>
-    </dgm:linClrLst>
-    <dgm:effectClrLst/>
-    <dgm:txLinClrLst/>
-    <dgm:txFillClrLst meth="repeat">
-      <a:schemeClr val="dk1"/>
-    </dgm:txFillClrLst>
-    <dgm:txEffectClrLst/>
-  </dgm:styleLbl>
-  <dgm:styleLbl name="bgAccFollowNode1">
-    <dgm:fillClrLst meth="repeat">
-      <a:schemeClr val="accent2">
-        <a:alpha val="90000"/>
-        <a:tint val="40000"/>
-      </a:schemeClr>
-    </dgm:fillClrLst>
-    <dgm:linClrLst meth="repeat">
-      <a:schemeClr val="accent2">
-        <a:alpha val="90000"/>
-        <a:tint val="40000"/>
-      </a:schemeClr>
-    </dgm:linClrLst>
-    <dgm:effectClrLst/>
-    <dgm:txLinClrLst/>
-    <dgm:txFillClrLst meth="repeat">
-      <a:schemeClr val="dk1"/>
-    </dgm:txFillClrLst>
-    <dgm:txEffectClrLst/>
-  </dgm:styleLbl>
-  <dgm:styleLbl name="fgAcc0">
-    <dgm:fillClrLst meth="repeat">
-      <a:schemeClr val="lt1">
-        <a:alpha val="90000"/>
-      </a:schemeClr>
-    </dgm:fillClrLst>
-    <dgm:linClrLst meth="repeat">
-      <a:schemeClr val="accent2"/>
-    </dgm:linClrLst>
-    <dgm:effectClrLst/>
-    <dgm:txLinClrLst/>
-    <dgm:txFillClrLst meth="repeat">
-      <a:schemeClr val="dk1"/>
-    </dgm:txFillClrLst>
-    <dgm:txEffectClrLst/>
-  </dgm:styleLbl>
-  <dgm:styleLbl name="fgAcc2">
-    <dgm:fillClrLst meth="repeat">
-      <a:schemeClr val="lt1">
-        <a:alpha val="90000"/>
-      </a:schemeClr>
-    </dgm:fillClrLst>
-    <dgm:linClrLst meth="repeat">
-      <a:schemeClr val="accent2"/>
-    </dgm:linClrLst>
-    <dgm:effectClrLst/>
-    <dgm:txLinClrLst/>
-    <dgm:txFillClrLst meth="repeat">
-      <a:schemeClr val="dk1"/>
-    </dgm:txFillClrLst>
-    <dgm:txEffectClrLst/>
-  </dgm:styleLbl>
-  <dgm:styleLbl name="fgAcc3">
-    <dgm:fillClrLst meth="repeat">
-      <a:schemeClr val="lt1">
-        <a:alpha val="90000"/>
-      </a:schemeClr>
-    </dgm:fillClrLst>
-    <dgm:linClrLst meth="repeat">
-      <a:schemeClr val="accent2"/>
-    </dgm:linClrLst>
-    <dgm:effectClrLst/>
-    <dgm:txLinClrLst/>
-    <dgm:txFillClrLst meth="repeat">
-      <a:schemeClr val="dk1"/>
-    </dgm:txFillClrLst>
-    <dgm:txEffectClrLst/>
-  </dgm:styleLbl>
-  <dgm:styleLbl name="fgAcc4">
-    <dgm:fillClrLst meth="repeat">
-      <a:schemeClr val="lt1">
-        <a:alpha val="90000"/>
-      </a:schemeClr>
-    </dgm:fillClrLst>
-    <dgm:linClrLst meth="repeat">
-      <a:schemeClr val="accent2"/>
-    </dgm:linClrLst>
-    <dgm:effectClrLst/>
-    <dgm:txLinClrLst/>
-    <dgm:txFillClrLst meth="repeat">
-      <a:schemeClr val="dk1"/>
-    </dgm:txFillClrLst>
-    <dgm:txEffectClrLst/>
-  </dgm:styleLbl>
-  <dgm:styleLbl name="bgShp">
-    <dgm:fillClrLst meth="repeat">
-      <a:schemeClr val="accent2"/>
-    </dgm:fillClrLst>
-    <dgm:linClrLst meth="repeat">
-      <a:schemeClr val="lt1">
-        <a:alpha val="0"/>
-      </a:schemeClr>
-    </dgm:linClrLst>
-    <dgm:effectClrLst/>
-    <dgm:txLinClrLst/>
-    <dgm:txFillClrLst/>
-    <dgm:txEffectClrLst/>
-  </dgm:styleLbl>
-  <dgm:styleLbl name="dkBgShp">
-    <dgm:fillClrLst meth="repeat">
-      <a:schemeClr val="accent2">
-        <a:shade val="80000"/>
-      </a:schemeClr>
-    </dgm:fillClrLst>
-    <dgm:linClrLst meth="repeat">
-      <a:schemeClr val="accent2"/>
-    </dgm:linClrLst>
-    <dgm:effectClrLst/>
-    <dgm:txLinClrLst/>
-    <dgm:txFillClrLst meth="repeat">
-      <a:schemeClr val="lt1"/>
-    </dgm:txFillClrLst>
-    <dgm:txEffectClrLst/>
-  </dgm:styleLbl>
-  <dgm:styleLbl name="trBgShp">
-    <dgm:fillClrLst meth="repeat">
-      <a:schemeClr val="accent2">
-        <a:tint val="50000"/>
-        <a:alpha val="40000"/>
-      </a:schemeClr>
-    </dgm:fillClrLst>
-    <dgm:linClrLst meth="repeat">
-      <a:schemeClr val="accent2"/>
-    </dgm:linClrLst>
-    <dgm:effectClrLst/>
-    <dgm:txLinClrLst/>
-    <dgm:txFillClrLst meth="repeat">
-      <a:schemeClr val="lt1"/>
-    </dgm:txFillClrLst>
-    <dgm:txEffectClrLst/>
-  </dgm:styleLbl>
-  <dgm:styleLbl name="fgShp">
-    <dgm:fillClrLst meth="repeat">
-      <a:schemeClr val="accent2">
-        <a:tint val="60000"/>
-      </a:schemeClr>
-    </dgm:fillClrLst>
-    <dgm:linClrLst meth="repeat">
-      <a:schemeClr val="lt1"/>
-    </dgm:linClrLst>
-    <dgm:effectClrLst/>
-    <dgm:txLinClrLst/>
-    <dgm:txFillClrLst meth="repeat">
-      <a:schemeClr val="dk1"/>
-    </dgm:txFillClrLst>
-    <dgm:txEffectClrLst/>
-  </dgm:styleLbl>
-  <dgm:styleLbl name="revTx">
-    <dgm:fillClrLst meth="repeat">
-      <a:schemeClr val="lt1">
-        <a:alpha val="0"/>
-      </a:schemeClr>
-    </dgm:fillClrLst>
-    <dgm:linClrLst meth="repeat">
-      <a:schemeClr val="dk1">
-        <a:alpha val="0"/>
-      </a:schemeClr>
-    </dgm:linClrLst>
-    <dgm:effectClrLst/>
-    <dgm:txLinClrLst/>
-    <dgm:txFillClrLst meth="repeat">
-      <a:schemeClr val="tx1"/>
-    </dgm:txFillClrLst>
-    <dgm:txEffectClrLst/>
-  </dgm:styleLbl>
-</dgm:colorsDef>
-</file>
-
-<file path=ppt/diagrams/data1.xml><?xml version="1.0" encoding="utf-8"?>
-<dgm:dataModel xmlns:dgm="http://schemas.openxmlformats.org/drawingml/2006/diagram" xmlns:a="http://schemas.openxmlformats.org/drawingml/2006/main">
-  <dgm:ptLst>
-    <dgm:pt modelId="{01A66772-F185-4D58-B8BB-E9370D7A7A2B}" type="doc">
-      <dgm:prSet loTypeId="urn:microsoft.com/office/officeart/2018/5/layout/IconCircleLabelList" loCatId="icon" qsTypeId="urn:microsoft.com/office/officeart/2005/8/quickstyle/simple1" qsCatId="simple" csTypeId="urn:microsoft.com/office/officeart/2018/5/colors/Iconchunking_neutralicon_accent2_2" csCatId="accent2" phldr="1"/>
-      <dgm:spPr/>
-      <dgm:t>
-        <a:bodyPr/>
-        <a:lstStyle/>
-        <a:p>
-          <a:endParaRPr lang="en-US"/>
-        </a:p>
-      </dgm:t>
-    </dgm:pt>
-    <dgm:pt modelId="{40FC4FFE-8987-4A26-B7F4-8A516F18ADAE}">
-      <dgm:prSet/>
-      <dgm:spPr/>
-      <dgm:t>
-        <a:bodyPr/>
-        <a:lstStyle/>
-        <a:p>
-          <a:pPr>
-            <a:lnSpc>
-              <a:spcPct val="100000"/>
-            </a:lnSpc>
-            <a:defRPr cap="all"/>
-          </a:pPr>
-          <a:r>
-            <a:rPr lang="en-US" dirty="0"/>
-            <a:t>Lorem ipsum dolor sit amet, consectetuer adipiscing elit. </a:t>
-          </a:r>
-        </a:p>
-      </dgm:t>
-    </dgm:pt>
-    <dgm:pt modelId="{CAD7EF86-FB23-41F6-BF42-040B36DEFDB1}" type="parTrans" cxnId="{C7AD8469-3C68-4AF9-AB82-79B0043AA120}">
-      <dgm:prSet/>
-      <dgm:spPr/>
-      <dgm:t>
-        <a:bodyPr/>
-        <a:lstStyle/>
-        <a:p>
-          <a:endParaRPr lang="en-US"/>
-        </a:p>
-      </dgm:t>
-    </dgm:pt>
-    <dgm:pt modelId="{5B62599A-5C9B-48E7-896E-EA782AC60C8B}" type="sibTrans" cxnId="{C7AD8469-3C68-4AF9-AB82-79B0043AA120}">
-      <dgm:prSet/>
-      <dgm:spPr/>
-      <dgm:t>
-        <a:bodyPr/>
-        <a:lstStyle/>
-        <a:p>
-          <a:endParaRPr lang="en-US"/>
-        </a:p>
-      </dgm:t>
-    </dgm:pt>
-    <dgm:pt modelId="{49225C73-1633-42F1-AB3B-7CB183E5F8B8}">
-      <dgm:prSet/>
-      <dgm:spPr/>
-      <dgm:t>
-        <a:bodyPr/>
-        <a:lstStyle/>
-        <a:p>
-          <a:pPr>
-            <a:lnSpc>
-              <a:spcPct val="100000"/>
-            </a:lnSpc>
-            <a:defRPr cap="all"/>
-          </a:pPr>
-          <a:r>
-            <a:rPr lang="en-US" dirty="0"/>
-            <a:t>Nunc viverra imperdiet enim. Fusce est. Vivamus a tellus.</a:t>
-          </a:r>
-        </a:p>
-      </dgm:t>
-    </dgm:pt>
-    <dgm:pt modelId="{1A0E2090-1D4F-438A-8766-B6030CE01ADD}" type="parTrans" cxnId="{A9154303-8225-4248-91DC-1B0156A35F07}">
-      <dgm:prSet/>
-      <dgm:spPr/>
-      <dgm:t>
-        <a:bodyPr/>
-        <a:lstStyle/>
-        <a:p>
-          <a:endParaRPr lang="en-US"/>
-        </a:p>
-      </dgm:t>
-    </dgm:pt>
-    <dgm:pt modelId="{9646853A-8964-4519-A5B1-0B7D18B2983D}" type="sibTrans" cxnId="{A9154303-8225-4248-91DC-1B0156A35F07}">
-      <dgm:prSet/>
-      <dgm:spPr/>
-      <dgm:t>
-        <a:bodyPr/>
-        <a:lstStyle/>
-        <a:p>
-          <a:endParaRPr lang="en-US"/>
-        </a:p>
-      </dgm:t>
-    </dgm:pt>
-    <dgm:pt modelId="{1C383F32-22E8-4F62-A3E0-BDC3D5F48992}">
-      <dgm:prSet/>
-      <dgm:spPr/>
-      <dgm:t>
-        <a:bodyPr/>
-        <a:lstStyle/>
-        <a:p>
-          <a:pPr>
-            <a:lnSpc>
-              <a:spcPct val="100000"/>
-            </a:lnSpc>
-            <a:defRPr cap="all"/>
-          </a:pPr>
-          <a:r>
-            <a:rPr lang="en-US" dirty="0"/>
-            <a:t>Pellentesque habitant morbi tristique senectus et netus.</a:t>
-          </a:r>
-        </a:p>
-      </dgm:t>
-    </dgm:pt>
-    <dgm:pt modelId="{A7920A2F-3244-4159-AF04-6A1D38B7B317}" type="parTrans" cxnId="{C4CCE57E-E871-46D6-BAD5-880252C95D22}">
-      <dgm:prSet/>
-      <dgm:spPr/>
-      <dgm:t>
-        <a:bodyPr/>
-        <a:lstStyle/>
-        <a:p>
-          <a:endParaRPr lang="en-US"/>
-        </a:p>
-      </dgm:t>
-    </dgm:pt>
-    <dgm:pt modelId="{8500F72A-2C6D-4FDF-9C1D-CA691380EB0B}" type="sibTrans" cxnId="{C4CCE57E-E871-46D6-BAD5-880252C95D22}">
-      <dgm:prSet/>
-      <dgm:spPr/>
-      <dgm:t>
-        <a:bodyPr/>
-        <a:lstStyle/>
-        <a:p>
-          <a:endParaRPr lang="en-US"/>
-        </a:p>
-      </dgm:t>
-    </dgm:pt>
-    <dgm:pt modelId="{50B3CE7C-E10B-4E23-BD93-03664997C932}" type="pres">
-      <dgm:prSet presAssocID="{01A66772-F185-4D58-B8BB-E9370D7A7A2B}" presName="root" presStyleCnt="0">
-        <dgm:presLayoutVars>
-          <dgm:dir/>
-          <dgm:resizeHandles val="exact"/>
-        </dgm:presLayoutVars>
-      </dgm:prSet>
-      <dgm:spPr/>
-    </dgm:pt>
-    <dgm:pt modelId="{DE9CE479-E4AE-4283-AEF1-10C1535B4324}" type="pres">
-      <dgm:prSet presAssocID="{40FC4FFE-8987-4A26-B7F4-8A516F18ADAE}" presName="compNode" presStyleCnt="0"/>
-      <dgm:spPr/>
-    </dgm:pt>
-    <dgm:pt modelId="{B59FCF02-CAD2-4D6F-9542-AD86711168CA}" type="pres">
-      <dgm:prSet presAssocID="{40FC4FFE-8987-4A26-B7F4-8A516F18ADAE}" presName="iconBgRect" presStyleLbl="bgShp" presStyleIdx="0" presStyleCnt="3"/>
-      <dgm:spPr>
-        <a:solidFill>
-          <a:schemeClr val="accent1"/>
-        </a:solidFill>
-      </dgm:spPr>
-    </dgm:pt>
-    <dgm:pt modelId="{7C175B98-93F4-4D7C-BB95-1514AB879CD5}" type="pres">
-      <dgm:prSet presAssocID="{40FC4FFE-8987-4A26-B7F4-8A516F18ADAE}" presName="iconRect" presStyleLbl="node1" presStyleIdx="0" presStyleCnt="3"/>
-      <dgm:spPr>
-        <a:blipFill>
-          <a:blip xmlns:r="http://schemas.openxmlformats.org/officeDocument/2006/relationships" r:embed="rId1">
-            <a:extLst>
-              <a:ext uri="{28A0092B-C50C-407E-A947-70E740481C1C}">
-                <a14:useLocalDpi xmlns:a14="http://schemas.microsoft.com/office/drawing/2010/main" val="0"/>
-              </a:ext>
-              <a:ext uri="{96DAC541-7B7A-43D3-8B79-37D633B846F1}">
-                <asvg:svgBlip xmlns:asvg="http://schemas.microsoft.com/office/drawing/2016/SVG/main" r:embed="rId2"/>
-              </a:ext>
-            </a:extLst>
-          </a:blip>
-          <a:srcRect/>
-          <a:stretch>
-            <a:fillRect/>
-          </a:stretch>
-        </a:blipFill>
-        <a:ln>
-          <a:noFill/>
-        </a:ln>
-      </dgm:spPr>
-      <dgm:extLst>
-        <a:ext uri="{E40237B7-FDA0-4F09-8148-C483321AD2D9}">
-          <dgm14:cNvPr xmlns:dgm14="http://schemas.microsoft.com/office/drawing/2010/diagram" id="0" name="" descr="Bar graph with downward trend"/>
-        </a:ext>
-      </dgm:extLst>
-    </dgm:pt>
-    <dgm:pt modelId="{677A3090-5F01-43FD-9FA6-C0420AD80FD6}" type="pres">
-      <dgm:prSet presAssocID="{40FC4FFE-8987-4A26-B7F4-8A516F18ADAE}" presName="spaceRect" presStyleCnt="0"/>
-      <dgm:spPr/>
-    </dgm:pt>
-    <dgm:pt modelId="{127117FB-F8A7-4A20-A8A7-EC686DDC76D0}" type="pres">
-      <dgm:prSet presAssocID="{40FC4FFE-8987-4A26-B7F4-8A516F18ADAE}" presName="textRect" presStyleLbl="revTx" presStyleIdx="0" presStyleCnt="3">
-        <dgm:presLayoutVars>
-          <dgm:chMax val="1"/>
-          <dgm:chPref val="1"/>
-        </dgm:presLayoutVars>
-      </dgm:prSet>
-      <dgm:spPr/>
-    </dgm:pt>
-    <dgm:pt modelId="{FD1EED9C-83D3-41AD-A09B-D3B36354168F}" type="pres">
-      <dgm:prSet presAssocID="{5B62599A-5C9B-48E7-896E-EA782AC60C8B}" presName="sibTrans" presStyleCnt="0"/>
-      <dgm:spPr/>
-    </dgm:pt>
-    <dgm:pt modelId="{C998AB0A-577D-44AA-A068-F634DDE7BD47}" type="pres">
-      <dgm:prSet presAssocID="{49225C73-1633-42F1-AB3B-7CB183E5F8B8}" presName="compNode" presStyleCnt="0"/>
-      <dgm:spPr/>
-    </dgm:pt>
-    <dgm:pt modelId="{BCD8CDD9-0C56-4401-ADB1-8B48DAB2C96F}" type="pres">
-      <dgm:prSet presAssocID="{49225C73-1633-42F1-AB3B-7CB183E5F8B8}" presName="iconBgRect" presStyleLbl="bgShp" presStyleIdx="1" presStyleCnt="3"/>
-      <dgm:spPr>
-        <a:solidFill>
-          <a:schemeClr val="accent1"/>
-        </a:solidFill>
-      </dgm:spPr>
-    </dgm:pt>
-    <dgm:pt modelId="{DB4CA7C4-FCA1-4127-B20A-2A5C031A3CF4}" type="pres">
-      <dgm:prSet presAssocID="{49225C73-1633-42F1-AB3B-7CB183E5F8B8}" presName="iconRect" presStyleLbl="node1" presStyleIdx="1" presStyleCnt="3"/>
-      <dgm:spPr>
-        <a:blipFill>
-          <a:blip xmlns:r="http://schemas.openxmlformats.org/officeDocument/2006/relationships" r:embed="rId3">
-            <a:extLst>
-              <a:ext uri="{28A0092B-C50C-407E-A947-70E740481C1C}">
-                <a14:useLocalDpi xmlns:a14="http://schemas.microsoft.com/office/drawing/2010/main" val="0"/>
-              </a:ext>
-              <a:ext uri="{96DAC541-7B7A-43D3-8B79-37D633B846F1}">
-                <asvg:svgBlip xmlns:asvg="http://schemas.microsoft.com/office/drawing/2016/SVG/main" r:embed="rId4"/>
-              </a:ext>
-            </a:extLst>
-          </a:blip>
-          <a:srcRect/>
-          <a:stretch>
-            <a:fillRect/>
-          </a:stretch>
-        </a:blipFill>
-        <a:ln>
-          <a:noFill/>
-        </a:ln>
-      </dgm:spPr>
-      <dgm:extLst>
-        <a:ext uri="{E40237B7-FDA0-4F09-8148-C483321AD2D9}">
-          <dgm14:cNvPr xmlns:dgm14="http://schemas.microsoft.com/office/drawing/2010/diagram" id="0" name="" descr="Presentation with bar chart"/>
-        </a:ext>
-      </dgm:extLst>
-    </dgm:pt>
-    <dgm:pt modelId="{9B0C8FBF-0BDD-48A5-967E-F3FE71659F6A}" type="pres">
-      <dgm:prSet presAssocID="{49225C73-1633-42F1-AB3B-7CB183E5F8B8}" presName="spaceRect" presStyleCnt="0"/>
-      <dgm:spPr/>
-    </dgm:pt>
-    <dgm:pt modelId="{7E6FE37A-5DB0-4899-9FCB-0CE39BC185F8}" type="pres">
-      <dgm:prSet presAssocID="{49225C73-1633-42F1-AB3B-7CB183E5F8B8}" presName="textRect" presStyleLbl="revTx" presStyleIdx="1" presStyleCnt="3">
-        <dgm:presLayoutVars>
-          <dgm:chMax val="1"/>
-          <dgm:chPref val="1"/>
-        </dgm:presLayoutVars>
-      </dgm:prSet>
-      <dgm:spPr/>
-    </dgm:pt>
-    <dgm:pt modelId="{5A266296-0042-402F-92EF-D59AB148E92E}" type="pres">
-      <dgm:prSet presAssocID="{9646853A-8964-4519-A5B1-0B7D18B2983D}" presName="sibTrans" presStyleCnt="0"/>
-      <dgm:spPr/>
-    </dgm:pt>
-    <dgm:pt modelId="{ECFA770B-DE2C-4683-A038-58D0FE44BC27}" type="pres">
-      <dgm:prSet presAssocID="{1C383F32-22E8-4F62-A3E0-BDC3D5F48992}" presName="compNode" presStyleCnt="0"/>
-      <dgm:spPr/>
-    </dgm:pt>
-    <dgm:pt modelId="{FF93E135-77D6-48A0-8871-9BC93D705D06}" type="pres">
-      <dgm:prSet presAssocID="{1C383F32-22E8-4F62-A3E0-BDC3D5F48992}" presName="iconBgRect" presStyleLbl="bgShp" presStyleIdx="2" presStyleCnt="3"/>
-      <dgm:spPr>
-        <a:solidFill>
-          <a:schemeClr val="accent1"/>
-        </a:solidFill>
-      </dgm:spPr>
-    </dgm:pt>
-    <dgm:pt modelId="{39509775-983E-4110-B989-EE2CD6514BE0}" type="pres">
-      <dgm:prSet presAssocID="{1C383F32-22E8-4F62-A3E0-BDC3D5F48992}" presName="iconRect" presStyleLbl="node1" presStyleIdx="2" presStyleCnt="3"/>
-      <dgm:spPr>
-        <a:blipFill>
-          <a:blip xmlns:r="http://schemas.openxmlformats.org/officeDocument/2006/relationships" r:embed="rId5">
-            <a:extLst>
-              <a:ext uri="{28A0092B-C50C-407E-A947-70E740481C1C}">
-                <a14:useLocalDpi xmlns:a14="http://schemas.microsoft.com/office/drawing/2010/main" val="0"/>
-              </a:ext>
-              <a:ext uri="{96DAC541-7B7A-43D3-8B79-37D633B846F1}">
-                <asvg:svgBlip xmlns:asvg="http://schemas.microsoft.com/office/drawing/2016/SVG/main" r:embed="rId6"/>
-              </a:ext>
-            </a:extLst>
-          </a:blip>
-          <a:srcRect/>
-          <a:stretch>
-            <a:fillRect/>
-          </a:stretch>
-        </a:blipFill>
-        <a:ln>
-          <a:noFill/>
-        </a:ln>
-      </dgm:spPr>
-      <dgm:extLst>
-        <a:ext uri="{E40237B7-FDA0-4F09-8148-C483321AD2D9}">
-          <dgm14:cNvPr xmlns:dgm14="http://schemas.microsoft.com/office/drawing/2010/diagram" id="0" name="" descr="Stopwatch"/>
-        </a:ext>
-      </dgm:extLst>
-    </dgm:pt>
-    <dgm:pt modelId="{493B43B2-705C-4AE5-8A77-D8DEEDA1B5CF}" type="pres">
-      <dgm:prSet presAssocID="{1C383F32-22E8-4F62-A3E0-BDC3D5F48992}" presName="spaceRect" presStyleCnt="0"/>
-      <dgm:spPr/>
-    </dgm:pt>
-    <dgm:pt modelId="{1AEDC777-00B3-41D7-9AE1-23D741E941C3}" type="pres">
-      <dgm:prSet presAssocID="{1C383F32-22E8-4F62-A3E0-BDC3D5F48992}" presName="textRect" presStyleLbl="revTx" presStyleIdx="2" presStyleCnt="3">
-        <dgm:presLayoutVars>
-          <dgm:chMax val="1"/>
-          <dgm:chPref val="1"/>
-        </dgm:presLayoutVars>
-      </dgm:prSet>
-      <dgm:spPr/>
-    </dgm:pt>
-  </dgm:ptLst>
-  <dgm:cxnLst>
-    <dgm:cxn modelId="{A9154303-8225-4248-91DC-1B0156A35F07}" srcId="{01A66772-F185-4D58-B8BB-E9370D7A7A2B}" destId="{49225C73-1633-42F1-AB3B-7CB183E5F8B8}" srcOrd="1" destOrd="0" parTransId="{1A0E2090-1D4F-438A-8766-B6030CE01ADD}" sibTransId="{9646853A-8964-4519-A5B1-0B7D18B2983D}"/>
-    <dgm:cxn modelId="{7A710F69-5154-4855-ACF5-BC7C1BF85A80}" type="presOf" srcId="{49225C73-1633-42F1-AB3B-7CB183E5F8B8}" destId="{7E6FE37A-5DB0-4899-9FCB-0CE39BC185F8}" srcOrd="0" destOrd="0" presId="urn:microsoft.com/office/officeart/2018/5/layout/IconCircleLabelList"/>
-    <dgm:cxn modelId="{C7AD8469-3C68-4AF9-AB82-79B0043AA120}" srcId="{01A66772-F185-4D58-B8BB-E9370D7A7A2B}" destId="{40FC4FFE-8987-4A26-B7F4-8A516F18ADAE}" srcOrd="0" destOrd="0" parTransId="{CAD7EF86-FB23-41F6-BF42-040B36DEFDB1}" sibTransId="{5B62599A-5C9B-48E7-896E-EA782AC60C8B}"/>
-    <dgm:cxn modelId="{676D3A6A-6EA7-4483-BB12-0BD4A7D7AF9D}" type="presOf" srcId="{01A66772-F185-4D58-B8BB-E9370D7A7A2B}" destId="{50B3CE7C-E10B-4E23-BD93-03664997C932}" srcOrd="0" destOrd="0" presId="urn:microsoft.com/office/officeart/2018/5/layout/IconCircleLabelList"/>
-    <dgm:cxn modelId="{1496FC70-DB8B-48D4-98DE-DD2856E389EE}" type="presOf" srcId="{1C383F32-22E8-4F62-A3E0-BDC3D5F48992}" destId="{1AEDC777-00B3-41D7-9AE1-23D741E941C3}" srcOrd="0" destOrd="0" presId="urn:microsoft.com/office/officeart/2018/5/layout/IconCircleLabelList"/>
-    <dgm:cxn modelId="{C4CCE57E-E871-46D6-BAD5-880252C95D22}" srcId="{01A66772-F185-4D58-B8BB-E9370D7A7A2B}" destId="{1C383F32-22E8-4F62-A3E0-BDC3D5F48992}" srcOrd="2" destOrd="0" parTransId="{A7920A2F-3244-4159-AF04-6A1D38B7B317}" sibTransId="{8500F72A-2C6D-4FDF-9C1D-CA691380EB0B}"/>
-    <dgm:cxn modelId="{355227E3-55E0-4343-BC8D-FC0EB1694F48}" type="presOf" srcId="{40FC4FFE-8987-4A26-B7F4-8A516F18ADAE}" destId="{127117FB-F8A7-4A20-A8A7-EC686DDC76D0}" srcOrd="0" destOrd="0" presId="urn:microsoft.com/office/officeart/2018/5/layout/IconCircleLabelList"/>
-    <dgm:cxn modelId="{555498CB-3ED1-404E-A25F-EB243EFC5FB1}" type="presParOf" srcId="{50B3CE7C-E10B-4E23-BD93-03664997C932}" destId="{DE9CE479-E4AE-4283-AEF1-10C1535B4324}" srcOrd="0" destOrd="0" presId="urn:microsoft.com/office/officeart/2018/5/layout/IconCircleLabelList"/>
-    <dgm:cxn modelId="{11F12D49-CD08-4D50-BD13-3ECBC3A476A4}" type="presParOf" srcId="{DE9CE479-E4AE-4283-AEF1-10C1535B4324}" destId="{B59FCF02-CAD2-4D6F-9542-AD86711168CA}" srcOrd="0" destOrd="0" presId="urn:microsoft.com/office/officeart/2018/5/layout/IconCircleLabelList"/>
-    <dgm:cxn modelId="{F443A659-540B-487B-97F9-49219CF60D6B}" type="presParOf" srcId="{DE9CE479-E4AE-4283-AEF1-10C1535B4324}" destId="{7C175B98-93F4-4D7C-BB95-1514AB879CD5}" srcOrd="1" destOrd="0" presId="urn:microsoft.com/office/officeart/2018/5/layout/IconCircleLabelList"/>
-    <dgm:cxn modelId="{A503D7AB-7D64-4163-93B5-1CEEDAE81823}" type="presParOf" srcId="{DE9CE479-E4AE-4283-AEF1-10C1535B4324}" destId="{677A3090-5F01-43FD-9FA6-C0420AD80FD6}" srcOrd="2" destOrd="0" presId="urn:microsoft.com/office/officeart/2018/5/layout/IconCircleLabelList"/>
-    <dgm:cxn modelId="{780188ED-7DCE-45BB-B6AF-91BE48969612}" type="presParOf" srcId="{DE9CE479-E4AE-4283-AEF1-10C1535B4324}" destId="{127117FB-F8A7-4A20-A8A7-EC686DDC76D0}" srcOrd="3" destOrd="0" presId="urn:microsoft.com/office/officeart/2018/5/layout/IconCircleLabelList"/>
-    <dgm:cxn modelId="{155719F8-A89B-4E96-BC49-C48BC717F480}" type="presParOf" srcId="{50B3CE7C-E10B-4E23-BD93-03664997C932}" destId="{FD1EED9C-83D3-41AD-A09B-D3B36354168F}" srcOrd="1" destOrd="0" presId="urn:microsoft.com/office/officeart/2018/5/layout/IconCircleLabelList"/>
-    <dgm:cxn modelId="{2772E199-56B0-4310-A55E-67D00CA3E59E}" type="presParOf" srcId="{50B3CE7C-E10B-4E23-BD93-03664997C932}" destId="{C998AB0A-577D-44AA-A068-F634DDE7BD47}" srcOrd="2" destOrd="0" presId="urn:microsoft.com/office/officeart/2018/5/layout/IconCircleLabelList"/>
-    <dgm:cxn modelId="{4E351D18-D97F-4B92-A608-2E9600B91C28}" type="presParOf" srcId="{C998AB0A-577D-44AA-A068-F634DDE7BD47}" destId="{BCD8CDD9-0C56-4401-ADB1-8B48DAB2C96F}" srcOrd="0" destOrd="0" presId="urn:microsoft.com/office/officeart/2018/5/layout/IconCircleLabelList"/>
-    <dgm:cxn modelId="{B3DC724C-4569-4E9D-BD5A-49E4CD991FD0}" type="presParOf" srcId="{C998AB0A-577D-44AA-A068-F634DDE7BD47}" destId="{DB4CA7C4-FCA1-4127-B20A-2A5C031A3CF4}" srcOrd="1" destOrd="0" presId="urn:microsoft.com/office/officeart/2018/5/layout/IconCircleLabelList"/>
-    <dgm:cxn modelId="{AD1AB552-CCE0-4911-BB9E-5D4A60B21F4F}" type="presParOf" srcId="{C998AB0A-577D-44AA-A068-F634DDE7BD47}" destId="{9B0C8FBF-0BDD-48A5-967E-F3FE71659F6A}" srcOrd="2" destOrd="0" presId="urn:microsoft.com/office/officeart/2018/5/layout/IconCircleLabelList"/>
-    <dgm:cxn modelId="{8558F796-2D01-40FE-A21A-7530EEBC3BC3}" type="presParOf" srcId="{C998AB0A-577D-44AA-A068-F634DDE7BD47}" destId="{7E6FE37A-5DB0-4899-9FCB-0CE39BC185F8}" srcOrd="3" destOrd="0" presId="urn:microsoft.com/office/officeart/2018/5/layout/IconCircleLabelList"/>
-    <dgm:cxn modelId="{1532E2BE-82E9-40A4-A6F7-40B60FC879AE}" type="presParOf" srcId="{50B3CE7C-E10B-4E23-BD93-03664997C932}" destId="{5A266296-0042-402F-92EF-D59AB148E92E}" srcOrd="3" destOrd="0" presId="urn:microsoft.com/office/officeart/2018/5/layout/IconCircleLabelList"/>
-    <dgm:cxn modelId="{3A7F4DB9-1469-4F58-B633-24B7EEE084D1}" type="presParOf" srcId="{50B3CE7C-E10B-4E23-BD93-03664997C932}" destId="{ECFA770B-DE2C-4683-A038-58D0FE44BC27}" srcOrd="4" destOrd="0" presId="urn:microsoft.com/office/officeart/2018/5/layout/IconCircleLabelList"/>
-    <dgm:cxn modelId="{91311827-CDAC-4BA8-B4A3-117AFD1CEE2D}" type="presParOf" srcId="{ECFA770B-DE2C-4683-A038-58D0FE44BC27}" destId="{FF93E135-77D6-48A0-8871-9BC93D705D06}" srcOrd="0" destOrd="0" presId="urn:microsoft.com/office/officeart/2018/5/layout/IconCircleLabelList"/>
-    <dgm:cxn modelId="{83B7CA40-11B7-4507-8422-A40F02D469B2}" type="presParOf" srcId="{ECFA770B-DE2C-4683-A038-58D0FE44BC27}" destId="{39509775-983E-4110-B989-EE2CD6514BE0}" srcOrd="1" destOrd="0" presId="urn:microsoft.com/office/officeart/2018/5/layout/IconCircleLabelList"/>
-    <dgm:cxn modelId="{A44BB251-01EB-4DEF-A28C-6D495183E4DC}" type="presParOf" srcId="{ECFA770B-DE2C-4683-A038-58D0FE44BC27}" destId="{493B43B2-705C-4AE5-8A77-D8DEEDA1B5CF}" srcOrd="2" destOrd="0" presId="urn:microsoft.com/office/officeart/2018/5/layout/IconCircleLabelList"/>
-    <dgm:cxn modelId="{1EFA52DF-3C80-4DAA-BED6-AFE2F81796B2}" type="presParOf" srcId="{ECFA770B-DE2C-4683-A038-58D0FE44BC27}" destId="{1AEDC777-00B3-41D7-9AE1-23D741E941C3}" srcOrd="3" destOrd="0" presId="urn:microsoft.com/office/officeart/2018/5/layout/IconCircleLabelList"/>
-  </dgm:cxnLst>
-  <dgm:bg/>
-  <dgm:whole/>
-  <dgm:extLst>
-    <a:ext uri="http://schemas.microsoft.com/office/drawing/2008/diagram">
-      <dsp:dataModelExt xmlns:dsp="http://schemas.microsoft.com/office/drawing/2008/diagram" relId="rId6" minVer="http://schemas.openxmlformats.org/drawingml/2006/diagram"/>
-    </a:ext>
-  </dgm:extLst>
-</dgm:dataModel>
-</file>
-
-<file path=ppt/diagrams/drawing1.xml><?xml version="1.0" encoding="utf-8"?>
-<dsp:drawing xmlns:dgm="http://schemas.openxmlformats.org/drawingml/2006/diagram" xmlns:dsp="http://schemas.microsoft.com/office/drawing/2008/diagram" xmlns:a="http://schemas.openxmlformats.org/drawingml/2006/main">
-  <dsp:spTree>
-    <dsp:nvGrpSpPr>
-      <dsp:cNvPr id="0" name=""/>
-      <dsp:cNvGrpSpPr/>
-    </dsp:nvGrpSpPr>
-    <dsp:grpSpPr/>
-    <dsp:sp modelId="{B59FCF02-CAD2-4D6F-9542-AD86711168CA}">
-      <dsp:nvSpPr>
-        <dsp:cNvPr id="0" name=""/>
-        <dsp:cNvSpPr/>
-      </dsp:nvSpPr>
-      <dsp:spPr>
-        <a:xfrm>
-          <a:off x="614381" y="503862"/>
-          <a:ext cx="1749937" cy="1749937"/>
-        </a:xfrm>
-        <a:prstGeom prst="ellipse">
-          <a:avLst/>
-        </a:prstGeom>
-        <a:solidFill>
-          <a:schemeClr val="accent1"/>
-        </a:solidFill>
-        <a:ln>
-          <a:noFill/>
-        </a:ln>
-        <a:effectLst/>
-      </dsp:spPr>
-      <dsp:style>
-        <a:lnRef idx="0">
-          <a:scrgbClr r="0" g="0" b="0"/>
-        </a:lnRef>
-        <a:fillRef idx="1">
-          <a:scrgbClr r="0" g="0" b="0"/>
-        </a:fillRef>
-        <a:effectRef idx="0">
-          <a:scrgbClr r="0" g="0" b="0"/>
-        </a:effectRef>
-        <a:fontRef idx="minor"/>
-      </dsp:style>
-    </dsp:sp>
-    <dsp:sp modelId="{7C175B98-93F4-4D7C-BB95-1514AB879CD5}">
-      <dsp:nvSpPr>
-        <dsp:cNvPr id="0" name=""/>
-        <dsp:cNvSpPr/>
-      </dsp:nvSpPr>
-      <dsp:spPr>
-        <a:xfrm>
-          <a:off x="987318" y="876800"/>
-          <a:ext cx="1004062" cy="1004062"/>
-        </a:xfrm>
-        <a:prstGeom prst="rect">
-          <a:avLst/>
-        </a:prstGeom>
-        <a:blipFill>
-          <a:blip xmlns:r="http://schemas.openxmlformats.org/officeDocument/2006/relationships" r:embed="rId1">
-            <a:extLst>
-              <a:ext uri="{28A0092B-C50C-407E-A947-70E740481C1C}">
-                <a14:useLocalDpi xmlns:a14="http://schemas.microsoft.com/office/drawing/2010/main" val="0"/>
-              </a:ext>
-              <a:ext uri="{96DAC541-7B7A-43D3-8B79-37D633B846F1}">
-                <asvg:svgBlip xmlns:asvg="http://schemas.microsoft.com/office/drawing/2016/SVG/main" r:embed="rId2"/>
-              </a:ext>
-            </a:extLst>
-          </a:blip>
-          <a:srcRect/>
-          <a:stretch>
-            <a:fillRect/>
-          </a:stretch>
-        </a:blipFill>
-        <a:ln w="15875" cap="flat" cmpd="sng" algn="ctr">
-          <a:noFill/>
-          <a:prstDash val="solid"/>
-        </a:ln>
-        <a:effectLst/>
-      </dsp:spPr>
-      <dsp:style>
-        <a:lnRef idx="2">
-          <a:scrgbClr r="0" g="0" b="0"/>
-        </a:lnRef>
-        <a:fillRef idx="1">
-          <a:scrgbClr r="0" g="0" b="0"/>
-        </a:fillRef>
-        <a:effectRef idx="0">
-          <a:scrgbClr r="0" g="0" b="0"/>
-        </a:effectRef>
-        <a:fontRef idx="minor">
-          <a:schemeClr val="lt1"/>
-        </a:fontRef>
-      </dsp:style>
-    </dsp:sp>
-    <dsp:sp modelId="{127117FB-F8A7-4A20-A8A7-EC686DDC76D0}">
-      <dsp:nvSpPr>
-        <dsp:cNvPr id="0" name=""/>
-        <dsp:cNvSpPr/>
-      </dsp:nvSpPr>
-      <dsp:spPr>
-        <a:xfrm>
-          <a:off x="54974" y="2798862"/>
-          <a:ext cx="2868750" cy="720000"/>
-        </a:xfrm>
-        <a:prstGeom prst="rect">
-          <a:avLst/>
-        </a:prstGeom>
-        <a:noFill/>
-        <a:ln>
-          <a:noFill/>
-        </a:ln>
-        <a:effectLst/>
-      </dsp:spPr>
-      <dsp:style>
-        <a:lnRef idx="0">
-          <a:scrgbClr r="0" g="0" b="0"/>
-        </a:lnRef>
-        <a:fillRef idx="0">
-          <a:scrgbClr r="0" g="0" b="0"/>
-        </a:fillRef>
-        <a:effectRef idx="0">
-          <a:scrgbClr r="0" g="0" b="0"/>
-        </a:effectRef>
-        <a:fontRef idx="minor"/>
-      </dsp:style>
-      <dsp:txBody>
-        <a:bodyPr spcFirstLastPara="0" vert="horz" wrap="square" lIns="0" tIns="0" rIns="0" bIns="0" numCol="1" spcCol="1270" anchor="t" anchorCtr="0">
-          <a:noAutofit/>
-        </a:bodyPr>
-        <a:lstStyle/>
-        <a:p>
-          <a:pPr marL="0" lvl="0" indent="0" algn="ctr" defTabSz="755650">
-            <a:lnSpc>
-              <a:spcPct val="100000"/>
-            </a:lnSpc>
-            <a:spcBef>
-              <a:spcPct val="0"/>
-            </a:spcBef>
-            <a:spcAft>
-              <a:spcPct val="35000"/>
-            </a:spcAft>
-            <a:buNone/>
-            <a:defRPr cap="all"/>
-          </a:pPr>
-          <a:r>
-            <a:rPr lang="en-US" sz="1700" kern="1200" dirty="0"/>
-            <a:t>Lorem ipsum dolor sit amet, consectetuer adipiscing elit. </a:t>
-          </a:r>
-        </a:p>
-      </dsp:txBody>
-      <dsp:txXfrm>
-        <a:off x="54974" y="2798862"/>
-        <a:ext cx="2868750" cy="720000"/>
-      </dsp:txXfrm>
-    </dsp:sp>
-    <dsp:sp modelId="{BCD8CDD9-0C56-4401-ADB1-8B48DAB2C96F}">
-      <dsp:nvSpPr>
-        <dsp:cNvPr id="0" name=""/>
-        <dsp:cNvSpPr/>
-      </dsp:nvSpPr>
-      <dsp:spPr>
-        <a:xfrm>
-          <a:off x="3985162" y="503862"/>
-          <a:ext cx="1749937" cy="1749937"/>
-        </a:xfrm>
-        <a:prstGeom prst="ellipse">
-          <a:avLst/>
-        </a:prstGeom>
-        <a:solidFill>
-          <a:schemeClr val="accent1"/>
-        </a:solidFill>
-        <a:ln>
-          <a:noFill/>
-        </a:ln>
-        <a:effectLst/>
-      </dsp:spPr>
-      <dsp:style>
-        <a:lnRef idx="0">
-          <a:scrgbClr r="0" g="0" b="0"/>
-        </a:lnRef>
-        <a:fillRef idx="1">
-          <a:scrgbClr r="0" g="0" b="0"/>
-        </a:fillRef>
-        <a:effectRef idx="0">
-          <a:scrgbClr r="0" g="0" b="0"/>
-        </a:effectRef>
-        <a:fontRef idx="minor"/>
-      </dsp:style>
-    </dsp:sp>
-    <dsp:sp modelId="{DB4CA7C4-FCA1-4127-B20A-2A5C031A3CF4}">
-      <dsp:nvSpPr>
-        <dsp:cNvPr id="0" name=""/>
-        <dsp:cNvSpPr/>
-      </dsp:nvSpPr>
-      <dsp:spPr>
-        <a:xfrm>
-          <a:off x="4358099" y="876800"/>
-          <a:ext cx="1004062" cy="1004062"/>
-        </a:xfrm>
-        <a:prstGeom prst="rect">
-          <a:avLst/>
-        </a:prstGeom>
-        <a:blipFill>
-          <a:blip xmlns:r="http://schemas.openxmlformats.org/officeDocument/2006/relationships" r:embed="rId3">
-            <a:extLst>
-              <a:ext uri="{28A0092B-C50C-407E-A947-70E740481C1C}">
-                <a14:useLocalDpi xmlns:a14="http://schemas.microsoft.com/office/drawing/2010/main" val="0"/>
-              </a:ext>
-              <a:ext uri="{96DAC541-7B7A-43D3-8B79-37D633B846F1}">
-                <asvg:svgBlip xmlns:asvg="http://schemas.microsoft.com/office/drawing/2016/SVG/main" r:embed="rId4"/>
-              </a:ext>
-            </a:extLst>
-          </a:blip>
-          <a:srcRect/>
-          <a:stretch>
-            <a:fillRect/>
-          </a:stretch>
-        </a:blipFill>
-        <a:ln w="15875" cap="flat" cmpd="sng" algn="ctr">
-          <a:noFill/>
-          <a:prstDash val="solid"/>
-        </a:ln>
-        <a:effectLst/>
-      </dsp:spPr>
-      <dsp:style>
-        <a:lnRef idx="2">
-          <a:scrgbClr r="0" g="0" b="0"/>
-        </a:lnRef>
-        <a:fillRef idx="1">
-          <a:scrgbClr r="0" g="0" b="0"/>
-        </a:fillRef>
-        <a:effectRef idx="0">
-          <a:scrgbClr r="0" g="0" b="0"/>
-        </a:effectRef>
-        <a:fontRef idx="minor">
-          <a:schemeClr val="lt1"/>
-        </a:fontRef>
-      </dsp:style>
-    </dsp:sp>
-    <dsp:sp modelId="{7E6FE37A-5DB0-4899-9FCB-0CE39BC185F8}">
-      <dsp:nvSpPr>
-        <dsp:cNvPr id="0" name=""/>
-        <dsp:cNvSpPr/>
-      </dsp:nvSpPr>
-      <dsp:spPr>
-        <a:xfrm>
-          <a:off x="3425756" y="2798862"/>
-          <a:ext cx="2868750" cy="720000"/>
-        </a:xfrm>
-        <a:prstGeom prst="rect">
-          <a:avLst/>
-        </a:prstGeom>
-        <a:noFill/>
-        <a:ln>
-          <a:noFill/>
-        </a:ln>
-        <a:effectLst/>
-      </dsp:spPr>
-      <dsp:style>
-        <a:lnRef idx="0">
-          <a:scrgbClr r="0" g="0" b="0"/>
-        </a:lnRef>
-        <a:fillRef idx="0">
-          <a:scrgbClr r="0" g="0" b="0"/>
-        </a:fillRef>
-        <a:effectRef idx="0">
-          <a:scrgbClr r="0" g="0" b="0"/>
-        </a:effectRef>
-        <a:fontRef idx="minor"/>
-      </dsp:style>
-      <dsp:txBody>
-        <a:bodyPr spcFirstLastPara="0" vert="horz" wrap="square" lIns="0" tIns="0" rIns="0" bIns="0" numCol="1" spcCol="1270" anchor="t" anchorCtr="0">
-          <a:noAutofit/>
-        </a:bodyPr>
-        <a:lstStyle/>
-        <a:p>
-          <a:pPr marL="0" lvl="0" indent="0" algn="ctr" defTabSz="755650">
-            <a:lnSpc>
-              <a:spcPct val="100000"/>
-            </a:lnSpc>
-            <a:spcBef>
-              <a:spcPct val="0"/>
-            </a:spcBef>
-            <a:spcAft>
-              <a:spcPct val="35000"/>
-            </a:spcAft>
-            <a:buNone/>
-            <a:defRPr cap="all"/>
-          </a:pPr>
-          <a:r>
-            <a:rPr lang="en-US" sz="1700" kern="1200" dirty="0"/>
-            <a:t>Nunc viverra imperdiet enim. Fusce est. Vivamus a tellus.</a:t>
-          </a:r>
-        </a:p>
-      </dsp:txBody>
-      <dsp:txXfrm>
-        <a:off x="3425756" y="2798862"/>
-        <a:ext cx="2868750" cy="720000"/>
-      </dsp:txXfrm>
-    </dsp:sp>
-    <dsp:sp modelId="{FF93E135-77D6-48A0-8871-9BC93D705D06}">
-      <dsp:nvSpPr>
-        <dsp:cNvPr id="0" name=""/>
-        <dsp:cNvSpPr/>
-      </dsp:nvSpPr>
-      <dsp:spPr>
-        <a:xfrm>
-          <a:off x="7355943" y="503862"/>
-          <a:ext cx="1749937" cy="1749937"/>
-        </a:xfrm>
-        <a:prstGeom prst="ellipse">
-          <a:avLst/>
-        </a:prstGeom>
-        <a:solidFill>
-          <a:schemeClr val="accent1"/>
-        </a:solidFill>
-        <a:ln>
-          <a:noFill/>
-        </a:ln>
-        <a:effectLst/>
-      </dsp:spPr>
-      <dsp:style>
-        <a:lnRef idx="0">
-          <a:scrgbClr r="0" g="0" b="0"/>
-        </a:lnRef>
-        <a:fillRef idx="1">
-          <a:scrgbClr r="0" g="0" b="0"/>
-        </a:fillRef>
-        <a:effectRef idx="0">
-          <a:scrgbClr r="0" g="0" b="0"/>
-        </a:effectRef>
-        <a:fontRef idx="minor"/>
-      </dsp:style>
-    </dsp:sp>
-    <dsp:sp modelId="{39509775-983E-4110-B989-EE2CD6514BE0}">
-      <dsp:nvSpPr>
-        <dsp:cNvPr id="0" name=""/>
-        <dsp:cNvSpPr/>
-      </dsp:nvSpPr>
-      <dsp:spPr>
-        <a:xfrm>
-          <a:off x="7728881" y="876800"/>
-          <a:ext cx="1004062" cy="1004062"/>
-        </a:xfrm>
-        <a:prstGeom prst="rect">
-          <a:avLst/>
-        </a:prstGeom>
-        <a:blipFill>
-          <a:blip xmlns:r="http://schemas.openxmlformats.org/officeDocument/2006/relationships" r:embed="rId5">
-            <a:extLst>
-              <a:ext uri="{28A0092B-C50C-407E-A947-70E740481C1C}">
-                <a14:useLocalDpi xmlns:a14="http://schemas.microsoft.com/office/drawing/2010/main" val="0"/>
-              </a:ext>
-              <a:ext uri="{96DAC541-7B7A-43D3-8B79-37D633B846F1}">
-                <asvg:svgBlip xmlns:asvg="http://schemas.microsoft.com/office/drawing/2016/SVG/main" r:embed="rId6"/>
-              </a:ext>
-            </a:extLst>
-          </a:blip>
-          <a:srcRect/>
-          <a:stretch>
-            <a:fillRect/>
-          </a:stretch>
-        </a:blipFill>
-        <a:ln w="15875" cap="flat" cmpd="sng" algn="ctr">
-          <a:noFill/>
-          <a:prstDash val="solid"/>
-        </a:ln>
-        <a:effectLst/>
-      </dsp:spPr>
-      <dsp:style>
-        <a:lnRef idx="2">
-          <a:scrgbClr r="0" g="0" b="0"/>
-        </a:lnRef>
-        <a:fillRef idx="1">
-          <a:scrgbClr r="0" g="0" b="0"/>
-        </a:fillRef>
-        <a:effectRef idx="0">
-          <a:scrgbClr r="0" g="0" b="0"/>
-        </a:effectRef>
-        <a:fontRef idx="minor">
-          <a:schemeClr val="lt1"/>
-        </a:fontRef>
-      </dsp:style>
-    </dsp:sp>
-    <dsp:sp modelId="{1AEDC777-00B3-41D7-9AE1-23D741E941C3}">
-      <dsp:nvSpPr>
-        <dsp:cNvPr id="0" name=""/>
-        <dsp:cNvSpPr/>
-      </dsp:nvSpPr>
-      <dsp:spPr>
-        <a:xfrm>
-          <a:off x="6796537" y="2798862"/>
-          <a:ext cx="2868750" cy="720000"/>
-        </a:xfrm>
-        <a:prstGeom prst="rect">
-          <a:avLst/>
-        </a:prstGeom>
-        <a:noFill/>
-        <a:ln>
-          <a:noFill/>
-        </a:ln>
-        <a:effectLst/>
-      </dsp:spPr>
-      <dsp:style>
-        <a:lnRef idx="0">
-          <a:scrgbClr r="0" g="0" b="0"/>
-        </a:lnRef>
-        <a:fillRef idx="0">
-          <a:scrgbClr r="0" g="0" b="0"/>
-        </a:fillRef>
-        <a:effectRef idx="0">
-          <a:scrgbClr r="0" g="0" b="0"/>
-        </a:effectRef>
-        <a:fontRef idx="minor"/>
-      </dsp:style>
-      <dsp:txBody>
-        <a:bodyPr spcFirstLastPara="0" vert="horz" wrap="square" lIns="0" tIns="0" rIns="0" bIns="0" numCol="1" spcCol="1270" anchor="t" anchorCtr="0">
-          <a:noAutofit/>
-        </a:bodyPr>
-        <a:lstStyle/>
-        <a:p>
-          <a:pPr marL="0" lvl="0" indent="0" algn="ctr" defTabSz="755650">
-            <a:lnSpc>
-              <a:spcPct val="100000"/>
-            </a:lnSpc>
-            <a:spcBef>
-              <a:spcPct val="0"/>
-            </a:spcBef>
-            <a:spcAft>
-              <a:spcPct val="35000"/>
-            </a:spcAft>
-            <a:buNone/>
-            <a:defRPr cap="all"/>
-          </a:pPr>
-          <a:r>
-            <a:rPr lang="en-US" sz="1700" kern="1200" dirty="0"/>
-            <a:t>Pellentesque habitant morbi tristique senectus et netus.</a:t>
-          </a:r>
-        </a:p>
-      </dsp:txBody>
-      <dsp:txXfrm>
-        <a:off x="6796537" y="2798862"/>
-        <a:ext cx="2868750" cy="720000"/>
-      </dsp:txXfrm>
-    </dsp:sp>
-  </dsp:spTree>
-</dsp:drawing>
-</file>
-
-<file path=ppt/diagrams/layout1.xml><?xml version="1.0" encoding="utf-8"?>
-<dgm:layoutDef xmlns:dgm="http://schemas.openxmlformats.org/drawingml/2006/diagram" xmlns:a="http://schemas.openxmlformats.org/drawingml/2006/main" uniqueId="urn:microsoft.com/office/officeart/2018/5/layout/IconCircleLabelList">
-  <dgm:title val="Icon Circle Label List"/>
-  <dgm:desc val="Use to show non-sequential or grouped chunks of information accompanied by a related visuals. Works best with icons or small pictures with short text captions."/>
-  <dgm:catLst>
-    <dgm:cat type="icon" pri="500"/>
-  </dgm:catLst>
-  <dgm:sampData useDef="1">
-    <dgm:dataModel>
-      <dgm:ptLst/>
-      <dgm:bg/>
-      <dgm:whole/>
-    </dgm:dataModel>
-  </dgm:sampData>
-  <dgm:styleData useDef="1">
-    <dgm:dataModel>
-      <dgm:ptLst/>
-      <dgm:bg/>
-      <dgm:whole/>
-    </dgm:dataModel>
-  </dgm:styleData>
-  <dgm:clrData useDef="1">
-    <dgm:dataModel>
-      <dgm:ptLst/>
-      <dgm:bg/>
-      <dgm:whole/>
-    </dgm:dataModel>
-  </dgm:clrData>
-  <dgm:layoutNode name="root">
-    <dgm:varLst>
-      <dgm:dir/>
-      <dgm:resizeHandles val="exact"/>
-    </dgm:varLst>
-    <dgm:choose name="Name0">
-      <dgm:if name="Name1" axis="self" func="var" arg="dir" op="equ" val="norm">
-        <dgm:alg type="snake">
-          <dgm:param type="grDir" val="tL"/>
-          <dgm:param type="flowDir" val="row"/>
-          <dgm:param type="contDir" val="sameDir"/>
-          <dgm:param type="off" val="ctr"/>
-          <dgm:param type="vertAlign" val="mid"/>
-          <dgm:param type="horzAlign" val="ctr"/>
-        </dgm:alg>
-      </dgm:if>
-      <dgm:else name="Name2">
-        <dgm:alg type="snake">
-          <dgm:param type="grDir" val="tR"/>
-          <dgm:param type="flowDir" val="row"/>
-          <dgm:param type="contDir" val="sameDir"/>
-          <dgm:param type="off" val="ctr"/>
-          <dgm:param type="vertAlign" val="mid"/>
-          <dgm:param type="horzAlign" val="ctr"/>
-        </dgm:alg>
-      </dgm:else>
-    </dgm:choose>
-    <dgm:shape xmlns:r="http://schemas.openxmlformats.org/officeDocument/2006/relationships" r:blip="">
-      <dgm:adjLst/>
-    </dgm:shape>
-    <dgm:presOf/>
-    <dgm:choose name="Name3">
-      <dgm:if name="Name4" axis="ch" ptType="node" func="cnt" op="lte" val="2">
-        <dgm:constrLst>
-          <dgm:constr type="h" for="ch" forName="compNode" refType="h" fact="0.4"/>
-          <dgm:constr type="w" for="ch" forName="compNode" val="100"/>
-          <dgm:constr type="w" for="ch" forName="sibTrans" refType="w" refFor="ch" refForName="compNode" fact="0.175"/>
-          <dgm:constr type="sp" refType="w" refFor="ch" refForName="compNode" op="equ" fact="0.25"/>
-          <dgm:constr type="primFontSz" for="des" ptType="node" op="equ" val="44"/>
-          <dgm:constr type="h" for="des" forName="compNode" op="equ"/>
-          <dgm:constr type="h" for="des" forName="textRect" op="equ"/>
-        </dgm:constrLst>
-      </dgm:if>
-      <dgm:if name="Name5" axis="ch" ptType="node" func="cnt" op="lte" val="3">
-        <dgm:constrLst>
-          <dgm:constr type="h" for="ch" forName="compNode" refType="h" fact="0.4"/>
-          <dgm:constr type="w" for="ch" forName="compNode" val="100"/>
-          <dgm:constr type="w" for="ch" forName="sibTrans" refType="w" refFor="ch" refForName="compNode" fact="0.175"/>
-          <dgm:constr type="sp" refType="w" refFor="ch" refForName="compNode" op="equ" fact="0.25"/>
-          <dgm:constr type="primFontSz" for="des" ptType="node" op="equ" val="40"/>
-          <dgm:constr type="h" for="des" forName="compNode" op="equ"/>
-          <dgm:constr type="h" for="des" forName="textRect" op="equ"/>
-        </dgm:constrLst>
-      </dgm:if>
-      <dgm:if name="Name6" axis="ch" ptType="node" func="cnt" op="lte" val="4">
-        <dgm:constrLst>
-          <dgm:constr type="h" for="ch" forName="compNode" refType="h" fact="0.4"/>
-          <dgm:constr type="w" for="ch" forName="compNode" refType="w"/>
-          <dgm:constr type="w" for="ch" forName="sibTrans" refType="w" refFor="ch" refForName="compNode" fact="0.175"/>
-          <dgm:constr type="sp" refType="w" refFor="ch" refForName="compNode" op="equ" fact="0.25"/>
-          <dgm:constr type="primFontSz" for="des" ptType="node" op="equ" val="32"/>
-          <dgm:constr type="h" for="des" forName="compNode" op="equ"/>
-          <dgm:constr type="h" for="des" forName="textRect" op="equ"/>
-        </dgm:constrLst>
-      </dgm:if>
-      <dgm:else name="Name7">
-        <dgm:constrLst>
-          <dgm:constr type="h" for="ch" forName="compNode" refType="h" fact="0.4"/>
-          <dgm:constr type="w" for="ch" forName="compNode" refType="w"/>
-          <dgm:constr type="w" for="ch" forName="sibTrans" refType="w" refFor="ch" refForName="compNode" fact="0.175"/>
-          <dgm:constr type="sp" refType="w" refFor="ch" refForName="compNode" op="equ" fact="0.25"/>
-          <dgm:constr type="primFontSz" for="des" ptType="node" op="equ" val="24"/>
-          <dgm:constr type="h" for="des" forName="compNode" op="equ"/>
-          <dgm:constr type="h" for="des" forName="textRect" op="equ"/>
-        </dgm:constrLst>
-      </dgm:else>
-    </dgm:choose>
-    <dgm:ruleLst>
-      <dgm:rule type="w" for="ch" forName="compNode" val="50" fact="NaN" max="NaN"/>
-    </dgm:ruleLst>
-    <dgm:forEach name="Name8" axis="ch" ptType="node">
-      <dgm:layoutNode name="compNode">
-        <dgm:alg type="composite"/>
-        <dgm:shape xmlns:r="http://schemas.openxmlformats.org/officeDocument/2006/relationships" r:blip="">
-          <dgm:adjLst/>
-        </dgm:shape>
-        <dgm:presOf axis="self"/>
-        <dgm:constrLst>
-          <dgm:constr type="w" for="ch" forName="iconBgRect" refType="w" fact="0.61"/>
-          <dgm:constr type="h" for="ch" forName="iconBgRect" refType="w" refFor="ch" refForName="iconBgRect"/>
-          <dgm:constr type="t" for="ch" forName="iconBgRect"/>
-          <dgm:constr type="ctrX" for="ch" forName="iconBgRect" refType="w" fact="0.5"/>
-          <dgm:constr type="w" for="ch" forName="iconRect" refType="w" fact="0.35"/>
-          <dgm:constr type="h" for="ch" forName="iconRect" refType="w" refFor="ch" refForName="iconRect"/>
-          <dgm:constr type="ctrX" for="ch" forName="iconRect" refType="ctrX" refFor="ch" refForName="iconBgRect"/>
-          <dgm:constr type="ctrY" for="ch" forName="iconRect" refType="ctrY" refFor="ch" refForName="iconBgRect"/>
-          <dgm:constr type="h" for="ch" forName="spaceRect" refType="w" fact="0.19"/>
-          <dgm:constr type="w" for="ch" forName="spaceRect" refType="w"/>
-          <dgm:constr type="l" for="ch" forName="spaceRect"/>
-          <dgm:constr type="t" for="ch" forName="spaceRect" refType="b" refFor="ch" refForName="iconBgRect"/>
-          <dgm:constr type="h" for="ch" forName="textRect" val="20"/>
-          <dgm:constr type="w" for="ch" forName="textRect" refType="w"/>
-          <dgm:constr type="l" for="ch" forName="textRect"/>
-          <dgm:constr type="t" for="ch" forName="textRect" refType="b" refFor="ch" refForName="spaceRect"/>
-        </dgm:constrLst>
-        <dgm:ruleLst>
-          <dgm:rule type="h" val="INF" fact="NaN" max="NaN"/>
-        </dgm:ruleLst>
-        <dgm:layoutNode name="iconBgRect" styleLbl="bgShp">
-          <dgm:alg type="sp"/>
-          <dgm:shape xmlns:r="http://schemas.openxmlformats.org/officeDocument/2006/relationships" type="ellipse" r:blip="">
-            <dgm:adjLst/>
-          </dgm:shape>
-          <dgm:presOf/>
-          <dgm:constrLst/>
-          <dgm:ruleLst/>
-        </dgm:layoutNode>
-        <dgm:layoutNode name="iconRect" styleLbl="node1">
-          <dgm:alg type="sp"/>
-          <dgm:shape xmlns:r="http://schemas.openxmlformats.org/officeDocument/2006/relationships" type="rect" r:blip="" blipPhldr="1">
-            <dgm:adjLst/>
-          </dgm:shape>
-          <dgm:presOf/>
-          <dgm:constrLst/>
-          <dgm:ruleLst/>
-        </dgm:layoutNode>
-        <dgm:layoutNode name="spaceRect">
-          <dgm:alg type="sp"/>
-          <dgm:shape xmlns:r="http://schemas.openxmlformats.org/officeDocument/2006/relationships" r:blip="">
-            <dgm:adjLst/>
-          </dgm:shape>
-          <dgm:presOf/>
-          <dgm:constrLst/>
-          <dgm:ruleLst/>
-        </dgm:layoutNode>
-        <dgm:layoutNode name="textRect" styleLbl="revTx">
-          <dgm:varLst>
-            <dgm:chMax val="1"/>
-            <dgm:chPref val="1"/>
-          </dgm:varLst>
-          <dgm:alg type="tx">
-            <dgm:param type="txAnchorVert" val="t"/>
-          </dgm:alg>
-          <dgm:shape xmlns:r="http://schemas.openxmlformats.org/officeDocument/2006/relationships" type="rect" r:blip="">
-            <dgm:adjLst/>
-          </dgm:shape>
-          <dgm:presOf axis="self" ptType="node"/>
-          <dgm:constrLst>
-            <dgm:constr type="lMarg"/>
-            <dgm:constr type="rMarg"/>
-            <dgm:constr type="tMarg"/>
-            <dgm:constr type="bMarg"/>
-          </dgm:constrLst>
-          <dgm:ruleLst>
-            <dgm:rule type="primFontSz" val="11" fact="NaN" max="NaN"/>
-            <dgm:rule type="h" val="INF" fact="NaN" max="NaN"/>
-          </dgm:ruleLst>
-        </dgm:layoutNode>
-      </dgm:layoutNode>
-      <dgm:forEach name="Name9" axis="followSib" ptType="sibTrans" cnt="1">
-        <dgm:layoutNode name="sibTrans">
-          <dgm:alg type="sp"/>
-          <dgm:shape xmlns:r="http://schemas.openxmlformats.org/officeDocument/2006/relationships" r:blip="">
-            <dgm:adjLst/>
-          </dgm:shape>
-          <dgm:presOf axis="self"/>
-          <dgm:constrLst/>
-          <dgm:ruleLst/>
-        </dgm:layoutNode>
-      </dgm:forEach>
-    </dgm:forEach>
-  </dgm:layoutNode>
-  <dgm:extLst>
-    <a:ext uri="{68A01E43-0DF5-4B5B-8FA6-DAF915123BFB}">
-      <dgm1612:lstStyle xmlns:dgm1612="http://schemas.microsoft.com/office/drawing/2016/12/diagram">
-        <a:lvl1pPr>
-          <a:lnSpc>
-            <a:spcPct val="100000"/>
-          </a:lnSpc>
-          <a:defRPr cap="all"/>
-        </a:lvl1pPr>
-      </dgm1612:lstStyle>
-    </a:ext>
-  </dgm:extLst>
-</dgm:layoutDef>
-</file>
-
-<file path=ppt/diagrams/quickStyle1.xml><?xml version="1.0" encoding="utf-8"?>
-<dgm:styleDef xmlns:dgm="http://schemas.openxmlformats.org/drawingml/2006/diagram" xmlns:a="http://schemas.openxmlformats.org/drawingml/2006/main" uniqueId="urn:microsoft.com/office/officeart/2005/8/quickstyle/simple1">
-  <dgm:title val=""/>
-  <dgm:desc val=""/>
-  <dgm:catLst>
-    <dgm:cat type="simple" pri="10100"/>
-  </dgm:catLst>
-  <dgm:scene3d>
-    <a:camera prst="orthographicFront"/>
-    <a:lightRig rig="threePt" dir="t"/>
-  </dgm:scene3d>
-  <dgm:styleLbl name="node0">
-    <dgm:scene3d>
-      <a:camera prst="orthographicFront"/>
-      <a:lightRig rig="threePt" dir="t"/>
-    </dgm:scene3d>
-    <dgm:sp3d/>
-    <dgm:txPr/>
-    <dgm:style>
-      <a:lnRef idx="2">
-        <a:scrgbClr r="0" g="0" b="0"/>
-      </a:lnRef>
-      <a:fillRef idx="1">
-        <a:scrgbClr r="0" g="0" b="0"/>
-      </a:fillRef>
-      <a:effectRef idx="0">
-        <a:scrgbClr r="0" g="0" b="0"/>
-      </a:effectRef>
-      <a:fontRef idx="minor">
-        <a:schemeClr val="lt1"/>
-      </a:fontRef>
-    </dgm:style>
-  </dgm:styleLbl>
-  <dgm:styleLbl name="lnNode1">
-    <dgm:scene3d>
-      <a:camera prst="orthographicFront"/>
-      <a:lightRig rig="threePt" dir="t"/>
-    </dgm:scene3d>
-    <dgm:sp3d/>
-    <dgm:txPr/>
-    <dgm:style>
-      <a:lnRef idx="2">
-        <a:scrgbClr r="0" g="0" b="0"/>
-      </a:lnRef>
-      <a:fillRef idx="1">
-        <a:scrgbClr r="0" g="0" b="0"/>
-      </a:fillRef>
-      <a:effectRef idx="0">
-        <a:scrgbClr r="0" g="0" b="0"/>
-      </a:effectRef>
-      <a:fontRef idx="minor">
-        <a:schemeClr val="lt1"/>
-      </a:fontRef>
-    </dgm:style>
-  </dgm:styleLbl>
-  <dgm:styleLbl name="vennNode1">
-    <dgm:scene3d>
-      <a:camera prst="orthographicFront"/>
-      <a:lightRig rig="threePt" dir="t"/>
-    </dgm:scene3d>
-    <dgm:sp3d/>
-    <dgm:txPr/>
-    <dgm:style>
-      <a:lnRef idx="2">
-        <a:scrgbClr r="0" g="0" b="0"/>
-      </a:lnRef>
-      <a:fillRef idx="1">
-        <a:scrgbClr r="0" g="0" b="0"/>
-      </a:fillRef>
-      <a:effectRef idx="0">
-        <a:scrgbClr r="0" g="0" b="0"/>
-      </a:effectRef>
-      <a:fontRef idx="minor">
-        <a:schemeClr val="tx1"/>
-      </a:fontRef>
-    </dgm:style>
-  </dgm:styleLbl>
-  <dgm:styleLbl name="alignNode1">
-    <dgm:scene3d>
-      <a:camera prst="orthographicFront"/>
-      <a:lightRig rig="threePt" dir="t"/>
-    </dgm:scene3d>
-    <dgm:sp3d/>
-    <dgm:txPr/>
-    <dgm:style>
-      <a:lnRef idx="2">
-        <a:scrgbClr r="0" g="0" b="0"/>
-      </a:lnRef>
-      <a:fillRef idx="1">
-        <a:scrgbClr r="0" g="0" b="0"/>
-      </a:fillRef>
-      <a:effectRef idx="0">
-        <a:scrgbClr r="0" g="0" b="0"/>
-      </a:effectRef>
-      <a:fontRef idx="minor">
-        <a:schemeClr val="lt1"/>
-      </a:fontRef>
-    </dgm:style>
-  </dgm:styleLbl>
-  <dgm:styleLbl name="node1">
-    <dgm:scene3d>
-      <a:camera prst="orthographicFront"/>
-      <a:lightRig rig="threePt" dir="t"/>
-    </dgm:scene3d>
-    <dgm:sp3d/>
-    <dgm:txPr/>
-    <dgm:style>
-      <a:lnRef idx="2">
-        <a:scrgbClr r="0" g="0" b="0"/>
-      </a:lnRef>
-      <a:fillRef idx="1">
-        <a:scrgbClr r="0" g="0" b="0"/>
-      </a:fillRef>
-      <a:effectRef idx="0">
-        <a:scrgbClr r="0" g="0" b="0"/>
-      </a:effectRef>
-      <a:fontRef idx="minor">
-        <a:schemeClr val="lt1"/>
-      </a:fontRef>
-    </dgm:style>
-  </dgm:styleLbl>
-  <dgm:styleLbl name="node2">
-    <dgm:scene3d>
-      <a:camera prst="orthographicFront"/>
-      <a:lightRig rig="threePt" dir="t"/>
-    </dgm:scene3d>
-    <dgm:sp3d/>
-    <dgm:txPr/>
-    <dgm:style>
-      <a:lnRef idx="2">
-        <a:scrgbClr r="0" g="0" b="0"/>
-      </a:lnRef>
-      <a:fillRef idx="1">
-        <a:scrgbClr r="0" g="0" b="0"/>
-      </a:fillRef>
-      <a:effectRef idx="0">
-        <a:scrgbClr r="0" g="0" b="0"/>
-      </a:effectRef>
-      <a:fontRef idx="minor">
-        <a:schemeClr val="lt1"/>
-      </a:fontRef>
-    </dgm:style>
-  </dgm:styleLbl>
-  <dgm:styleLbl name="node3">
-    <dgm:scene3d>
-      <a:camera prst="orthographicFront"/>
-      <a:lightRig rig="threePt" dir="t"/>
-    </dgm:scene3d>
-    <dgm:sp3d/>
-    <dgm:txPr/>
-    <dgm:style>
-      <a:lnRef idx="2">
-        <a:scrgbClr r="0" g="0" b="0"/>
-      </a:lnRef>
-      <a:fillRef idx="1">
-        <a:scrgbClr r="0" g="0" b="0"/>
-      </a:fillRef>
-      <a:effectRef idx="0">
-        <a:scrgbClr r="0" g="0" b="0"/>
-      </a:effectRef>
-      <a:fontRef idx="minor">
-        <a:schemeClr val="lt1"/>
-      </a:fontRef>
-    </dgm:style>
-  </dgm:styleLbl>
-  <dgm:styleLbl name="node4">
-    <dgm:scene3d>
-      <a:camera prst="orthographicFront"/>
-      <a:lightRig rig="threePt" dir="t"/>
-    </dgm:scene3d>
-    <dgm:sp3d/>
-    <dgm:txPr/>
-    <dgm:style>
-      <a:lnRef idx="2">
-        <a:scrgbClr r="0" g="0" b="0"/>
-      </a:lnRef>
-      <a:fillRef idx="1">
-        <a:scrgbClr r="0" g="0" b="0"/>
-      </a:fillRef>
-      <a:effectRef idx="0">
-        <a:scrgbClr r="0" g="0" b="0"/>
-      </a:effectRef>
-      <a:fontRef idx="minor">
-        <a:schemeClr val="lt1"/>
-      </a:fontRef>
-    </dgm:style>
-  </dgm:styleLbl>
-  <dgm:styleLbl name="fgImgPlace1">
-    <dgm:scene3d>
-      <a:camera prst="orthographicFront"/>
-      <a:lightRig rig="threePt" dir="t"/>
-    </dgm:scene3d>
-    <dgm:sp3d/>
-    <dgm:txPr/>
-    <dgm:style>
-      <a:lnRef idx="2">
-        <a:scrgbClr r="0" g="0" b="0"/>
-      </a:lnRef>
-      <a:fillRef idx="1">
-        <a:scrgbClr r="0" g="0" b="0"/>
-      </a:fillRef>
-      <a:effectRef idx="0">
-        <a:scrgbClr r="0" g="0" b="0"/>
-      </a:effectRef>
-      <a:fontRef idx="minor"/>
-    </dgm:style>
-  </dgm:styleLbl>
-  <dgm:styleLbl name="alignImgPlace1">
-    <dgm:scene3d>
-      <a:camera prst="orthographicFront"/>
-      <a:lightRig rig="threePt" dir="t"/>
-    </dgm:scene3d>
-    <dgm:sp3d/>
-    <dgm:txPr/>
-    <dgm:style>
-      <a:lnRef idx="2">
-        <a:scrgbClr r="0" g="0" b="0"/>
-      </a:lnRef>
-      <a:fillRef idx="1">
-        <a:scrgbClr r="0" g="0" b="0"/>
-      </a:fillRef>
-      <a:effectRef idx="0">
-        <a:scrgbClr r="0" g="0" b="0"/>
-      </a:effectRef>
-      <a:fontRef idx="minor"/>
-    </dgm:style>
-  </dgm:styleLbl>
-  <dgm:styleLbl name="bgImgPlace1">
-    <dgm:scene3d>
-      <a:camera prst="orthographicFront"/>
-      <a:lightRig rig="threePt" dir="t"/>
-    </dgm:scene3d>
-    <dgm:sp3d/>
-    <dgm:txPr/>
-    <dgm:style>
-      <a:lnRef idx="2">
-        <a:scrgbClr r="0" g="0" b="0"/>
-      </a:lnRef>
-      <a:fillRef idx="1">
-        <a:scrgbClr r="0" g="0" b="0"/>
-      </a:fillRef>
-      <a:effectRef idx="0">
-        <a:scrgbClr r="0" g="0" b="0"/>
-      </a:effectRef>
-      <a:fontRef idx="minor"/>
-    </dgm:style>
-  </dgm:styleLbl>
-  <dgm:styleLbl name="sibTrans2D1">
-    <dgm:scene3d>
-      <a:camera prst="orthographicFront"/>
-      <a:lightRig rig="threePt" dir="t"/>
-    </dgm:scene3d>
-    <dgm:sp3d/>
-    <dgm:txPr/>
-    <dgm:style>
-      <a:lnRef idx="0">
-        <a:scrgbClr r="0" g="0" b="0"/>
-      </a:lnRef>
-      <a:fillRef idx="1">
-        <a:scrgbClr r="0" g="0" b="0"/>
-      </a:fillRef>
-      <a:effectRef idx="0">
-        <a:scrgbClr r="0" g="0" b="0"/>
-      </a:effectRef>
-      <a:fontRef idx="minor">
-        <a:schemeClr val="lt1"/>
-      </a:fontRef>
-    </dgm:style>
-  </dgm:styleLbl>
-  <dgm:styleLbl name="fgSibTrans2D1">
-    <dgm:scene3d>
-      <a:camera prst="orthographicFront"/>
-      <a:lightRig rig="threePt" dir="t"/>
-    </dgm:scene3d>
-    <dgm:sp3d/>
-    <dgm:txPr/>
-    <dgm:style>
-      <a:lnRef idx="0">
-        <a:scrgbClr r="0" g="0" b="0"/>
-      </a:lnRef>
-      <a:fillRef idx="1">
-        <a:scrgbClr r="0" g="0" b="0"/>
-      </a:fillRef>
-      <a:effectRef idx="0">
-        <a:scrgbClr r="0" g="0" b="0"/>
-      </a:effectRef>
-      <a:fontRef idx="minor">
-        <a:schemeClr val="lt1"/>
-      </a:fontRef>
-    </dgm:style>
-  </dgm:styleLbl>
-  <dgm:styleLbl name="bgSibTrans2D1">
-    <dgm:scene3d>
-      <a:camera prst="orthographicFront"/>
-      <a:lightRig rig="threePt" dir="t"/>
-    </dgm:scene3d>
-    <dgm:sp3d/>
-    <dgm:txPr/>
-    <dgm:style>
-      <a:lnRef idx="0">
-        <a:scrgbClr r="0" g="0" b="0"/>
-      </a:lnRef>
-      <a:fillRef idx="1">
-        <a:scrgbClr r="0" g="0" b="0"/>
-      </a:fillRef>
-      <a:effectRef idx="0">
-        <a:scrgbClr r="0" g="0" b="0"/>
-      </a:effectRef>
-      <a:fontRef idx="minor">
-        <a:schemeClr val="lt1"/>
-      </a:fontRef>
-    </dgm:style>
-  </dgm:styleLbl>
-  <dgm:styleLbl name="sibTrans1D1">
-    <dgm:scene3d>
-      <a:camera prst="orthographicFront"/>
-      <a:lightRig rig="threePt" dir="t"/>
-    </dgm:scene3d>
-    <dgm:sp3d/>
-    <dgm:txPr/>
-    <dgm:style>
-      <a:lnRef idx="1">
-        <a:scrgbClr r="0" g="0" b="0"/>
-      </a:lnRef>
-      <a:fillRef idx="0">
-        <a:scrgbClr r="0" g="0" b="0"/>
-      </a:fillRef>
-      <a:effectRef idx="0">
-        <a:scrgbClr r="0" g="0" b="0"/>
-      </a:effectRef>
-      <a:fontRef idx="minor"/>
-    </dgm:style>
-  </dgm:styleLbl>
-  <dgm:styleLbl name="callout">
-    <dgm:scene3d>
-      <a:camera prst="orthographicFront"/>
-      <a:lightRig rig="threePt" dir="t"/>
-    </dgm:scene3d>
-    <dgm:sp3d/>
-    <dgm:txPr/>
-    <dgm:style>
-      <a:lnRef idx="2">
-        <a:scrgbClr r="0" g="0" b="0"/>
-      </a:lnRef>
-      <a:fillRef idx="1">
-        <a:scrgbClr r="0" g="0" b="0"/>
-      </a:fillRef>
-      <a:effectRef idx="0">
-        <a:scrgbClr r="0" g="0" b="0"/>
-      </a:effectRef>
-      <a:fontRef idx="minor"/>
-    </dgm:style>
-  </dgm:styleLbl>
-  <dgm:styleLbl name="asst0">
-    <dgm:scene3d>
-      <a:camera prst="orthographicFront"/>
-      <a:lightRig rig="threePt" dir="t"/>
-    </dgm:scene3d>
-    <dgm:sp3d/>
-    <dgm:txPr/>
-    <dgm:style>
-      <a:lnRef idx="2">
-        <a:scrgbClr r="0" g="0" b="0"/>
-      </a:lnRef>
-      <a:fillRef idx="1">
-        <a:scrgbClr r="0" g="0" b="0"/>
-      </a:fillRef>
-      <a:effectRef idx="0">
-        <a:scrgbClr r="0" g="0" b="0"/>
-      </a:effectRef>
-      <a:fontRef idx="minor">
-        <a:schemeClr val="lt1"/>
-      </a:fontRef>
-    </dgm:style>
-  </dgm:styleLbl>
-  <dgm:styleLbl name="asst1">
-    <dgm:scene3d>
-      <a:camera prst="orthographicFront"/>
-      <a:lightRig rig="threePt" dir="t"/>
-    </dgm:scene3d>
-    <dgm:sp3d/>
-    <dgm:txPr/>
-    <dgm:style>
-      <a:lnRef idx="2">
-        <a:scrgbClr r="0" g="0" b="0"/>
-      </a:lnRef>
-      <a:fillRef idx="1">
-        <a:scrgbClr r="0" g="0" b="0"/>
-      </a:fillRef>
-      <a:effectRef idx="0">
-        <a:scrgbClr r="0" g="0" b="0"/>
-      </a:effectRef>
-      <a:fontRef idx="minor">
-        <a:schemeClr val="lt1"/>
-      </a:fontRef>
-    </dgm:style>
-  </dgm:styleLbl>
-  <dgm:styleLbl name="asst2">
-    <dgm:scene3d>
-      <a:camera prst="orthographicFront"/>
-      <a:lightRig rig="threePt" dir="t"/>
-    </dgm:scene3d>
-    <dgm:sp3d/>
-    <dgm:txPr/>
-    <dgm:style>
-      <a:lnRef idx="2">
-        <a:scrgbClr r="0" g="0" b="0"/>
-      </a:lnRef>
-      <a:fillRef idx="1">
-        <a:scrgbClr r="0" g="0" b="0"/>
-      </a:fillRef>
-      <a:effectRef idx="0">
-        <a:scrgbClr r="0" g="0" b="0"/>
-      </a:effectRef>
-      <a:fontRef idx="minor">
-        <a:schemeClr val="lt1"/>
-      </a:fontRef>
-    </dgm:style>
-  </dgm:styleLbl>
-  <dgm:styleLbl name="asst3">
-    <dgm:scene3d>
-      <a:camera prst="orthographicFront"/>
-      <a:lightRig rig="threePt" dir="t"/>
-    </dgm:scene3d>
-    <dgm:sp3d/>
-    <dgm:txPr/>
-    <dgm:style>
-      <a:lnRef idx="2">
-        <a:scrgbClr r="0" g="0" b="0"/>
-      </a:lnRef>
-      <a:fillRef idx="1">
-        <a:scrgbClr r="0" g="0" b="0"/>
-      </a:fillRef>
-      <a:effectRef idx="0">
-        <a:scrgbClr r="0" g="0" b="0"/>
-      </a:effectRef>
-      <a:fontRef idx="minor">
-        <a:schemeClr val="lt1"/>
-      </a:fontRef>
-    </dgm:style>
-  </dgm:styleLbl>
-  <dgm:styleLbl name="asst4">
-    <dgm:scene3d>
-      <a:camera prst="orthographicFront"/>
-      <a:lightRig rig="threePt" dir="t"/>
-    </dgm:scene3d>
-    <dgm:sp3d/>
-    <dgm:txPr/>
-    <dgm:style>
-      <a:lnRef idx="2">
-        <a:scrgbClr r="0" g="0" b="0"/>
-      </a:lnRef>
-      <a:fillRef idx="1">
-        <a:scrgbClr r="0" g="0" b="0"/>
-      </a:fillRef>
-      <a:effectRef idx="0">
-        <a:scrgbClr r="0" g="0" b="0"/>
-      </a:effectRef>
-      <a:fontRef idx="minor">
-        <a:schemeClr val="lt1"/>
-      </a:fontRef>
-    </dgm:style>
-  </dgm:styleLbl>
-  <dgm:styleLbl name="parChTrans2D1">
-    <dgm:scene3d>
-      <a:camera prst="orthographicFront"/>
-      <a:lightRig rig="threePt" dir="t"/>
-    </dgm:scene3d>
-    <dgm:sp3d/>
-    <dgm:txPr/>
-    <dgm:style>
-      <a:lnRef idx="2">
-        <a:scrgbClr r="0" g="0" b="0"/>
-      </a:lnRef>
-      <a:fillRef idx="1">
-        <a:scrgbClr r="0" g="0" b="0"/>
-      </a:fillRef>
-      <a:effectRef idx="0">
-        <a:scrgbClr r="0" g="0" b="0"/>
-      </a:effectRef>
-      <a:fontRef idx="minor">
-        <a:schemeClr val="lt1"/>
-      </a:fontRef>
-    </dgm:style>
-  </dgm:styleLbl>
-  <dgm:styleLbl name="parChTrans2D2">
-    <dgm:scene3d>
-      <a:camera prst="orthographicFront"/>
-      <a:lightRig rig="threePt" dir="t"/>
-    </dgm:scene3d>
-    <dgm:sp3d/>
-    <dgm:txPr/>
-    <dgm:style>
-      <a:lnRef idx="2">
-        <a:scrgbClr r="0" g="0" b="0"/>
-      </a:lnRef>
-      <a:fillRef idx="1">
-        <a:scrgbClr r="0" g="0" b="0"/>
-      </a:fillRef>
-      <a:effectRef idx="0">
-        <a:scrgbClr r="0" g="0" b="0"/>
-      </a:effectRef>
-      <a:fontRef idx="minor">
-        <a:schemeClr val="lt1"/>
-      </a:fontRef>
-    </dgm:style>
-  </dgm:styleLbl>
-  <dgm:styleLbl name="parChTrans2D3">
-    <dgm:scene3d>
-      <a:camera prst="orthographicFront"/>
-      <a:lightRig rig="threePt" dir="t"/>
-    </dgm:scene3d>
-    <dgm:sp3d/>
-    <dgm:txPr/>
-    <dgm:style>
-      <a:lnRef idx="2">
-        <a:scrgbClr r="0" g="0" b="0"/>
-      </a:lnRef>
-      <a:fillRef idx="1">
-        <a:scrgbClr r="0" g="0" b="0"/>
-      </a:fillRef>
-      <a:effectRef idx="0">
-        <a:scrgbClr r="0" g="0" b="0"/>
-      </a:effectRef>
-      <a:fontRef idx="minor">
-        <a:schemeClr val="lt1"/>
-      </a:fontRef>
-    </dgm:style>
-  </dgm:styleLbl>
-  <dgm:styleLbl name="parChTrans2D4">
-    <dgm:scene3d>
-      <a:camera prst="orthographicFront"/>
-      <a:lightRig rig="threePt" dir="t"/>
-    </dgm:scene3d>
-    <dgm:sp3d/>
-    <dgm:txPr/>
-    <dgm:style>
-      <a:lnRef idx="2">
-        <a:scrgbClr r="0" g="0" b="0"/>
-      </a:lnRef>
-      <a:fillRef idx="1">
-        <a:scrgbClr r="0" g="0" b="0"/>
-      </a:fillRef>
-      <a:effectRef idx="0">
-        <a:scrgbClr r="0" g="0" b="0"/>
-      </a:effectRef>
-      <a:fontRef idx="minor">
-        <a:schemeClr val="lt1"/>
-      </a:fontRef>
-    </dgm:style>
-  </dgm:styleLbl>
-  <dgm:styleLbl name="parChTrans1D1">
-    <dgm:scene3d>
-      <a:camera prst="orthographicFront"/>
-      <a:lightRig rig="threePt" dir="t"/>
-    </dgm:scene3d>
-    <dgm:sp3d/>
-    <dgm:txPr/>
-    <dgm:style>
-      <a:lnRef idx="2">
-        <a:scrgbClr r="0" g="0" b="0"/>
-      </a:lnRef>
-      <a:fillRef idx="0">
-        <a:scrgbClr r="0" g="0" b="0"/>
-      </a:fillRef>
-      <a:effectRef idx="0">
-        <a:scrgbClr r="0" g="0" b="0"/>
-      </a:effectRef>
-      <a:fontRef idx="minor"/>
-    </dgm:style>
-  </dgm:styleLbl>
-  <dgm:styleLbl name="parChTrans1D2">
-    <dgm:scene3d>
-      <a:camera prst="orthographicFront"/>
-      <a:lightRig rig="threePt" dir="t"/>
-    </dgm:scene3d>
-    <dgm:sp3d/>
-    <dgm:txPr/>
-    <dgm:style>
-      <a:lnRef idx="2">
-        <a:scrgbClr r="0" g="0" b="0"/>
-      </a:lnRef>
-      <a:fillRef idx="0">
-        <a:scrgbClr r="0" g="0" b="0"/>
-      </a:fillRef>
-      <a:effectRef idx="0">
-        <a:scrgbClr r="0" g="0" b="0"/>
-      </a:effectRef>
-      <a:fontRef idx="minor"/>
-    </dgm:style>
-  </dgm:styleLbl>
-  <dgm:styleLbl name="parChTrans1D3">
-    <dgm:scene3d>
-      <a:camera prst="orthographicFront"/>
-      <a:lightRig rig="threePt" dir="t"/>
-    </dgm:scene3d>
-    <dgm:sp3d/>
-    <dgm:txPr/>
-    <dgm:style>
-      <a:lnRef idx="2">
-        <a:scrgbClr r="0" g="0" b="0"/>
-      </a:lnRef>
-      <a:fillRef idx="0">
-        <a:scrgbClr r="0" g="0" b="0"/>
-      </a:fillRef>
-      <a:effectRef idx="0">
-        <a:scrgbClr r="0" g="0" b="0"/>
-      </a:effectRef>
-      <a:fontRef idx="minor"/>
-    </dgm:style>
-  </dgm:styleLbl>
-  <dgm:styleLbl name="parChTrans1D4">
-    <dgm:scene3d>
-      <a:camera prst="orthographicFront"/>
-      <a:lightRig rig="threePt" dir="t"/>
-    </dgm:scene3d>
-    <dgm:sp3d/>
-    <dgm:txPr/>
-    <dgm:style>
-      <a:lnRef idx="2">
-        <a:scrgbClr r="0" g="0" b="0"/>
-      </a:lnRef>
-      <a:fillRef idx="0">
-        <a:scrgbClr r="0" g="0" b="0"/>
-      </a:fillRef>
-      <a:effectRef idx="0">
-        <a:scrgbClr r="0" g="0" b="0"/>
-      </a:effectRef>
-      <a:fontRef idx="minor"/>
-    </dgm:style>
-  </dgm:styleLbl>
-  <dgm:styleLbl name="fgAcc1">
-    <dgm:scene3d>
-      <a:camera prst="orthographicFront"/>
-      <a:lightRig rig="threePt" dir="t"/>
-    </dgm:scene3d>
-    <dgm:sp3d/>
-    <dgm:txPr/>
-    <dgm:style>
-      <a:lnRef idx="2">
-        <a:scrgbClr r="0" g="0" b="0"/>
-      </a:lnRef>
-      <a:fillRef idx="1">
-        <a:scrgbClr r="0" g="0" b="0"/>
-      </a:fillRef>
-      <a:effectRef idx="0">
-        <a:scrgbClr r="0" g="0" b="0"/>
-      </a:effectRef>
-      <a:fontRef idx="minor"/>
-    </dgm:style>
-  </dgm:styleLbl>
-  <dgm:styleLbl name="conFgAcc1">
-    <dgm:scene3d>
-      <a:camera prst="orthographicFront"/>
-      <a:lightRig rig="threePt" dir="t"/>
-    </dgm:scene3d>
-    <dgm:sp3d/>
-    <dgm:txPr/>
-    <dgm:style>
-      <a:lnRef idx="2">
-        <a:scrgbClr r="0" g="0" b="0"/>
-      </a:lnRef>
-      <a:fillRef idx="1">
-        <a:scrgbClr r="0" g="0" b="0"/>
-      </a:fillRef>
-      <a:effectRef idx="0">
-        <a:scrgbClr r="0" g="0" b="0"/>
-      </a:effectRef>
-      <a:fontRef idx="minor"/>
-    </dgm:style>
-  </dgm:styleLbl>
-  <dgm:styleLbl name="alignAcc1">
-    <dgm:scene3d>
-      <a:camera prst="orthographicFront"/>
-      <a:lightRig rig="threePt" dir="t"/>
-    </dgm:scene3d>
-    <dgm:sp3d/>
-    <dgm:txPr/>
-    <dgm:style>
-      <a:lnRef idx="2">
-        <a:scrgbClr r="0" g="0" b="0"/>
-      </a:lnRef>
-      <a:fillRef idx="1">
-        <a:scrgbClr r="0" g="0" b="0"/>
-      </a:fillRef>
-      <a:effectRef idx="0">
-        <a:scrgbClr r="0" g="0" b="0"/>
-      </a:effectRef>
-      <a:fontRef idx="minor"/>
-    </dgm:style>
-  </dgm:styleLbl>
-  <dgm:styleLbl name="trAlignAcc1">
-    <dgm:scene3d>
-      <a:camera prst="orthographicFront"/>
-      <a:lightRig rig="threePt" dir="t"/>
-    </dgm:scene3d>
-    <dgm:sp3d/>
-    <dgm:txPr/>
-    <dgm:style>
-      <a:lnRef idx="1">
-        <a:scrgbClr r="0" g="0" b="0"/>
-      </a:lnRef>
-      <a:fillRef idx="1">
-        <a:scrgbClr r="0" g="0" b="0"/>
-      </a:fillRef>
-      <a:effectRef idx="0">
-        <a:scrgbClr r="0" g="0" b="0"/>
-      </a:effectRef>
-      <a:fontRef idx="minor"/>
-    </dgm:style>
-  </dgm:styleLbl>
-  <dgm:styleLbl name="bgAcc1">
-    <dgm:scene3d>
-      <a:camera prst="orthographicFront"/>
-      <a:lightRig rig="threePt" dir="t"/>
-    </dgm:scene3d>
-    <dgm:sp3d/>
-    <dgm:txPr/>
-    <dgm:style>
-      <a:lnRef idx="2">
-        <a:scrgbClr r="0" g="0" b="0"/>
-      </a:lnRef>
-      <a:fillRef idx="1">
-        <a:scrgbClr r="0" g="0" b="0"/>
-      </a:fillRef>
-      <a:effectRef idx="0">
-        <a:scrgbClr r="0" g="0" b="0"/>
-      </a:effectRef>
-      <a:fontRef idx="minor"/>
-    </dgm:style>
-  </dgm:styleLbl>
-  <dgm:styleLbl name="solidFgAcc1">
-    <dgm:scene3d>
-      <a:camera prst="orthographicFront"/>
-      <a:lightRig rig="threePt" dir="t"/>
-    </dgm:scene3d>
-    <dgm:sp3d/>
-    <dgm:txPr/>
-    <dgm:style>
-      <a:lnRef idx="2">
-        <a:scrgbClr r="0" g="0" b="0"/>
-      </a:lnRef>
-      <a:fillRef idx="1">
-        <a:scrgbClr r="0" g="0" b="0"/>
-      </a:fillRef>
-      <a:effectRef idx="0">
-        <a:scrgbClr r="0" g="0" b="0"/>
-      </a:effectRef>
-      <a:fontRef idx="minor"/>
-    </dgm:style>
-  </dgm:styleLbl>
-  <dgm:styleLbl name="solidAlignAcc1">
-    <dgm:scene3d>
-      <a:camera prst="orthographicFront"/>
-      <a:lightRig rig="threePt" dir="t"/>
-    </dgm:scene3d>
-    <dgm:sp3d/>
-    <dgm:txPr/>
-    <dgm:style>
-      <a:lnRef idx="2">
-        <a:scrgbClr r="0" g="0" b="0"/>
-      </a:lnRef>
-      <a:fillRef idx="1">
-        <a:scrgbClr r="0" g="0" b="0"/>
-      </a:fillRef>
-      <a:effectRef idx="0">
-        <a:scrgbClr r="0" g="0" b="0"/>
-      </a:effectRef>
-      <a:fontRef idx="minor"/>
-    </dgm:style>
-  </dgm:styleLbl>
-  <dgm:styleLbl name="solidBgAcc1">
-    <dgm:scene3d>
-      <a:camera prst="orthographicFront"/>
-      <a:lightRig rig="threePt" dir="t"/>
-    </dgm:scene3d>
-    <dgm:sp3d/>
-    <dgm:txPr/>
-    <dgm:style>
-      <a:lnRef idx="2">
-        <a:scrgbClr r="0" g="0" b="0"/>
-      </a:lnRef>
-      <a:fillRef idx="1">
-        <a:scrgbClr r="0" g="0" b="0"/>
-      </a:fillRef>
-      <a:effectRef idx="0">
-        <a:scrgbClr r="0" g="0" b="0"/>
-      </a:effectRef>
-      <a:fontRef idx="minor"/>
-    </dgm:style>
-  </dgm:styleLbl>
-  <dgm:styleLbl name="fgAccFollowNode1">
-    <dgm:scene3d>
-      <a:camera prst="orthographicFront"/>
-      <a:lightRig rig="threePt" dir="t"/>
-    </dgm:scene3d>
-    <dgm:sp3d/>
-    <dgm:txPr/>
-    <dgm:style>
-      <a:lnRef idx="2">
-        <a:scrgbClr r="0" g="0" b="0"/>
-      </a:lnRef>
-      <a:fillRef idx="1">
-        <a:scrgbClr r="0" g="0" b="0"/>
-      </a:fillRef>
-      <a:effectRef idx="0">
-        <a:scrgbClr r="0" g="0" b="0"/>
-      </a:effectRef>
-      <a:fontRef idx="minor"/>
-    </dgm:style>
-  </dgm:styleLbl>
-  <dgm:styleLbl name="alignAccFollowNode1">
-    <dgm:scene3d>
-      <a:camera prst="orthographicFront"/>
-      <a:lightRig rig="threePt" dir="t"/>
-    </dgm:scene3d>
-    <dgm:sp3d/>
-    <dgm:txPr/>
-    <dgm:style>
-      <a:lnRef idx="2">
-        <a:scrgbClr r="0" g="0" b="0"/>
-      </a:lnRef>
-      <a:fillRef idx="1">
-        <a:scrgbClr r="0" g="0" b="0"/>
-      </a:fillRef>
-      <a:effectRef idx="0">
-        <a:scrgbClr r="0" g="0" b="0"/>
-      </a:effectRef>
-      <a:fontRef idx="minor"/>
-    </dgm:style>
-  </dgm:styleLbl>
-  <dgm:styleLbl name="bgAccFollowNode1">
-    <dgm:scene3d>
-      <a:camera prst="orthographicFront"/>
-      <a:lightRig rig="threePt" dir="t"/>
-    </dgm:scene3d>
-    <dgm:sp3d/>
-    <dgm:txPr/>
-    <dgm:style>
-      <a:lnRef idx="2">
-        <a:scrgbClr r="0" g="0" b="0"/>
-      </a:lnRef>
-      <a:fillRef idx="1">
-        <a:scrgbClr r="0" g="0" b="0"/>
-      </a:fillRef>
-      <a:effectRef idx="0">
-        <a:scrgbClr r="0" g="0" b="0"/>
-      </a:effectRef>
-      <a:fontRef idx="minor"/>
-    </dgm:style>
-  </dgm:styleLbl>
-  <dgm:styleLbl name="fgAcc0">
-    <dgm:scene3d>
-      <a:camera prst="orthographicFront"/>
-      <a:lightRig rig="threePt" dir="t"/>
-    </dgm:scene3d>
-    <dgm:sp3d/>
-    <dgm:txPr/>
-    <dgm:style>
-      <a:lnRef idx="2">
-        <a:scrgbClr r="0" g="0" b="0"/>
-      </a:lnRef>
-      <a:fillRef idx="1">
-        <a:scrgbClr r="0" g="0" b="0"/>
-      </a:fillRef>
-      <a:effectRef idx="0">
-        <a:scrgbClr r="0" g="0" b="0"/>
-      </a:effectRef>
-      <a:fontRef idx="minor"/>
-    </dgm:style>
-  </dgm:styleLbl>
-  <dgm:styleLbl name="fgAcc2">
-    <dgm:scene3d>
-      <a:camera prst="orthographicFront"/>
-      <a:lightRig rig="threePt" dir="t"/>
-    </dgm:scene3d>
-    <dgm:sp3d/>
-    <dgm:txPr/>
-    <dgm:style>
-      <a:lnRef idx="2">
-        <a:scrgbClr r="0" g="0" b="0"/>
-      </a:lnRef>
-      <a:fillRef idx="1">
-        <a:scrgbClr r="0" g="0" b="0"/>
-      </a:fillRef>
-      <a:effectRef idx="0">
-        <a:scrgbClr r="0" g="0" b="0"/>
-      </a:effectRef>
-      <a:fontRef idx="minor"/>
-    </dgm:style>
-  </dgm:styleLbl>
-  <dgm:styleLbl name="fgAcc3">
-    <dgm:scene3d>
-      <a:camera prst="orthographicFront"/>
-      <a:lightRig rig="threePt" dir="t"/>
-    </dgm:scene3d>
-    <dgm:sp3d/>
-    <dgm:txPr/>
-    <dgm:style>
-      <a:lnRef idx="2">
-        <a:scrgbClr r="0" g="0" b="0"/>
-      </a:lnRef>
-      <a:fillRef idx="1">
-        <a:scrgbClr r="0" g="0" b="0"/>
-      </a:fillRef>
-      <a:effectRef idx="0">
-        <a:scrgbClr r="0" g="0" b="0"/>
-      </a:effectRef>
-      <a:fontRef idx="minor"/>
-    </dgm:style>
-  </dgm:styleLbl>
-  <dgm:styleLbl name="fgAcc4">
-    <dgm:scene3d>
-      <a:camera prst="orthographicFront"/>
-      <a:lightRig rig="threePt" dir="t"/>
-    </dgm:scene3d>
-    <dgm:sp3d/>
-    <dgm:txPr/>
-    <dgm:style>
-      <a:lnRef idx="2">
-        <a:scrgbClr r="0" g="0" b="0"/>
-      </a:lnRef>
-      <a:fillRef idx="1">
-        <a:scrgbClr r="0" g="0" b="0"/>
-      </a:fillRef>
-      <a:effectRef idx="0">
-        <a:scrgbClr r="0" g="0" b="0"/>
-      </a:effectRef>
-      <a:fontRef idx="minor"/>
-    </dgm:style>
-  </dgm:styleLbl>
-  <dgm:styleLbl name="bgShp">
-    <dgm:scene3d>
-      <a:camera prst="orthographicFront"/>
-      <a:lightRig rig="threePt" dir="t"/>
-    </dgm:scene3d>
-    <dgm:sp3d/>
-    <dgm:txPr/>
-    <dgm:style>
-      <a:lnRef idx="0">
-        <a:scrgbClr r="0" g="0" b="0"/>
-      </a:lnRef>
-      <a:fillRef idx="1">
-        <a:scrgbClr r="0" g="0" b="0"/>
-      </a:fillRef>
-      <a:effectRef idx="0">
-        <a:scrgbClr r="0" g="0" b="0"/>
-      </a:effectRef>
-      <a:fontRef idx="minor"/>
-    </dgm:style>
-  </dgm:styleLbl>
-  <dgm:styleLbl name="dkBgShp">
-    <dgm:scene3d>
-      <a:camera prst="orthographicFront"/>
-      <a:lightRig rig="threePt" dir="t"/>
-    </dgm:scene3d>
-    <dgm:sp3d/>
-    <dgm:txPr/>
-    <dgm:style>
-      <a:lnRef idx="0">
-        <a:scrgbClr r="0" g="0" b="0"/>
-      </a:lnRef>
-      <a:fillRef idx="1">
-        <a:scrgbClr r="0" g="0" b="0"/>
-      </a:fillRef>
-      <a:effectRef idx="0">
-        <a:scrgbClr r="0" g="0" b="0"/>
-      </a:effectRef>
-      <a:fontRef idx="minor"/>
-    </dgm:style>
-  </dgm:styleLbl>
-  <dgm:styleLbl name="trBgShp">
-    <dgm:scene3d>
-      <a:camera prst="orthographicFront"/>
-      <a:lightRig rig="threePt" dir="t"/>
-    </dgm:scene3d>
-    <dgm:sp3d/>
-    <dgm:txPr/>
-    <dgm:style>
-      <a:lnRef idx="0">
-        <a:scrgbClr r="0" g="0" b="0"/>
-      </a:lnRef>
-      <a:fillRef idx="1">
-        <a:scrgbClr r="0" g="0" b="0"/>
-      </a:fillRef>
-      <a:effectRef idx="0">
-        <a:scrgbClr r="0" g="0" b="0"/>
-      </a:effectRef>
-      <a:fontRef idx="minor"/>
-    </dgm:style>
-  </dgm:styleLbl>
-  <dgm:styleLbl name="fgShp">
-    <dgm:scene3d>
-      <a:camera prst="orthographicFront"/>
-      <a:lightRig rig="threePt" dir="t"/>
-    </dgm:scene3d>
-    <dgm:sp3d/>
-    <dgm:txPr/>
-    <dgm:style>
-      <a:lnRef idx="2">
-        <a:scrgbClr r="0" g="0" b="0"/>
-      </a:lnRef>
-      <a:fillRef idx="1">
-        <a:scrgbClr r="0" g="0" b="0"/>
-      </a:fillRef>
-      <a:effectRef idx="0">
-        <a:scrgbClr r="0" g="0" b="0"/>
-      </a:effectRef>
-      <a:fontRef idx="minor"/>
-    </dgm:style>
-  </dgm:styleLbl>
-  <dgm:styleLbl name="revTx">
-    <dgm:scene3d>
-      <a:camera prst="orthographicFront"/>
-      <a:lightRig rig="threePt" dir="t"/>
-    </dgm:scene3d>
-    <dgm:sp3d/>
-    <dgm:txPr/>
-    <dgm:style>
-      <a:lnRef idx="0">
-        <a:scrgbClr r="0" g="0" b="0"/>
-      </a:lnRef>
-      <a:fillRef idx="0">
-        <a:scrgbClr r="0" g="0" b="0"/>
-      </a:fillRef>
-      <a:effectRef idx="0">
-        <a:scrgbClr r="0" g="0" b="0"/>
-      </a:effectRef>
-      <a:fontRef idx="minor"/>
-    </dgm:style>
-  </dgm:styleLbl>
-</dgm:styleDef>
-</file>
-
 <file path=ppt/notesMasters/notesMaster1.xml><?xml version="1.0" encoding="utf-8"?>
 <p:notesMaster xmlns:a="http://schemas.openxmlformats.org/drawingml/2006/main" xmlns:r="http://schemas.openxmlformats.org/officeDocument/2006/relationships" xmlns:p="http://schemas.openxmlformats.org/presentationml/2006/main">
   <p:cSld>
@@ -2999,7 +209,7 @@
           <a:p>
             <a:fld id="{C452ADB1-275D-430A-89EE-5C7E6CFF6FF2}" type="datetimeFigureOut">
               <a:rPr lang="en-US" smtClean="0"/>
-              <a:t>8/2/2023</a:t>
+              <a:t>8/3/2023</a:t>
             </a:fld>
             <a:endParaRPr lang="en-US" dirty="0"/>
           </a:p>
@@ -12059,7 +9269,7 @@
           <a:p>
             <a:fld id="{7005E26E-BCB2-4FD5-8FD5-81A5EAE94C21}" type="datetime1">
               <a:rPr lang="en-US" smtClean="0"/>
-              <a:t>8/2/2023</a:t>
+              <a:t>8/3/2023</a:t>
             </a:fld>
             <a:endParaRPr lang="en-US" dirty="0"/>
           </a:p>
@@ -12261,7 +9471,7 @@
           <a:p>
             <a:fld id="{9CC2E9B8-0487-42E4-B571-744A3D775783}" type="datetime1">
               <a:rPr lang="en-US" smtClean="0"/>
-              <a:t>8/2/2023</a:t>
+              <a:t>8/3/2023</a:t>
             </a:fld>
             <a:endParaRPr lang="en-US" dirty="0"/>
           </a:p>
@@ -12436,7 +9646,7 @@
           <a:p>
             <a:fld id="{9052E32D-1E84-43FD-8158-FFFE757EB0E8}" type="datetime1">
               <a:rPr lang="en-US" smtClean="0"/>
-              <a:t>8/2/2023</a:t>
+              <a:t>8/3/2023</a:t>
             </a:fld>
             <a:endParaRPr lang="en-US" dirty="0"/>
           </a:p>
@@ -12636,7 +9846,7 @@
           <a:p>
             <a:fld id="{8585C470-CD19-455C-B830-6D252EAD7FE5}" type="datetime1">
               <a:rPr lang="en-US" smtClean="0"/>
-              <a:t>8/2/2023</a:t>
+              <a:t>8/3/2023</a:t>
             </a:fld>
             <a:endParaRPr lang="en-US" dirty="0"/>
           </a:p>
@@ -21529,7 +18739,7 @@
           <a:p>
             <a:fld id="{7F85C43C-50D9-4F49-A136-0EFF292F93ED}" type="datetime1">
               <a:rPr lang="en-US" smtClean="0"/>
-              <a:t>8/2/2023</a:t>
+              <a:t>8/3/2023</a:t>
             </a:fld>
             <a:endParaRPr lang="en-US" dirty="0"/>
           </a:p>
@@ -21798,7 +19008,7 @@
           <a:p>
             <a:fld id="{7B53B1A3-0AEF-4064-A724-D27D660C8653}" type="datetime1">
               <a:rPr lang="en-US" smtClean="0"/>
-              <a:t>8/2/2023</a:t>
+              <a:t>8/3/2023</a:t>
             </a:fld>
             <a:endParaRPr lang="en-US" dirty="0"/>
           </a:p>
@@ -22191,7 +19401,7 @@
           <a:p>
             <a:fld id="{37D5D0F2-BF66-4A24-9384-A0129B196518}" type="datetime1">
               <a:rPr lang="en-US" smtClean="0"/>
-              <a:t>8/2/2023</a:t>
+              <a:t>8/3/2023</a:t>
             </a:fld>
             <a:endParaRPr lang="en-US" dirty="0"/>
           </a:p>
@@ -22304,7 +19514,7 @@
           <a:p>
             <a:fld id="{8C318A6C-4F6B-48D2-BDB0-D7413B3FDB0A}" type="datetime1">
               <a:rPr lang="en-US" smtClean="0"/>
-              <a:t>8/2/2023</a:t>
+              <a:t>8/3/2023</a:t>
             </a:fld>
             <a:endParaRPr lang="en-US" dirty="0"/>
           </a:p>
@@ -22394,7 +19604,7 @@
           <a:p>
             <a:fld id="{BF01ECED-6ECE-4989-B917-9D4D7E6D3C76}" type="datetime1">
               <a:rPr lang="en-US" smtClean="0"/>
-              <a:t>8/2/2023</a:t>
+              <a:t>8/3/2023</a:t>
             </a:fld>
             <a:endParaRPr lang="en-US" dirty="0"/>
           </a:p>
@@ -22679,7 +19889,7 @@
           <a:p>
             <a:fld id="{E3B570E1-CB40-488E-8C6F-EF4211DFFCB0}" type="datetime1">
               <a:rPr lang="en-US" smtClean="0"/>
-              <a:t>8/2/2023</a:t>
+              <a:t>8/3/2023</a:t>
             </a:fld>
             <a:endParaRPr lang="en-US" dirty="0"/>
           </a:p>
@@ -22954,7 +20164,7 @@
           <a:p>
             <a:fld id="{D1CEB6AF-9F5C-43BE-879E-CB9514111250}" type="datetime1">
               <a:rPr lang="en-US" smtClean="0"/>
-              <a:t>8/2/2023</a:t>
+              <a:t>8/3/2023</a:t>
             </a:fld>
             <a:endParaRPr lang="en-US" dirty="0"/>
           </a:p>
@@ -23199,7 +20409,7 @@
           <a:p>
             <a:fld id="{E7EE424C-FCA3-4EDD-B274-8E055D649B7D}" type="datetime1">
               <a:rPr lang="en-US" smtClean="0"/>
-              <a:t>8/2/2023</a:t>
+              <a:t>8/3/2023</a:t>
             </a:fld>
             <a:endParaRPr lang="en-US" dirty="0"/>
           </a:p>
@@ -24008,7 +21218,497 @@
 </p:sld>
 </file>
 
-<file path=ppt/slides/slide2.xml><?xml version="1.0" encoding="utf-8"?>
+<file path=ppt/slides/slide10.xml><?xml version="1.0" encoding="utf-8"?>
+<p:sld xmlns:a="http://schemas.openxmlformats.org/drawingml/2006/main" xmlns:r="http://schemas.openxmlformats.org/officeDocument/2006/relationships" xmlns:p="http://schemas.openxmlformats.org/presentationml/2006/main">
+  <p:cSld>
+    <p:spTree>
+      <p:nvGrpSpPr>
+        <p:cNvPr id="1" name=""/>
+        <p:cNvGrpSpPr/>
+        <p:nvPr/>
+      </p:nvGrpSpPr>
+      <p:grpSpPr>
+        <a:xfrm>
+          <a:off x="0" y="0"/>
+          <a:ext cx="0" cy="0"/>
+          <a:chOff x="0" y="0"/>
+          <a:chExt cx="0" cy="0"/>
+        </a:xfrm>
+      </p:grpSpPr>
+      <p:sp>
+        <p:nvSpPr>
+          <p:cNvPr id="2" name="Title 1">
+            <a:extLst>
+              <a:ext uri="{FF2B5EF4-FFF2-40B4-BE49-F238E27FC236}">
+                <a16:creationId xmlns:a16="http://schemas.microsoft.com/office/drawing/2014/main" id="{A504B3CD-0F8D-3FC7-A2E2-D3C8656B8583}"/>
+              </a:ext>
+            </a:extLst>
+          </p:cNvPr>
+          <p:cNvSpPr>
+            <a:spLocks noGrp="1"/>
+          </p:cNvSpPr>
+          <p:nvPr>
+            <p:ph type="title"/>
+          </p:nvPr>
+        </p:nvSpPr>
+        <p:spPr/>
+        <p:txBody>
+          <a:bodyPr/>
+          <a:lstStyle/>
+          <a:p>
+            <a:endParaRPr lang="en-US"/>
+          </a:p>
+        </p:txBody>
+      </p:sp>
+      <p:pic>
+        <p:nvPicPr>
+          <p:cNvPr id="5" name="Content Placeholder 4" descr="A graph with blue dots and a blue line&#10;&#10;Description automatically generated">
+            <a:extLst>
+              <a:ext uri="{FF2B5EF4-FFF2-40B4-BE49-F238E27FC236}">
+                <a16:creationId xmlns:a16="http://schemas.microsoft.com/office/drawing/2014/main" id="{0AAC1293-606E-D89A-CE69-485169480EF6}"/>
+              </a:ext>
+            </a:extLst>
+          </p:cNvPr>
+          <p:cNvPicPr>
+            <a:picLocks noGrp="1" noChangeAspect="1"/>
+          </p:cNvPicPr>
+          <p:nvPr>
+            <p:ph idx="1"/>
+          </p:nvPr>
+        </p:nvPicPr>
+        <p:blipFill>
+          <a:blip r:embed="rId2"/>
+          <a:stretch>
+            <a:fillRect/>
+          </a:stretch>
+        </p:blipFill>
+        <p:spPr>
+          <a:xfrm>
+            <a:off x="7329150" y="1272631"/>
+            <a:ext cx="1782106" cy="1352713"/>
+          </a:xfrm>
+        </p:spPr>
+      </p:pic>
+      <p:pic>
+        <p:nvPicPr>
+          <p:cNvPr id="7" name="Picture 6" descr="A graph with blue dots and a blue line&#10;&#10;Description automatically generated">
+            <a:extLst>
+              <a:ext uri="{FF2B5EF4-FFF2-40B4-BE49-F238E27FC236}">
+                <a16:creationId xmlns:a16="http://schemas.microsoft.com/office/drawing/2014/main" id="{C693A6DB-F6DB-D35B-9271-1C0517652675}"/>
+              </a:ext>
+            </a:extLst>
+          </p:cNvPr>
+          <p:cNvPicPr>
+            <a:picLocks noChangeAspect="1"/>
+          </p:cNvPicPr>
+          <p:nvPr/>
+        </p:nvPicPr>
+        <p:blipFill>
+          <a:blip r:embed="rId3"/>
+          <a:stretch>
+            <a:fillRect/>
+          </a:stretch>
+        </p:blipFill>
+        <p:spPr>
+          <a:xfrm>
+            <a:off x="9531348" y="1272631"/>
+            <a:ext cx="1685050" cy="1295278"/>
+          </a:xfrm>
+          <a:prstGeom prst="rect">
+            <a:avLst/>
+          </a:prstGeom>
+        </p:spPr>
+      </p:pic>
+      <p:pic>
+        <p:nvPicPr>
+          <p:cNvPr id="9" name="Picture 8" descr="A graph with blue dots&#10;&#10;Description automatically generated">
+            <a:extLst>
+              <a:ext uri="{FF2B5EF4-FFF2-40B4-BE49-F238E27FC236}">
+                <a16:creationId xmlns:a16="http://schemas.microsoft.com/office/drawing/2014/main" id="{1B47A1BC-60B3-0477-B49A-DB3BA846850F}"/>
+              </a:ext>
+            </a:extLst>
+          </p:cNvPr>
+          <p:cNvPicPr>
+            <a:picLocks noChangeAspect="1"/>
+          </p:cNvPicPr>
+          <p:nvPr/>
+        </p:nvPicPr>
+        <p:blipFill>
+          <a:blip r:embed="rId4"/>
+          <a:stretch>
+            <a:fillRect/>
+          </a:stretch>
+        </p:blipFill>
+        <p:spPr>
+          <a:xfrm>
+            <a:off x="7329151" y="2672216"/>
+            <a:ext cx="1782105" cy="1379613"/>
+          </a:xfrm>
+          <a:prstGeom prst="rect">
+            <a:avLst/>
+          </a:prstGeom>
+        </p:spPr>
+      </p:pic>
+      <p:pic>
+        <p:nvPicPr>
+          <p:cNvPr id="11" name="Picture 10" descr="A graph of a line graph with blue dots&#10;&#10;Description automatically generated with medium confidence">
+            <a:extLst>
+              <a:ext uri="{FF2B5EF4-FFF2-40B4-BE49-F238E27FC236}">
+                <a16:creationId xmlns:a16="http://schemas.microsoft.com/office/drawing/2014/main" id="{A9C32DF1-F0C0-A301-A79A-5DC4BA256772}"/>
+              </a:ext>
+            </a:extLst>
+          </p:cNvPr>
+          <p:cNvPicPr>
+            <a:picLocks noChangeAspect="1"/>
+          </p:cNvPicPr>
+          <p:nvPr/>
+        </p:nvPicPr>
+        <p:blipFill>
+          <a:blip r:embed="rId5"/>
+          <a:stretch>
+            <a:fillRect/>
+          </a:stretch>
+        </p:blipFill>
+        <p:spPr>
+          <a:xfrm>
+            <a:off x="9482822" y="2625344"/>
+            <a:ext cx="1782104" cy="1397477"/>
+          </a:xfrm>
+          <a:prstGeom prst="rect">
+            <a:avLst/>
+          </a:prstGeom>
+        </p:spPr>
+      </p:pic>
+      <p:pic>
+        <p:nvPicPr>
+          <p:cNvPr id="13" name="Picture 12" descr="A graph with blue dots and a line&#10;&#10;Description automatically generated">
+            <a:extLst>
+              <a:ext uri="{FF2B5EF4-FFF2-40B4-BE49-F238E27FC236}">
+                <a16:creationId xmlns:a16="http://schemas.microsoft.com/office/drawing/2014/main" id="{0CD1A02B-AC21-FA55-5D13-47E9E1D751D4}"/>
+              </a:ext>
+            </a:extLst>
+          </p:cNvPr>
+          <p:cNvPicPr>
+            <a:picLocks noChangeAspect="1"/>
+          </p:cNvPicPr>
+          <p:nvPr/>
+        </p:nvPicPr>
+        <p:blipFill>
+          <a:blip r:embed="rId6"/>
+          <a:stretch>
+            <a:fillRect/>
+          </a:stretch>
+        </p:blipFill>
+        <p:spPr>
+          <a:xfrm>
+            <a:off x="7329152" y="4094922"/>
+            <a:ext cx="1782105" cy="1356491"/>
+          </a:xfrm>
+          <a:prstGeom prst="rect">
+            <a:avLst/>
+          </a:prstGeom>
+        </p:spPr>
+      </p:pic>
+      <p:pic>
+        <p:nvPicPr>
+          <p:cNvPr id="15" name="Picture 14" descr="A graph with blue dots and a line&#10;&#10;Description automatically generated">
+            <a:extLst>
+              <a:ext uri="{FF2B5EF4-FFF2-40B4-BE49-F238E27FC236}">
+                <a16:creationId xmlns:a16="http://schemas.microsoft.com/office/drawing/2014/main" id="{7E3394F9-0EA6-E78F-A79A-2B93AA9D752E}"/>
+              </a:ext>
+            </a:extLst>
+          </p:cNvPr>
+          <p:cNvPicPr>
+            <a:picLocks noChangeAspect="1"/>
+          </p:cNvPicPr>
+          <p:nvPr/>
+        </p:nvPicPr>
+        <p:blipFill>
+          <a:blip r:embed="rId7"/>
+          <a:stretch>
+            <a:fillRect/>
+          </a:stretch>
+        </p:blipFill>
+        <p:spPr>
+          <a:xfrm>
+            <a:off x="9482821" y="4051229"/>
+            <a:ext cx="1782105" cy="1397479"/>
+          </a:xfrm>
+          <a:prstGeom prst="rect">
+            <a:avLst/>
+          </a:prstGeom>
+        </p:spPr>
+      </p:pic>
+      <p:pic>
+        <p:nvPicPr>
+          <p:cNvPr id="17" name="Picture 16" descr="A graph with blue dots and a line&#10;&#10;Description automatically generated">
+            <a:extLst>
+              <a:ext uri="{FF2B5EF4-FFF2-40B4-BE49-F238E27FC236}">
+                <a16:creationId xmlns:a16="http://schemas.microsoft.com/office/drawing/2014/main" id="{317AAA2B-3F09-FB13-9106-DA5E033ABD66}"/>
+              </a:ext>
+            </a:extLst>
+          </p:cNvPr>
+          <p:cNvPicPr>
+            <a:picLocks noChangeAspect="1"/>
+          </p:cNvPicPr>
+          <p:nvPr/>
+        </p:nvPicPr>
+        <p:blipFill>
+          <a:blip r:embed="rId8"/>
+          <a:stretch>
+            <a:fillRect/>
+          </a:stretch>
+        </p:blipFill>
+        <p:spPr>
+          <a:xfrm>
+            <a:off x="9482822" y="5451413"/>
+            <a:ext cx="1782104" cy="1397477"/>
+          </a:xfrm>
+          <a:prstGeom prst="rect">
+            <a:avLst/>
+          </a:prstGeom>
+        </p:spPr>
+      </p:pic>
+      <p:pic>
+        <p:nvPicPr>
+          <p:cNvPr id="19" name="Picture 18" descr="A graph with blue dots&#10;&#10;Description automatically generated">
+            <a:extLst>
+              <a:ext uri="{FF2B5EF4-FFF2-40B4-BE49-F238E27FC236}">
+                <a16:creationId xmlns:a16="http://schemas.microsoft.com/office/drawing/2014/main" id="{41D8297F-D7EB-635D-830A-544121CF6400}"/>
+              </a:ext>
+            </a:extLst>
+          </p:cNvPr>
+          <p:cNvPicPr>
+            <a:picLocks noChangeAspect="1"/>
+          </p:cNvPicPr>
+          <p:nvPr/>
+        </p:nvPicPr>
+        <p:blipFill>
+          <a:blip r:embed="rId9"/>
+          <a:stretch>
+            <a:fillRect/>
+          </a:stretch>
+        </p:blipFill>
+        <p:spPr>
+          <a:xfrm>
+            <a:off x="7329152" y="5451414"/>
+            <a:ext cx="1782105" cy="1356491"/>
+          </a:xfrm>
+          <a:prstGeom prst="rect">
+            <a:avLst/>
+          </a:prstGeom>
+        </p:spPr>
+      </p:pic>
+    </p:spTree>
+    <p:extLst>
+      <p:ext uri="{BB962C8B-B14F-4D97-AF65-F5344CB8AC3E}">
+        <p14:creationId xmlns:p14="http://schemas.microsoft.com/office/powerpoint/2010/main" val="714691776"/>
+      </p:ext>
+    </p:extLst>
+  </p:cSld>
+  <p:clrMapOvr>
+    <a:masterClrMapping/>
+  </p:clrMapOvr>
+</p:sld>
+</file>
+
+<file path=ppt/slides/slide11.xml><?xml version="1.0" encoding="utf-8"?>
+<p:sld xmlns:a="http://schemas.openxmlformats.org/drawingml/2006/main" xmlns:r="http://schemas.openxmlformats.org/officeDocument/2006/relationships" xmlns:p="http://schemas.openxmlformats.org/presentationml/2006/main">
+  <p:cSld>
+    <p:spTree>
+      <p:nvGrpSpPr>
+        <p:cNvPr id="1" name=""/>
+        <p:cNvGrpSpPr/>
+        <p:nvPr/>
+      </p:nvGrpSpPr>
+      <p:grpSpPr>
+        <a:xfrm>
+          <a:off x="0" y="0"/>
+          <a:ext cx="0" cy="0"/>
+          <a:chOff x="0" y="0"/>
+          <a:chExt cx="0" cy="0"/>
+        </a:xfrm>
+      </p:grpSpPr>
+      <p:sp>
+        <p:nvSpPr>
+          <p:cNvPr id="2" name="Title 1">
+            <a:extLst>
+              <a:ext uri="{FF2B5EF4-FFF2-40B4-BE49-F238E27FC236}">
+                <a16:creationId xmlns:a16="http://schemas.microsoft.com/office/drawing/2014/main" id="{49EFD4ED-0F3E-ED3E-6184-598C64FA7ECA}"/>
+              </a:ext>
+            </a:extLst>
+          </p:cNvPr>
+          <p:cNvSpPr>
+            <a:spLocks noGrp="1"/>
+          </p:cNvSpPr>
+          <p:nvPr>
+            <p:ph type="title"/>
+          </p:nvPr>
+        </p:nvSpPr>
+        <p:spPr/>
+        <p:txBody>
+          <a:bodyPr/>
+          <a:lstStyle/>
+          <a:p>
+            <a:r>
+              <a:rPr lang="en-US" dirty="0"/>
+              <a:t>conclusion</a:t>
+            </a:r>
+          </a:p>
+        </p:txBody>
+      </p:sp>
+      <p:sp>
+        <p:nvSpPr>
+          <p:cNvPr id="3" name="Content Placeholder 2">
+            <a:extLst>
+              <a:ext uri="{FF2B5EF4-FFF2-40B4-BE49-F238E27FC236}">
+                <a16:creationId xmlns:a16="http://schemas.microsoft.com/office/drawing/2014/main" id="{B1D497F9-1D16-2954-BD21-1B3F9F5ED35F}"/>
+              </a:ext>
+            </a:extLst>
+          </p:cNvPr>
+          <p:cNvSpPr>
+            <a:spLocks noGrp="1"/>
+          </p:cNvSpPr>
+          <p:nvPr>
+            <p:ph idx="1"/>
+          </p:nvPr>
+        </p:nvSpPr>
+        <p:spPr/>
+        <p:txBody>
+          <a:bodyPr/>
+          <a:lstStyle/>
+          <a:p>
+            <a:r>
+              <a:rPr lang="en-US" dirty="0"/>
+              <a:t>Covid vaccinations statistically support a decrease in total deaths, but this is debatable given the array of data which correlates slightly upwards with vaccination rates.</a:t>
+            </a:r>
+          </a:p>
+          <a:p>
+            <a:r>
+              <a:rPr lang="en-US" dirty="0"/>
+              <a:t>Covid vaccination rates correlate with wealthier and older populations which died at higher rates than poorer and younger populations.</a:t>
+            </a:r>
+          </a:p>
+          <a:p>
+            <a:r>
+              <a:rPr lang="en-US" dirty="0"/>
+              <a:t>A country’s covid death rates likely have more to do with the vulnerabilities of elderly populations.</a:t>
+            </a:r>
+          </a:p>
+        </p:txBody>
+      </p:sp>
+    </p:spTree>
+    <p:extLst>
+      <p:ext uri="{BB962C8B-B14F-4D97-AF65-F5344CB8AC3E}">
+        <p14:creationId xmlns:p14="http://schemas.microsoft.com/office/powerpoint/2010/main" val="1200997741"/>
+      </p:ext>
+    </p:extLst>
+  </p:cSld>
+  <p:clrMapOvr>
+    <a:masterClrMapping/>
+  </p:clrMapOvr>
+</p:sld>
+</file>
+
+<file path=ppt/slides/slide12.xml><?xml version="1.0" encoding="utf-8"?>
+<p:sld xmlns:a="http://schemas.openxmlformats.org/drawingml/2006/main" xmlns:r="http://schemas.openxmlformats.org/officeDocument/2006/relationships" xmlns:p="http://schemas.openxmlformats.org/presentationml/2006/main">
+  <p:cSld>
+    <p:spTree>
+      <p:nvGrpSpPr>
+        <p:cNvPr id="1" name=""/>
+        <p:cNvGrpSpPr/>
+        <p:nvPr/>
+      </p:nvGrpSpPr>
+      <p:grpSpPr>
+        <a:xfrm>
+          <a:off x="0" y="0"/>
+          <a:ext cx="0" cy="0"/>
+          <a:chOff x="0" y="0"/>
+          <a:chExt cx="0" cy="0"/>
+        </a:xfrm>
+      </p:grpSpPr>
+      <p:sp>
+        <p:nvSpPr>
+          <p:cNvPr id="2" name="Title 1">
+            <a:extLst>
+              <a:ext uri="{FF2B5EF4-FFF2-40B4-BE49-F238E27FC236}">
+                <a16:creationId xmlns:a16="http://schemas.microsoft.com/office/drawing/2014/main" id="{920EF18B-0FB0-8520-6F85-3BA739125B8D}"/>
+              </a:ext>
+            </a:extLst>
+          </p:cNvPr>
+          <p:cNvSpPr>
+            <a:spLocks noGrp="1"/>
+          </p:cNvSpPr>
+          <p:nvPr>
+            <p:ph type="title"/>
+          </p:nvPr>
+        </p:nvSpPr>
+        <p:spPr/>
+        <p:txBody>
+          <a:bodyPr/>
+          <a:lstStyle/>
+          <a:p>
+            <a:r>
+              <a:rPr lang="en-US" dirty="0"/>
+              <a:t>Way forward</a:t>
+            </a:r>
+          </a:p>
+        </p:txBody>
+      </p:sp>
+      <p:sp>
+        <p:nvSpPr>
+          <p:cNvPr id="3" name="Content Placeholder 2">
+            <a:extLst>
+              <a:ext uri="{FF2B5EF4-FFF2-40B4-BE49-F238E27FC236}">
+                <a16:creationId xmlns:a16="http://schemas.microsoft.com/office/drawing/2014/main" id="{AFD37F3B-675F-E88B-9C8D-AAEF2D274884}"/>
+              </a:ext>
+            </a:extLst>
+          </p:cNvPr>
+          <p:cNvSpPr>
+            <a:spLocks noGrp="1"/>
+          </p:cNvSpPr>
+          <p:nvPr>
+            <p:ph idx="1"/>
+          </p:nvPr>
+        </p:nvSpPr>
+        <p:spPr/>
+        <p:txBody>
+          <a:bodyPr/>
+          <a:lstStyle/>
+          <a:p>
+            <a:pPr lvl="1"/>
+            <a:r>
+              <a:rPr lang="en-US" dirty="0"/>
+              <a:t>Assess pandemic intensity over time as opposed to total</a:t>
+            </a:r>
+          </a:p>
+          <a:p>
+            <a:pPr lvl="1"/>
+            <a:r>
+              <a:rPr lang="en-US" dirty="0"/>
+              <a:t>Missing from this data is information about deaths by age group which could assist more refined assessments of vulnerable populations </a:t>
+            </a:r>
+          </a:p>
+          <a:p>
+            <a:pPr lvl="1"/>
+            <a:endParaRPr lang="en-US" dirty="0"/>
+          </a:p>
+        </p:txBody>
+      </p:sp>
+    </p:spTree>
+    <p:extLst>
+      <p:ext uri="{BB962C8B-B14F-4D97-AF65-F5344CB8AC3E}">
+        <p14:creationId xmlns:p14="http://schemas.microsoft.com/office/powerpoint/2010/main" val="3734232606"/>
+      </p:ext>
+    </p:extLst>
+  </p:cSld>
+  <p:clrMapOvr>
+    <a:masterClrMapping/>
+  </p:clrMapOvr>
+</p:sld>
+</file>
+
+<file path=ppt/slides/slide13.xml><?xml version="1.0" encoding="utf-8"?>
 <p:sld xmlns:a="http://schemas.openxmlformats.org/drawingml/2006/main" xmlns:r="http://schemas.openxmlformats.org/officeDocument/2006/relationships" xmlns:p="http://schemas.openxmlformats.org/presentationml/2006/main">
   <p:cSld>
     <p:bg>
@@ -24063,46 +21763,1787 @@
           <a:p>
             <a:r>
               <a:rPr lang="en-US" dirty="0"/>
-              <a:t>Title Lorem Ipsum Dolor</a:t>
+              <a:t>Contact and data links</a:t>
             </a:r>
           </a:p>
         </p:txBody>
       </p:sp>
-      <p:graphicFrame>
-        <p:nvGraphicFramePr>
-          <p:cNvPr id="5" name="Content Placeholder 2" descr="SmartArt graphic placeholder">
+      <p:sp>
+        <p:nvSpPr>
+          <p:cNvPr id="4" name="Content Placeholder 3">
             <a:extLst>
               <a:ext uri="{FF2B5EF4-FFF2-40B4-BE49-F238E27FC236}">
-                <a16:creationId xmlns:a16="http://schemas.microsoft.com/office/drawing/2014/main" id="{91DB1382-7276-49FA-9632-38D558F457E3}"/>
+                <a16:creationId xmlns:a16="http://schemas.microsoft.com/office/drawing/2014/main" id="{E825E1E0-F941-E8DC-EC89-EE40A7052A82}"/>
               </a:ext>
             </a:extLst>
           </p:cNvPr>
-          <p:cNvGraphicFramePr>
-            <a:graphicFrameLocks noGrp="1"/>
-          </p:cNvGraphicFramePr>
+          <p:cNvSpPr>
+            <a:spLocks noGrp="1"/>
+          </p:cNvSpPr>
           <p:nvPr>
             <p:ph idx="1"/>
-            <p:extLst>
-              <p:ext uri="{D42A27DB-BD31-4B8C-83A1-F6EECF244321}">
-                <p14:modId xmlns:p14="http://schemas.microsoft.com/office/powerpoint/2010/main" val="1429673402"/>
-              </p:ext>
-            </p:extLst>
           </p:nvPr>
-        </p:nvGraphicFramePr>
-        <p:xfrm>
-          <a:off x="1023938" y="2286000"/>
-          <a:ext cx="9720262" cy="4022725"/>
-        </p:xfrm>
-        <a:graphic>
-          <a:graphicData uri="http://schemas.openxmlformats.org/drawingml/2006/diagram">
-            <dgm:relIds xmlns:dgm="http://schemas.openxmlformats.org/drawingml/2006/diagram" xmlns:r="http://schemas.openxmlformats.org/officeDocument/2006/relationships" r:dm="rId2" r:lo="rId3" r:qs="rId4" r:cs="rId5"/>
-          </a:graphicData>
-        </a:graphic>
-      </p:graphicFrame>
+        </p:nvSpPr>
+        <p:spPr>
+          <a:xfrm>
+            <a:off x="1024127" y="1912776"/>
+            <a:ext cx="9720073" cy="4023360"/>
+          </a:xfrm>
+        </p:spPr>
+        <p:txBody>
+          <a:bodyPr>
+            <a:normAutofit/>
+          </a:bodyPr>
+          <a:lstStyle/>
+          <a:p>
+            <a:r>
+              <a:rPr lang="en-US" sz="2800" dirty="0"/>
+              <a:t>Contact Info</a:t>
+            </a:r>
+          </a:p>
+          <a:p>
+            <a:pPr lvl="1"/>
+            <a:r>
+              <a:rPr lang="en-US" sz="2400" dirty="0"/>
+              <a:t>Travis Lindeman</a:t>
+            </a:r>
+          </a:p>
+          <a:p>
+            <a:pPr lvl="1"/>
+            <a:r>
+              <a:rPr lang="en-US" sz="2400" dirty="0">
+                <a:hlinkClick r:id="rId2"/>
+              </a:rPr>
+              <a:t>tralinde@gmail.com</a:t>
+            </a:r>
+            <a:endParaRPr lang="en-US" sz="2400" dirty="0"/>
+          </a:p>
+          <a:p>
+            <a:r>
+              <a:rPr lang="en-US" sz="2800" dirty="0"/>
+              <a:t>Repository Link</a:t>
+            </a:r>
+          </a:p>
+          <a:p>
+            <a:pPr lvl="1"/>
+            <a:r>
+              <a:rPr lang="en-US" sz="2400" dirty="0">
+                <a:hlinkClick r:id="rId3"/>
+              </a:rPr>
+              <a:t>https://github.com/tralinde/covid_data_project</a:t>
+            </a:r>
+            <a:endParaRPr lang="en-US" sz="2400" dirty="0"/>
+          </a:p>
+          <a:p>
+            <a:r>
+              <a:rPr lang="en-US" sz="2800" dirty="0"/>
+              <a:t>Dataset Link</a:t>
+            </a:r>
+          </a:p>
+          <a:p>
+            <a:pPr lvl="1"/>
+            <a:r>
+              <a:rPr lang="en-US" sz="2400" dirty="0"/>
+              <a:t>https://www.kaggle.com/datasets/tohidkhanbagani/covid-19-deaths-and-vaccinations-dataset</a:t>
+            </a:r>
+          </a:p>
+        </p:txBody>
+      </p:sp>
     </p:spTree>
     <p:extLst>
       <p:ext uri="{BB962C8B-B14F-4D97-AF65-F5344CB8AC3E}">
         <p14:creationId xmlns:p14="http://schemas.microsoft.com/office/powerpoint/2010/main" val="1401741552"/>
+      </p:ext>
+    </p:extLst>
+  </p:cSld>
+  <p:clrMapOvr>
+    <a:masterClrMapping/>
+  </p:clrMapOvr>
+</p:sld>
+</file>
+
+<file path=ppt/slides/slide2.xml><?xml version="1.0" encoding="utf-8"?>
+<p:sld xmlns:a="http://schemas.openxmlformats.org/drawingml/2006/main" xmlns:r="http://schemas.openxmlformats.org/officeDocument/2006/relationships" xmlns:p="http://schemas.openxmlformats.org/presentationml/2006/main">
+  <p:cSld>
+    <p:spTree>
+      <p:nvGrpSpPr>
+        <p:cNvPr id="1" name=""/>
+        <p:cNvGrpSpPr/>
+        <p:nvPr/>
+      </p:nvGrpSpPr>
+      <p:grpSpPr>
+        <a:xfrm>
+          <a:off x="0" y="0"/>
+          <a:ext cx="0" cy="0"/>
+          <a:chOff x="0" y="0"/>
+          <a:chExt cx="0" cy="0"/>
+        </a:xfrm>
+      </p:grpSpPr>
+      <p:sp>
+        <p:nvSpPr>
+          <p:cNvPr id="2" name="Title 1">
+            <a:extLst>
+              <a:ext uri="{FF2B5EF4-FFF2-40B4-BE49-F238E27FC236}">
+                <a16:creationId xmlns:a16="http://schemas.microsoft.com/office/drawing/2014/main" id="{9537E01A-6C16-86AA-B039-42E13F494BB8}"/>
+              </a:ext>
+            </a:extLst>
+          </p:cNvPr>
+          <p:cNvSpPr>
+            <a:spLocks noGrp="1"/>
+          </p:cNvSpPr>
+          <p:nvPr>
+            <p:ph type="title"/>
+          </p:nvPr>
+        </p:nvSpPr>
+        <p:spPr/>
+        <p:txBody>
+          <a:bodyPr/>
+          <a:lstStyle/>
+          <a:p>
+            <a:r>
+              <a:rPr lang="en-US" dirty="0"/>
+              <a:t>Agenda</a:t>
+            </a:r>
+          </a:p>
+        </p:txBody>
+      </p:sp>
+      <p:sp>
+        <p:nvSpPr>
+          <p:cNvPr id="3" name="Content Placeholder 2">
+            <a:extLst>
+              <a:ext uri="{FF2B5EF4-FFF2-40B4-BE49-F238E27FC236}">
+                <a16:creationId xmlns:a16="http://schemas.microsoft.com/office/drawing/2014/main" id="{DEEADAC8-5B31-D15D-AE9D-0CAC7C837D0F}"/>
+              </a:ext>
+            </a:extLst>
+          </p:cNvPr>
+          <p:cNvSpPr>
+            <a:spLocks noGrp="1"/>
+          </p:cNvSpPr>
+          <p:nvPr>
+            <p:ph idx="1"/>
+          </p:nvPr>
+        </p:nvSpPr>
+        <p:spPr/>
+        <p:txBody>
+          <a:bodyPr/>
+          <a:lstStyle/>
+          <a:p>
+            <a:r>
+              <a:rPr lang="en-US" dirty="0"/>
+              <a:t>Stakeholder Interest</a:t>
+            </a:r>
+          </a:p>
+          <a:p>
+            <a:r>
+              <a:rPr lang="en-US" dirty="0"/>
+              <a:t>Data of Interest</a:t>
+            </a:r>
+          </a:p>
+          <a:p>
+            <a:r>
+              <a:rPr lang="en-US" dirty="0"/>
+              <a:t>EDA</a:t>
+            </a:r>
+          </a:p>
+          <a:p>
+            <a:r>
+              <a:rPr lang="en-US" dirty="0"/>
+              <a:t>Hypothesis Testing and Regression: Vaccination Rates vs Covid Deaths</a:t>
+            </a:r>
+          </a:p>
+          <a:p>
+            <a:r>
+              <a:rPr lang="en-US" dirty="0"/>
+              <a:t>Analysis of Ancillary Factors</a:t>
+            </a:r>
+          </a:p>
+          <a:p>
+            <a:r>
+              <a:rPr lang="en-US" dirty="0"/>
+              <a:t>Conclusion</a:t>
+            </a:r>
+          </a:p>
+          <a:p>
+            <a:r>
+              <a:rPr lang="en-US" dirty="0"/>
+              <a:t>Way Forward</a:t>
+            </a:r>
+          </a:p>
+          <a:p>
+            <a:r>
+              <a:rPr lang="en-US" dirty="0"/>
+              <a:t>Contact and Repository</a:t>
+            </a:r>
+          </a:p>
+        </p:txBody>
+      </p:sp>
+    </p:spTree>
+    <p:extLst>
+      <p:ext uri="{BB962C8B-B14F-4D97-AF65-F5344CB8AC3E}">
+        <p14:creationId xmlns:p14="http://schemas.microsoft.com/office/powerpoint/2010/main" val="3192336486"/>
+      </p:ext>
+    </p:extLst>
+  </p:cSld>
+  <p:clrMapOvr>
+    <a:masterClrMapping/>
+  </p:clrMapOvr>
+</p:sld>
+</file>
+
+<file path=ppt/slides/slide3.xml><?xml version="1.0" encoding="utf-8"?>
+<p:sld xmlns:a="http://schemas.openxmlformats.org/drawingml/2006/main" xmlns:r="http://schemas.openxmlformats.org/officeDocument/2006/relationships" xmlns:p="http://schemas.openxmlformats.org/presentationml/2006/main">
+  <p:cSld>
+    <p:spTree>
+      <p:nvGrpSpPr>
+        <p:cNvPr id="1" name=""/>
+        <p:cNvGrpSpPr/>
+        <p:nvPr/>
+      </p:nvGrpSpPr>
+      <p:grpSpPr>
+        <a:xfrm>
+          <a:off x="0" y="0"/>
+          <a:ext cx="0" cy="0"/>
+          <a:chOff x="0" y="0"/>
+          <a:chExt cx="0" cy="0"/>
+        </a:xfrm>
+      </p:grpSpPr>
+      <p:sp>
+        <p:nvSpPr>
+          <p:cNvPr id="2" name="Title 1">
+            <a:extLst>
+              <a:ext uri="{FF2B5EF4-FFF2-40B4-BE49-F238E27FC236}">
+                <a16:creationId xmlns:a16="http://schemas.microsoft.com/office/drawing/2014/main" id="{9BF82555-30E0-75AA-86D5-D4D64C0F3D69}"/>
+              </a:ext>
+            </a:extLst>
+          </p:cNvPr>
+          <p:cNvSpPr>
+            <a:spLocks noGrp="1"/>
+          </p:cNvSpPr>
+          <p:nvPr>
+            <p:ph type="title"/>
+          </p:nvPr>
+        </p:nvSpPr>
+        <p:spPr/>
+        <p:txBody>
+          <a:bodyPr/>
+          <a:lstStyle/>
+          <a:p>
+            <a:r>
+              <a:rPr lang="en-US" dirty="0"/>
+              <a:t>Stakeholder interest</a:t>
+            </a:r>
+          </a:p>
+        </p:txBody>
+      </p:sp>
+      <p:sp>
+        <p:nvSpPr>
+          <p:cNvPr id="3" name="Content Placeholder 2">
+            <a:extLst>
+              <a:ext uri="{FF2B5EF4-FFF2-40B4-BE49-F238E27FC236}">
+                <a16:creationId xmlns:a16="http://schemas.microsoft.com/office/drawing/2014/main" id="{F35F52DC-67AC-7A27-8BA1-CC9F47DB296D}"/>
+              </a:ext>
+            </a:extLst>
+          </p:cNvPr>
+          <p:cNvSpPr>
+            <a:spLocks noGrp="1"/>
+          </p:cNvSpPr>
+          <p:nvPr>
+            <p:ph idx="1"/>
+          </p:nvPr>
+        </p:nvSpPr>
+        <p:spPr/>
+        <p:txBody>
+          <a:bodyPr/>
+          <a:lstStyle/>
+          <a:p>
+            <a:pPr lvl="1"/>
+            <a:r>
+              <a:rPr lang="en-US" sz="2400" dirty="0"/>
+              <a:t>Gauge future pandemic response</a:t>
+            </a:r>
+          </a:p>
+          <a:p>
+            <a:pPr lvl="1"/>
+            <a:r>
+              <a:rPr lang="en-US" sz="2400" dirty="0"/>
+              <a:t>Target most vulnerable populations</a:t>
+            </a:r>
+          </a:p>
+          <a:p>
+            <a:pPr lvl="1"/>
+            <a:r>
+              <a:rPr lang="en-US" sz="2400" dirty="0"/>
+              <a:t>Inform decision making by understanding at-risk societies</a:t>
+            </a:r>
+          </a:p>
+          <a:p>
+            <a:pPr lvl="1"/>
+            <a:endParaRPr lang="en-US" dirty="0"/>
+          </a:p>
+        </p:txBody>
+      </p:sp>
+    </p:spTree>
+    <p:extLst>
+      <p:ext uri="{BB962C8B-B14F-4D97-AF65-F5344CB8AC3E}">
+        <p14:creationId xmlns:p14="http://schemas.microsoft.com/office/powerpoint/2010/main" val="2936424395"/>
+      </p:ext>
+    </p:extLst>
+  </p:cSld>
+  <p:clrMapOvr>
+    <a:masterClrMapping/>
+  </p:clrMapOvr>
+</p:sld>
+</file>
+
+<file path=ppt/slides/slide4.xml><?xml version="1.0" encoding="utf-8"?>
+<p:sld xmlns:a="http://schemas.openxmlformats.org/drawingml/2006/main" xmlns:r="http://schemas.openxmlformats.org/officeDocument/2006/relationships" xmlns:p="http://schemas.openxmlformats.org/presentationml/2006/main">
+  <p:cSld>
+    <p:spTree>
+      <p:nvGrpSpPr>
+        <p:cNvPr id="1" name=""/>
+        <p:cNvGrpSpPr/>
+        <p:nvPr/>
+      </p:nvGrpSpPr>
+      <p:grpSpPr>
+        <a:xfrm>
+          <a:off x="0" y="0"/>
+          <a:ext cx="0" cy="0"/>
+          <a:chOff x="0" y="0"/>
+          <a:chExt cx="0" cy="0"/>
+        </a:xfrm>
+      </p:grpSpPr>
+      <p:sp>
+        <p:nvSpPr>
+          <p:cNvPr id="2" name="Title 1">
+            <a:extLst>
+              <a:ext uri="{FF2B5EF4-FFF2-40B4-BE49-F238E27FC236}">
+                <a16:creationId xmlns:a16="http://schemas.microsoft.com/office/drawing/2014/main" id="{44393CC8-4644-5DC8-096F-CA0C3D640057}"/>
+              </a:ext>
+            </a:extLst>
+          </p:cNvPr>
+          <p:cNvSpPr>
+            <a:spLocks noGrp="1"/>
+          </p:cNvSpPr>
+          <p:nvPr>
+            <p:ph type="title"/>
+          </p:nvPr>
+        </p:nvSpPr>
+        <p:spPr/>
+        <p:txBody>
+          <a:bodyPr/>
+          <a:lstStyle/>
+          <a:p>
+            <a:r>
+              <a:rPr lang="en-US" dirty="0"/>
+              <a:t>Dataset and cleaning</a:t>
+            </a:r>
+          </a:p>
+        </p:txBody>
+      </p:sp>
+      <p:sp>
+        <p:nvSpPr>
+          <p:cNvPr id="3" name="Content Placeholder 2">
+            <a:extLst>
+              <a:ext uri="{FF2B5EF4-FFF2-40B4-BE49-F238E27FC236}">
+                <a16:creationId xmlns:a16="http://schemas.microsoft.com/office/drawing/2014/main" id="{5C81292A-A329-0275-C14F-41035162E913}"/>
+              </a:ext>
+            </a:extLst>
+          </p:cNvPr>
+          <p:cNvSpPr>
+            <a:spLocks noGrp="1"/>
+          </p:cNvSpPr>
+          <p:nvPr>
+            <p:ph idx="1"/>
+          </p:nvPr>
+        </p:nvSpPr>
+        <p:spPr>
+          <a:xfrm>
+            <a:off x="1024128" y="1732547"/>
+            <a:ext cx="9720073" cy="4576813"/>
+          </a:xfrm>
+        </p:spPr>
+        <p:txBody>
+          <a:bodyPr/>
+          <a:lstStyle/>
+          <a:p>
+            <a:r>
+              <a:rPr lang="en-US" dirty="0"/>
+              <a:t>35 Columns, 302K Rows</a:t>
+            </a:r>
+          </a:p>
+          <a:p>
+            <a:pPr lvl="1"/>
+            <a:r>
+              <a:rPr lang="en-US" dirty="0"/>
+              <a:t>By country data from 1/3/2020 to 4/12/2023</a:t>
+            </a:r>
+          </a:p>
+          <a:p>
+            <a:pPr lvl="1"/>
+            <a:r>
+              <a:rPr lang="en-US" dirty="0"/>
+              <a:t>Missing values required using weekly averages in analysis</a:t>
+            </a:r>
+          </a:p>
+          <a:p>
+            <a:pPr lvl="1"/>
+            <a:endParaRPr lang="en-US" dirty="0"/>
+          </a:p>
+          <a:p>
+            <a:pPr lvl="1"/>
+            <a:endParaRPr lang="en-US" dirty="0"/>
+          </a:p>
+        </p:txBody>
+      </p:sp>
+    </p:spTree>
+    <p:extLst>
+      <p:ext uri="{BB962C8B-B14F-4D97-AF65-F5344CB8AC3E}">
+        <p14:creationId xmlns:p14="http://schemas.microsoft.com/office/powerpoint/2010/main" val="1331729664"/>
+      </p:ext>
+    </p:extLst>
+  </p:cSld>
+  <p:clrMapOvr>
+    <a:masterClrMapping/>
+  </p:clrMapOvr>
+</p:sld>
+</file>
+
+<file path=ppt/slides/slide5.xml><?xml version="1.0" encoding="utf-8"?>
+<p:sld xmlns:a="http://schemas.openxmlformats.org/drawingml/2006/main" xmlns:r="http://schemas.openxmlformats.org/officeDocument/2006/relationships" xmlns:p="http://schemas.openxmlformats.org/presentationml/2006/main">
+  <p:cSld>
+    <p:spTree>
+      <p:nvGrpSpPr>
+        <p:cNvPr id="1" name=""/>
+        <p:cNvGrpSpPr/>
+        <p:nvPr/>
+      </p:nvGrpSpPr>
+      <p:grpSpPr>
+        <a:xfrm>
+          <a:off x="0" y="0"/>
+          <a:ext cx="0" cy="0"/>
+          <a:chOff x="0" y="0"/>
+          <a:chExt cx="0" cy="0"/>
+        </a:xfrm>
+      </p:grpSpPr>
+      <p:sp>
+        <p:nvSpPr>
+          <p:cNvPr id="2" name="Title 1">
+            <a:extLst>
+              <a:ext uri="{FF2B5EF4-FFF2-40B4-BE49-F238E27FC236}">
+                <a16:creationId xmlns:a16="http://schemas.microsoft.com/office/drawing/2014/main" id="{0999C7EF-6B77-94EB-B865-C9F9BBF5B10C}"/>
+              </a:ext>
+            </a:extLst>
+          </p:cNvPr>
+          <p:cNvSpPr>
+            <a:spLocks noGrp="1"/>
+          </p:cNvSpPr>
+          <p:nvPr>
+            <p:ph type="title"/>
+          </p:nvPr>
+        </p:nvSpPr>
+        <p:spPr>
+          <a:xfrm>
+            <a:off x="1100328" y="194691"/>
+            <a:ext cx="9720072" cy="1499616"/>
+          </a:xfrm>
+        </p:spPr>
+        <p:txBody>
+          <a:bodyPr/>
+          <a:lstStyle/>
+          <a:p>
+            <a:r>
+              <a:rPr lang="en-US" dirty="0"/>
+              <a:t>New cases over time</a:t>
+            </a:r>
+          </a:p>
+        </p:txBody>
+      </p:sp>
+      <p:pic>
+        <p:nvPicPr>
+          <p:cNvPr id="5" name="Content Placeholder 4" descr="A graph of different colored lines&#10;&#10;Description automatically generated">
+            <a:extLst>
+              <a:ext uri="{FF2B5EF4-FFF2-40B4-BE49-F238E27FC236}">
+                <a16:creationId xmlns:a16="http://schemas.microsoft.com/office/drawing/2014/main" id="{43229D98-8411-3850-01A4-29AB7BA36EDC}"/>
+              </a:ext>
+            </a:extLst>
+          </p:cNvPr>
+          <p:cNvPicPr>
+            <a:picLocks noGrp="1" noChangeAspect="1"/>
+          </p:cNvPicPr>
+          <p:nvPr>
+            <p:ph idx="1"/>
+          </p:nvPr>
+        </p:nvPicPr>
+        <p:blipFill>
+          <a:blip r:embed="rId2"/>
+          <a:stretch>
+            <a:fillRect/>
+          </a:stretch>
+        </p:blipFill>
+        <p:spPr>
+          <a:xfrm>
+            <a:off x="1590675" y="1359027"/>
+            <a:ext cx="6768786" cy="5035423"/>
+          </a:xfrm>
+        </p:spPr>
+      </p:pic>
+      <p:grpSp>
+        <p:nvGrpSpPr>
+          <p:cNvPr id="9" name="Group 8">
+            <a:extLst>
+              <a:ext uri="{FF2B5EF4-FFF2-40B4-BE49-F238E27FC236}">
+                <a16:creationId xmlns:a16="http://schemas.microsoft.com/office/drawing/2014/main" id="{9EFD1904-91E3-4EDF-4AB5-7BC667F16F0E}"/>
+              </a:ext>
+            </a:extLst>
+          </p:cNvPr>
+          <p:cNvGrpSpPr/>
+          <p:nvPr/>
+        </p:nvGrpSpPr>
+        <p:grpSpPr>
+          <a:xfrm>
+            <a:off x="7361852" y="1875453"/>
+            <a:ext cx="3592287" cy="646331"/>
+            <a:chOff x="7361852" y="1875453"/>
+            <a:chExt cx="4245429" cy="646331"/>
+          </a:xfrm>
+        </p:grpSpPr>
+        <p:sp>
+          <p:nvSpPr>
+            <p:cNvPr id="6" name="TextBox 5">
+              <a:extLst>
+                <a:ext uri="{FF2B5EF4-FFF2-40B4-BE49-F238E27FC236}">
+                  <a16:creationId xmlns:a16="http://schemas.microsoft.com/office/drawing/2014/main" id="{4512FBFE-0855-DD42-8226-D2F2DF8C2F5C}"/>
+                </a:ext>
+              </a:extLst>
+            </p:cNvPr>
+            <p:cNvSpPr txBox="1"/>
+            <p:nvPr/>
+          </p:nvSpPr>
+          <p:spPr>
+            <a:xfrm>
+              <a:off x="8640146" y="1875453"/>
+              <a:ext cx="2967135" cy="646331"/>
+            </a:xfrm>
+            <a:prstGeom prst="rect">
+              <a:avLst/>
+            </a:prstGeom>
+            <a:noFill/>
+            <a:ln>
+              <a:solidFill>
+                <a:schemeClr val="tx1"/>
+              </a:solidFill>
+            </a:ln>
+          </p:spPr>
+          <p:txBody>
+            <a:bodyPr wrap="square" rtlCol="0">
+              <a:spAutoFit/>
+            </a:bodyPr>
+            <a:lstStyle/>
+            <a:p>
+              <a:r>
+                <a:rPr lang="en-US" dirty="0"/>
+                <a:t>Correlates with China’s “reopening”</a:t>
+              </a:r>
+            </a:p>
+          </p:txBody>
+        </p:sp>
+        <p:sp>
+          <p:nvSpPr>
+            <p:cNvPr id="8" name="Arrow: Left 7">
+              <a:extLst>
+                <a:ext uri="{FF2B5EF4-FFF2-40B4-BE49-F238E27FC236}">
+                  <a16:creationId xmlns:a16="http://schemas.microsoft.com/office/drawing/2014/main" id="{27A211B6-2103-BEE8-7D1B-CF677C3EE07F}"/>
+                </a:ext>
+              </a:extLst>
+            </p:cNvPr>
+            <p:cNvSpPr/>
+            <p:nvPr/>
+          </p:nvSpPr>
+          <p:spPr>
+            <a:xfrm>
+              <a:off x="7361852" y="1962103"/>
+              <a:ext cx="1278293" cy="183938"/>
+            </a:xfrm>
+            <a:prstGeom prst="leftArrow">
+              <a:avLst/>
+            </a:prstGeom>
+            <a:solidFill>
+              <a:schemeClr val="bg1"/>
+            </a:solidFill>
+            <a:ln>
+              <a:solidFill>
+                <a:schemeClr val="tx1"/>
+              </a:solidFill>
+            </a:ln>
+          </p:spPr>
+          <p:style>
+            <a:lnRef idx="2">
+              <a:schemeClr val="accent1">
+                <a:shade val="15000"/>
+              </a:schemeClr>
+            </a:lnRef>
+            <a:fillRef idx="1">
+              <a:schemeClr val="accent1"/>
+            </a:fillRef>
+            <a:effectRef idx="0">
+              <a:schemeClr val="accent1"/>
+            </a:effectRef>
+            <a:fontRef idx="minor">
+              <a:schemeClr val="lt1"/>
+            </a:fontRef>
+          </p:style>
+          <p:txBody>
+            <a:bodyPr rtlCol="0" anchor="ctr"/>
+            <a:lstStyle/>
+            <a:p>
+              <a:pPr algn="ctr"/>
+              <a:endParaRPr lang="en-US"/>
+            </a:p>
+          </p:txBody>
+        </p:sp>
+      </p:grpSp>
+      <p:grpSp>
+        <p:nvGrpSpPr>
+          <p:cNvPr id="12" name="Group 11">
+            <a:extLst>
+              <a:ext uri="{FF2B5EF4-FFF2-40B4-BE49-F238E27FC236}">
+                <a16:creationId xmlns:a16="http://schemas.microsoft.com/office/drawing/2014/main" id="{8B9C745D-25F4-8B39-0420-B9D08DEBCAC8}"/>
+              </a:ext>
+            </a:extLst>
+          </p:cNvPr>
+          <p:cNvGrpSpPr/>
+          <p:nvPr/>
+        </p:nvGrpSpPr>
+        <p:grpSpPr>
+          <a:xfrm>
+            <a:off x="4254760" y="4105884"/>
+            <a:ext cx="6634065" cy="451734"/>
+            <a:chOff x="4254760" y="4105884"/>
+            <a:chExt cx="6634065" cy="451734"/>
+          </a:xfrm>
+        </p:grpSpPr>
+        <p:sp>
+          <p:nvSpPr>
+            <p:cNvPr id="7" name="TextBox 6">
+              <a:extLst>
+                <a:ext uri="{FF2B5EF4-FFF2-40B4-BE49-F238E27FC236}">
+                  <a16:creationId xmlns:a16="http://schemas.microsoft.com/office/drawing/2014/main" id="{892F805F-55AE-E849-9B41-FE4F6116FFFA}"/>
+                </a:ext>
+              </a:extLst>
+            </p:cNvPr>
+            <p:cNvSpPr txBox="1"/>
+            <p:nvPr/>
+          </p:nvSpPr>
+          <p:spPr>
+            <a:xfrm>
+              <a:off x="8443485" y="4137322"/>
+              <a:ext cx="2445340" cy="369332"/>
+            </a:xfrm>
+            <a:prstGeom prst="rect">
+              <a:avLst/>
+            </a:prstGeom>
+            <a:noFill/>
+            <a:ln>
+              <a:solidFill>
+                <a:schemeClr val="tx1"/>
+              </a:solidFill>
+            </a:ln>
+          </p:spPr>
+          <p:txBody>
+            <a:bodyPr wrap="square" rtlCol="0">
+              <a:spAutoFit/>
+            </a:bodyPr>
+            <a:lstStyle/>
+            <a:p>
+              <a:r>
+                <a:rPr lang="en-US" dirty="0"/>
+                <a:t>Seasonal spikes</a:t>
+              </a:r>
+            </a:p>
+          </p:txBody>
+        </p:sp>
+        <p:sp>
+          <p:nvSpPr>
+            <p:cNvPr id="10" name="Arrow: Left 9">
+              <a:extLst>
+                <a:ext uri="{FF2B5EF4-FFF2-40B4-BE49-F238E27FC236}">
+                  <a16:creationId xmlns:a16="http://schemas.microsoft.com/office/drawing/2014/main" id="{EF46B063-D299-F27D-CD92-A3AB9D254744}"/>
+                </a:ext>
+              </a:extLst>
+            </p:cNvPr>
+            <p:cNvSpPr/>
+            <p:nvPr/>
+          </p:nvSpPr>
+          <p:spPr>
+            <a:xfrm>
+              <a:off x="5887617" y="4105884"/>
+              <a:ext cx="2555868" cy="200012"/>
+            </a:xfrm>
+            <a:prstGeom prst="leftArrow">
+              <a:avLst/>
+            </a:prstGeom>
+            <a:solidFill>
+              <a:schemeClr val="bg1"/>
+            </a:solidFill>
+            <a:ln>
+              <a:solidFill>
+                <a:schemeClr val="tx1"/>
+              </a:solidFill>
+            </a:ln>
+          </p:spPr>
+          <p:style>
+            <a:lnRef idx="2">
+              <a:schemeClr val="accent1">
+                <a:shade val="15000"/>
+              </a:schemeClr>
+            </a:lnRef>
+            <a:fillRef idx="1">
+              <a:schemeClr val="accent1"/>
+            </a:fillRef>
+            <a:effectRef idx="0">
+              <a:schemeClr val="accent1"/>
+            </a:effectRef>
+            <a:fontRef idx="minor">
+              <a:schemeClr val="lt1"/>
+            </a:fontRef>
+          </p:style>
+          <p:txBody>
+            <a:bodyPr rtlCol="0" anchor="ctr"/>
+            <a:lstStyle/>
+            <a:p>
+              <a:pPr algn="ctr"/>
+              <a:endParaRPr lang="en-US"/>
+            </a:p>
+          </p:txBody>
+        </p:sp>
+        <p:sp>
+          <p:nvSpPr>
+            <p:cNvPr id="11" name="Arrow: Left 10">
+              <a:extLst>
+                <a:ext uri="{FF2B5EF4-FFF2-40B4-BE49-F238E27FC236}">
+                  <a16:creationId xmlns:a16="http://schemas.microsoft.com/office/drawing/2014/main" id="{4D99B784-EAA3-B794-36C4-D24848969DED}"/>
+                </a:ext>
+              </a:extLst>
+            </p:cNvPr>
+            <p:cNvSpPr/>
+            <p:nvPr/>
+          </p:nvSpPr>
+          <p:spPr>
+            <a:xfrm>
+              <a:off x="4254760" y="4357606"/>
+              <a:ext cx="4188725" cy="200012"/>
+            </a:xfrm>
+            <a:prstGeom prst="leftArrow">
+              <a:avLst/>
+            </a:prstGeom>
+            <a:solidFill>
+              <a:schemeClr val="bg1"/>
+            </a:solidFill>
+            <a:ln>
+              <a:solidFill>
+                <a:schemeClr val="tx1"/>
+              </a:solidFill>
+            </a:ln>
+          </p:spPr>
+          <p:style>
+            <a:lnRef idx="2">
+              <a:schemeClr val="accent1">
+                <a:shade val="15000"/>
+              </a:schemeClr>
+            </a:lnRef>
+            <a:fillRef idx="1">
+              <a:schemeClr val="accent1"/>
+            </a:fillRef>
+            <a:effectRef idx="0">
+              <a:schemeClr val="accent1"/>
+            </a:effectRef>
+            <a:fontRef idx="minor">
+              <a:schemeClr val="lt1"/>
+            </a:fontRef>
+          </p:style>
+          <p:txBody>
+            <a:bodyPr rtlCol="0" anchor="ctr"/>
+            <a:lstStyle/>
+            <a:p>
+              <a:pPr algn="ctr"/>
+              <a:endParaRPr lang="en-US"/>
+            </a:p>
+          </p:txBody>
+        </p:sp>
+      </p:grpSp>
+    </p:spTree>
+    <p:extLst>
+      <p:ext uri="{BB962C8B-B14F-4D97-AF65-F5344CB8AC3E}">
+        <p14:creationId xmlns:p14="http://schemas.microsoft.com/office/powerpoint/2010/main" val="2011883205"/>
+      </p:ext>
+    </p:extLst>
+  </p:cSld>
+  <p:clrMapOvr>
+    <a:masterClrMapping/>
+  </p:clrMapOvr>
+</p:sld>
+</file>
+
+<file path=ppt/slides/slide6.xml><?xml version="1.0" encoding="utf-8"?>
+<p:sld xmlns:a="http://schemas.openxmlformats.org/drawingml/2006/main" xmlns:r="http://schemas.openxmlformats.org/officeDocument/2006/relationships" xmlns:p="http://schemas.openxmlformats.org/presentationml/2006/main">
+  <p:cSld>
+    <p:spTree>
+      <p:nvGrpSpPr>
+        <p:cNvPr id="1" name=""/>
+        <p:cNvGrpSpPr/>
+        <p:nvPr/>
+      </p:nvGrpSpPr>
+      <p:grpSpPr>
+        <a:xfrm>
+          <a:off x="0" y="0"/>
+          <a:ext cx="0" cy="0"/>
+          <a:chOff x="0" y="0"/>
+          <a:chExt cx="0" cy="0"/>
+        </a:xfrm>
+      </p:grpSpPr>
+      <p:sp>
+        <p:nvSpPr>
+          <p:cNvPr id="2" name="Title 1">
+            <a:extLst>
+              <a:ext uri="{FF2B5EF4-FFF2-40B4-BE49-F238E27FC236}">
+                <a16:creationId xmlns:a16="http://schemas.microsoft.com/office/drawing/2014/main" id="{6AF90690-AC93-88F3-55AC-D51A98058236}"/>
+              </a:ext>
+            </a:extLst>
+          </p:cNvPr>
+          <p:cNvSpPr>
+            <a:spLocks noGrp="1"/>
+          </p:cNvSpPr>
+          <p:nvPr>
+            <p:ph type="title"/>
+          </p:nvPr>
+        </p:nvSpPr>
+        <p:spPr>
+          <a:xfrm>
+            <a:off x="1024128" y="480441"/>
+            <a:ext cx="9720072" cy="1499616"/>
+          </a:xfrm>
+        </p:spPr>
+        <p:txBody>
+          <a:bodyPr/>
+          <a:lstStyle/>
+          <a:p>
+            <a:r>
+              <a:rPr lang="en-US" dirty="0"/>
+              <a:t>New deaths per million</a:t>
+            </a:r>
+          </a:p>
+        </p:txBody>
+      </p:sp>
+      <p:pic>
+        <p:nvPicPr>
+          <p:cNvPr id="5" name="Content Placeholder 4" descr="A graph of different colored lines&#10;&#10;Description automatically generated">
+            <a:extLst>
+              <a:ext uri="{FF2B5EF4-FFF2-40B4-BE49-F238E27FC236}">
+                <a16:creationId xmlns:a16="http://schemas.microsoft.com/office/drawing/2014/main" id="{CFFA9DA4-0EEA-83D7-8CC9-867B276301FF}"/>
+              </a:ext>
+            </a:extLst>
+          </p:cNvPr>
+          <p:cNvPicPr>
+            <a:picLocks noGrp="1" noChangeAspect="1"/>
+          </p:cNvPicPr>
+          <p:nvPr>
+            <p:ph idx="1"/>
+          </p:nvPr>
+        </p:nvPicPr>
+        <p:blipFill>
+          <a:blip r:embed="rId2"/>
+          <a:stretch>
+            <a:fillRect/>
+          </a:stretch>
+        </p:blipFill>
+        <p:spPr>
+          <a:xfrm>
+            <a:off x="818013" y="1781175"/>
+            <a:ext cx="6487662" cy="4826086"/>
+          </a:xfrm>
+        </p:spPr>
+      </p:pic>
+    </p:spTree>
+    <p:extLst>
+      <p:ext uri="{BB962C8B-B14F-4D97-AF65-F5344CB8AC3E}">
+        <p14:creationId xmlns:p14="http://schemas.microsoft.com/office/powerpoint/2010/main" val="14573707"/>
+      </p:ext>
+    </p:extLst>
+  </p:cSld>
+  <p:clrMapOvr>
+    <a:masterClrMapping/>
+  </p:clrMapOvr>
+</p:sld>
+</file>
+
+<file path=ppt/slides/slide7.xml><?xml version="1.0" encoding="utf-8"?>
+<p:sld xmlns:a="http://schemas.openxmlformats.org/drawingml/2006/main" xmlns:r="http://schemas.openxmlformats.org/officeDocument/2006/relationships" xmlns:p="http://schemas.openxmlformats.org/presentationml/2006/main">
+  <p:cSld>
+    <p:spTree>
+      <p:nvGrpSpPr>
+        <p:cNvPr id="1" name=""/>
+        <p:cNvGrpSpPr/>
+        <p:nvPr/>
+      </p:nvGrpSpPr>
+      <p:grpSpPr>
+        <a:xfrm>
+          <a:off x="0" y="0"/>
+          <a:ext cx="0" cy="0"/>
+          <a:chOff x="0" y="0"/>
+          <a:chExt cx="0" cy="0"/>
+        </a:xfrm>
+      </p:grpSpPr>
+      <p:sp>
+        <p:nvSpPr>
+          <p:cNvPr id="2" name="Title 1">
+            <a:extLst>
+              <a:ext uri="{FF2B5EF4-FFF2-40B4-BE49-F238E27FC236}">
+                <a16:creationId xmlns:a16="http://schemas.microsoft.com/office/drawing/2014/main" id="{21F2C09B-28B9-9885-E34B-5C31DBCE29F8}"/>
+              </a:ext>
+            </a:extLst>
+          </p:cNvPr>
+          <p:cNvSpPr>
+            <a:spLocks noGrp="1"/>
+          </p:cNvSpPr>
+          <p:nvPr>
+            <p:ph type="title"/>
+          </p:nvPr>
+        </p:nvSpPr>
+        <p:spPr/>
+        <p:txBody>
+          <a:bodyPr/>
+          <a:lstStyle/>
+          <a:p>
+            <a:r>
+              <a:rPr lang="en-US" dirty="0"/>
+              <a:t>Population vaccination percentage</a:t>
+            </a:r>
+          </a:p>
+        </p:txBody>
+      </p:sp>
+      <p:pic>
+        <p:nvPicPr>
+          <p:cNvPr id="5" name="Content Placeholder 4" descr="A graph of different colored lines&#10;&#10;Description automatically generated">
+            <a:extLst>
+              <a:ext uri="{FF2B5EF4-FFF2-40B4-BE49-F238E27FC236}">
+                <a16:creationId xmlns:a16="http://schemas.microsoft.com/office/drawing/2014/main" id="{12104FA7-98DE-D4A7-8504-2099BA17F087}"/>
+              </a:ext>
+            </a:extLst>
+          </p:cNvPr>
+          <p:cNvPicPr>
+            <a:picLocks noGrp="1" noChangeAspect="1"/>
+          </p:cNvPicPr>
+          <p:nvPr>
+            <p:ph idx="1"/>
+          </p:nvPr>
+        </p:nvPicPr>
+        <p:blipFill>
+          <a:blip r:embed="rId2"/>
+          <a:stretch>
+            <a:fillRect/>
+          </a:stretch>
+        </p:blipFill>
+        <p:spPr>
+          <a:xfrm>
+            <a:off x="2283113" y="1676400"/>
+            <a:ext cx="6584662" cy="4912368"/>
+          </a:xfrm>
+        </p:spPr>
+      </p:pic>
+    </p:spTree>
+    <p:extLst>
+      <p:ext uri="{BB962C8B-B14F-4D97-AF65-F5344CB8AC3E}">
+        <p14:creationId xmlns:p14="http://schemas.microsoft.com/office/powerpoint/2010/main" val="3585753059"/>
+      </p:ext>
+    </p:extLst>
+  </p:cSld>
+  <p:clrMapOvr>
+    <a:masterClrMapping/>
+  </p:clrMapOvr>
+</p:sld>
+</file>
+
+<file path=ppt/slides/slide8.xml><?xml version="1.0" encoding="utf-8"?>
+<p:sld xmlns:a="http://schemas.openxmlformats.org/drawingml/2006/main" xmlns:r="http://schemas.openxmlformats.org/officeDocument/2006/relationships" xmlns:p="http://schemas.openxmlformats.org/presentationml/2006/main">
+  <p:cSld>
+    <p:spTree>
+      <p:nvGrpSpPr>
+        <p:cNvPr id="1" name=""/>
+        <p:cNvGrpSpPr/>
+        <p:nvPr/>
+      </p:nvGrpSpPr>
+      <p:grpSpPr>
+        <a:xfrm>
+          <a:off x="0" y="0"/>
+          <a:ext cx="0" cy="0"/>
+          <a:chOff x="0" y="0"/>
+          <a:chExt cx="0" cy="0"/>
+        </a:xfrm>
+      </p:grpSpPr>
+      <p:sp>
+        <p:nvSpPr>
+          <p:cNvPr id="2" name="Title 1">
+            <a:extLst>
+              <a:ext uri="{FF2B5EF4-FFF2-40B4-BE49-F238E27FC236}">
+                <a16:creationId xmlns:a16="http://schemas.microsoft.com/office/drawing/2014/main" id="{F46F2987-8EA4-3AB8-30BD-D5625E027A00}"/>
+              </a:ext>
+            </a:extLst>
+          </p:cNvPr>
+          <p:cNvSpPr>
+            <a:spLocks noGrp="1"/>
+          </p:cNvSpPr>
+          <p:nvPr>
+            <p:ph type="title"/>
+          </p:nvPr>
+        </p:nvSpPr>
+        <p:spPr/>
+        <p:txBody>
+          <a:bodyPr/>
+          <a:lstStyle/>
+          <a:p>
+            <a:r>
+              <a:rPr lang="en-US" dirty="0"/>
+              <a:t>Hypothesis test: Did vaccination rates decrease death rates?</a:t>
+            </a:r>
+          </a:p>
+        </p:txBody>
+      </p:sp>
+      <p:sp>
+        <p:nvSpPr>
+          <p:cNvPr id="3" name="Content Placeholder 2">
+            <a:extLst>
+              <a:ext uri="{FF2B5EF4-FFF2-40B4-BE49-F238E27FC236}">
+                <a16:creationId xmlns:a16="http://schemas.microsoft.com/office/drawing/2014/main" id="{EBCB11AC-9386-F068-8616-EE213608CD24}"/>
+              </a:ext>
+            </a:extLst>
+          </p:cNvPr>
+          <p:cNvSpPr>
+            <a:spLocks noGrp="1"/>
+          </p:cNvSpPr>
+          <p:nvPr>
+            <p:ph idx="1"/>
+          </p:nvPr>
+        </p:nvSpPr>
+        <p:spPr>
+          <a:xfrm>
+            <a:off x="646639" y="2084832"/>
+            <a:ext cx="5237525" cy="920612"/>
+          </a:xfrm>
+        </p:spPr>
+        <p:txBody>
+          <a:bodyPr>
+            <a:normAutofit lnSpcReduction="10000"/>
+          </a:bodyPr>
+          <a:lstStyle/>
+          <a:p>
+            <a:pPr marL="0" indent="0">
+              <a:buNone/>
+            </a:pPr>
+            <a:r>
+              <a:rPr lang="en-US" sz="1600" dirty="0"/>
+              <a:t>H0: Vaccination rates do not lower the death rate in a country.</a:t>
+            </a:r>
+          </a:p>
+          <a:p>
+            <a:pPr marL="0" indent="0">
+              <a:buNone/>
+            </a:pPr>
+            <a:r>
+              <a:rPr lang="en-US" sz="1600" dirty="0"/>
+              <a:t>H</a:t>
+            </a:r>
+            <a:r>
+              <a:rPr lang="el-GR" sz="1600" dirty="0">
+                <a:latin typeface="Times New Roman" panose="02020603050405020304" pitchFamily="18" charset="0"/>
+                <a:cs typeface="Times New Roman" panose="02020603050405020304" pitchFamily="18" charset="0"/>
+              </a:rPr>
+              <a:t>α</a:t>
+            </a:r>
+            <a:r>
+              <a:rPr lang="en-US" sz="1600" dirty="0"/>
+              <a:t>: An increase in vaccination rates lowers the death rate in a country.</a:t>
+            </a:r>
+          </a:p>
+        </p:txBody>
+      </p:sp>
+      <p:pic>
+        <p:nvPicPr>
+          <p:cNvPr id="5" name="Picture 4" descr="A graph with blue dots and a line&#10;&#10;Description automatically generated">
+            <a:extLst>
+              <a:ext uri="{FF2B5EF4-FFF2-40B4-BE49-F238E27FC236}">
+                <a16:creationId xmlns:a16="http://schemas.microsoft.com/office/drawing/2014/main" id="{2FA7FA0B-CB3F-DE8A-35A6-742B6667C864}"/>
+              </a:ext>
+            </a:extLst>
+          </p:cNvPr>
+          <p:cNvPicPr>
+            <a:picLocks noChangeAspect="1"/>
+          </p:cNvPicPr>
+          <p:nvPr/>
+        </p:nvPicPr>
+        <p:blipFill>
+          <a:blip r:embed="rId2"/>
+          <a:stretch>
+            <a:fillRect/>
+          </a:stretch>
+        </p:blipFill>
+        <p:spPr>
+          <a:xfrm>
+            <a:off x="6162522" y="1838739"/>
+            <a:ext cx="5766162" cy="4463862"/>
+          </a:xfrm>
+          <a:prstGeom prst="rect">
+            <a:avLst/>
+          </a:prstGeom>
+        </p:spPr>
+      </p:pic>
+      <p:sp>
+        <p:nvSpPr>
+          <p:cNvPr id="6" name="Content Placeholder 2">
+            <a:extLst>
+              <a:ext uri="{FF2B5EF4-FFF2-40B4-BE49-F238E27FC236}">
+                <a16:creationId xmlns:a16="http://schemas.microsoft.com/office/drawing/2014/main" id="{308BC55D-5649-5AB2-43B6-1EFA9FD5B199}"/>
+              </a:ext>
+            </a:extLst>
+          </p:cNvPr>
+          <p:cNvSpPr txBox="1">
+            <a:spLocks/>
+          </p:cNvSpPr>
+          <p:nvPr/>
+        </p:nvSpPr>
+        <p:spPr>
+          <a:xfrm>
+            <a:off x="646638" y="3800885"/>
+            <a:ext cx="5237525" cy="1408349"/>
+          </a:xfrm>
+          <a:prstGeom prst="rect">
+            <a:avLst/>
+          </a:prstGeom>
+        </p:spPr>
+        <p:txBody>
+          <a:bodyPr vert="horz" lIns="45720" tIns="45720" rIns="45720" bIns="45720" rtlCol="0">
+            <a:normAutofit/>
+          </a:bodyPr>
+          <a:lstStyle>
+            <a:lvl1pPr marL="91440" indent="-91440" algn="l" defTabSz="914400" rtl="0" eaLnBrk="1" latinLnBrk="0" hangingPunct="1">
+              <a:lnSpc>
+                <a:spcPct val="90000"/>
+              </a:lnSpc>
+              <a:spcBef>
+                <a:spcPts val="1200"/>
+              </a:spcBef>
+              <a:spcAft>
+                <a:spcPts val="200"/>
+              </a:spcAft>
+              <a:buClr>
+                <a:schemeClr val="accent1"/>
+              </a:buClr>
+              <a:buSzPct val="100000"/>
+              <a:buFont typeface="Tw Cen MT" panose="020B0602020104020603" pitchFamily="34" charset="0"/>
+              <a:buChar char=" "/>
+              <a:defRPr sz="2200" kern="1200">
+                <a:solidFill>
+                  <a:schemeClr val="tx1"/>
+                </a:solidFill>
+                <a:latin typeface="+mn-lt"/>
+                <a:ea typeface="+mn-ea"/>
+                <a:cs typeface="+mn-cs"/>
+              </a:defRPr>
+            </a:lvl1pPr>
+            <a:lvl2pPr marL="265176" indent="-137160" algn="l" defTabSz="914400" rtl="0" eaLnBrk="1" latinLnBrk="0" hangingPunct="1">
+              <a:lnSpc>
+                <a:spcPct val="90000"/>
+              </a:lnSpc>
+              <a:spcBef>
+                <a:spcPts val="200"/>
+              </a:spcBef>
+              <a:spcAft>
+                <a:spcPts val="400"/>
+              </a:spcAft>
+              <a:buClr>
+                <a:schemeClr val="accent1"/>
+              </a:buClr>
+              <a:buFont typeface="Wingdings 3" pitchFamily="18" charset="2"/>
+              <a:buChar char=""/>
+              <a:defRPr sz="1800" kern="1200">
+                <a:solidFill>
+                  <a:schemeClr val="tx1"/>
+                </a:solidFill>
+                <a:latin typeface="+mn-lt"/>
+                <a:ea typeface="+mn-ea"/>
+                <a:cs typeface="+mn-cs"/>
+              </a:defRPr>
+            </a:lvl2pPr>
+            <a:lvl3pPr marL="448056" indent="-137160" algn="l" defTabSz="914400" rtl="0" eaLnBrk="1" latinLnBrk="0" hangingPunct="1">
+              <a:lnSpc>
+                <a:spcPct val="90000"/>
+              </a:lnSpc>
+              <a:spcBef>
+                <a:spcPts val="200"/>
+              </a:spcBef>
+              <a:spcAft>
+                <a:spcPts val="400"/>
+              </a:spcAft>
+              <a:buClr>
+                <a:schemeClr val="accent1"/>
+              </a:buClr>
+              <a:buFont typeface="Wingdings 3" pitchFamily="18" charset="2"/>
+              <a:buChar char=""/>
+              <a:defRPr sz="1400" kern="1200">
+                <a:solidFill>
+                  <a:schemeClr val="tx1"/>
+                </a:solidFill>
+                <a:latin typeface="+mn-lt"/>
+                <a:ea typeface="+mn-ea"/>
+                <a:cs typeface="+mn-cs"/>
+              </a:defRPr>
+            </a:lvl3pPr>
+            <a:lvl4pPr marL="594360" indent="-137160" algn="l" defTabSz="914400" rtl="0" eaLnBrk="1" latinLnBrk="0" hangingPunct="1">
+              <a:lnSpc>
+                <a:spcPct val="90000"/>
+              </a:lnSpc>
+              <a:spcBef>
+                <a:spcPts val="200"/>
+              </a:spcBef>
+              <a:spcAft>
+                <a:spcPts val="400"/>
+              </a:spcAft>
+              <a:buClr>
+                <a:schemeClr val="accent1"/>
+              </a:buClr>
+              <a:buFont typeface="Wingdings 3" pitchFamily="18" charset="2"/>
+              <a:buChar char=""/>
+              <a:defRPr sz="1400" kern="1200">
+                <a:solidFill>
+                  <a:schemeClr val="tx1"/>
+                </a:solidFill>
+                <a:latin typeface="+mn-lt"/>
+                <a:ea typeface="+mn-ea"/>
+                <a:cs typeface="+mn-cs"/>
+              </a:defRPr>
+            </a:lvl4pPr>
+            <a:lvl5pPr marL="777240" indent="-137160" algn="l" defTabSz="914400" rtl="0" eaLnBrk="1" latinLnBrk="0" hangingPunct="1">
+              <a:lnSpc>
+                <a:spcPct val="90000"/>
+              </a:lnSpc>
+              <a:spcBef>
+                <a:spcPts val="200"/>
+              </a:spcBef>
+              <a:spcAft>
+                <a:spcPts val="400"/>
+              </a:spcAft>
+              <a:buClr>
+                <a:schemeClr val="accent1"/>
+              </a:buClr>
+              <a:buFont typeface="Wingdings 3" pitchFamily="18" charset="2"/>
+              <a:buChar char=""/>
+              <a:defRPr sz="1400" kern="1200">
+                <a:solidFill>
+                  <a:schemeClr val="tx1"/>
+                </a:solidFill>
+                <a:latin typeface="+mn-lt"/>
+                <a:ea typeface="+mn-ea"/>
+                <a:cs typeface="+mn-cs"/>
+              </a:defRPr>
+            </a:lvl5pPr>
+            <a:lvl6pPr marL="914400" indent="-137160" algn="l" defTabSz="914400" rtl="0" eaLnBrk="1" latinLnBrk="0" hangingPunct="1">
+              <a:lnSpc>
+                <a:spcPct val="90000"/>
+              </a:lnSpc>
+              <a:spcBef>
+                <a:spcPts val="200"/>
+              </a:spcBef>
+              <a:spcAft>
+                <a:spcPts val="400"/>
+              </a:spcAft>
+              <a:buClr>
+                <a:schemeClr val="accent1"/>
+              </a:buClr>
+              <a:buFont typeface="Wingdings 3" pitchFamily="18" charset="2"/>
+              <a:buChar char=""/>
+              <a:defRPr sz="1400" kern="1200">
+                <a:solidFill>
+                  <a:schemeClr val="tx1"/>
+                </a:solidFill>
+                <a:latin typeface="+mn-lt"/>
+                <a:ea typeface="+mn-ea"/>
+                <a:cs typeface="+mn-cs"/>
+              </a:defRPr>
+            </a:lvl6pPr>
+            <a:lvl7pPr marL="1060704" indent="-137160" algn="l" defTabSz="914400" rtl="0" eaLnBrk="1" latinLnBrk="0" hangingPunct="1">
+              <a:lnSpc>
+                <a:spcPct val="90000"/>
+              </a:lnSpc>
+              <a:spcBef>
+                <a:spcPts val="200"/>
+              </a:spcBef>
+              <a:spcAft>
+                <a:spcPts val="400"/>
+              </a:spcAft>
+              <a:buClr>
+                <a:schemeClr val="accent1"/>
+              </a:buClr>
+              <a:buFont typeface="Wingdings 3" pitchFamily="18" charset="2"/>
+              <a:buChar char=""/>
+              <a:defRPr sz="1400" kern="1200">
+                <a:solidFill>
+                  <a:schemeClr val="tx1"/>
+                </a:solidFill>
+                <a:latin typeface="+mn-lt"/>
+                <a:ea typeface="+mn-ea"/>
+                <a:cs typeface="+mn-cs"/>
+              </a:defRPr>
+            </a:lvl7pPr>
+            <a:lvl8pPr marL="1216152" indent="-137160" algn="l" defTabSz="914400" rtl="0" eaLnBrk="1" latinLnBrk="0" hangingPunct="1">
+              <a:lnSpc>
+                <a:spcPct val="90000"/>
+              </a:lnSpc>
+              <a:spcBef>
+                <a:spcPts val="200"/>
+              </a:spcBef>
+              <a:spcAft>
+                <a:spcPts val="400"/>
+              </a:spcAft>
+              <a:buClr>
+                <a:schemeClr val="accent1"/>
+              </a:buClr>
+              <a:buFont typeface="Wingdings 3" pitchFamily="18" charset="2"/>
+              <a:buChar char=""/>
+              <a:defRPr sz="1400" kern="1200">
+                <a:solidFill>
+                  <a:schemeClr val="tx1"/>
+                </a:solidFill>
+                <a:latin typeface="+mn-lt"/>
+                <a:ea typeface="+mn-ea"/>
+                <a:cs typeface="+mn-cs"/>
+              </a:defRPr>
+            </a:lvl8pPr>
+            <a:lvl9pPr marL="1362456" indent="-137160" algn="l" defTabSz="914400" rtl="0" eaLnBrk="1" latinLnBrk="0" hangingPunct="1">
+              <a:lnSpc>
+                <a:spcPct val="90000"/>
+              </a:lnSpc>
+              <a:spcBef>
+                <a:spcPts val="200"/>
+              </a:spcBef>
+              <a:spcAft>
+                <a:spcPts val="400"/>
+              </a:spcAft>
+              <a:buClr>
+                <a:schemeClr val="accent1"/>
+              </a:buClr>
+              <a:buFont typeface="Wingdings 3" pitchFamily="18" charset="2"/>
+              <a:buChar char=""/>
+              <a:defRPr sz="1400" kern="1200">
+                <a:solidFill>
+                  <a:schemeClr val="tx1"/>
+                </a:solidFill>
+                <a:latin typeface="+mn-lt"/>
+                <a:ea typeface="+mn-ea"/>
+                <a:cs typeface="+mn-cs"/>
+              </a:defRPr>
+            </a:lvl9pPr>
+          </a:lstStyle>
+          <a:p>
+            <a:pPr marL="0" indent="0">
+              <a:buFont typeface="Tw Cen MT" panose="020B0602020104020603" pitchFamily="34" charset="0"/>
+              <a:buNone/>
+            </a:pPr>
+            <a:r>
+              <a:rPr lang="en-US" sz="1600" b="1" dirty="0"/>
+              <a:t>P-value: 0.012</a:t>
+            </a:r>
+          </a:p>
+          <a:p>
+            <a:pPr marL="0" indent="0">
+              <a:buFont typeface="Tw Cen MT" panose="020B0602020104020603" pitchFamily="34" charset="0"/>
+              <a:buNone/>
+            </a:pPr>
+            <a:r>
+              <a:rPr lang="en-US" sz="1600" dirty="0"/>
+              <a:t>These readings suggest that we can reject the null hypothesis.  </a:t>
+            </a:r>
+          </a:p>
+          <a:p>
+            <a:pPr marL="0" indent="0">
+              <a:buFont typeface="Tw Cen MT" panose="020B0602020104020603" pitchFamily="34" charset="0"/>
+              <a:buNone/>
+            </a:pPr>
+            <a:endParaRPr lang="en-US" sz="1600" dirty="0"/>
+          </a:p>
+        </p:txBody>
+      </p:sp>
+    </p:spTree>
+    <p:extLst>
+      <p:ext uri="{BB962C8B-B14F-4D97-AF65-F5344CB8AC3E}">
+        <p14:creationId xmlns:p14="http://schemas.microsoft.com/office/powerpoint/2010/main" val="3846098714"/>
+      </p:ext>
+    </p:extLst>
+  </p:cSld>
+  <p:clrMapOvr>
+    <a:masterClrMapping/>
+  </p:clrMapOvr>
+</p:sld>
+</file>
+
+<file path=ppt/slides/slide9.xml><?xml version="1.0" encoding="utf-8"?>
+<p:sld xmlns:a="http://schemas.openxmlformats.org/drawingml/2006/main" xmlns:r="http://schemas.openxmlformats.org/officeDocument/2006/relationships" xmlns:p="http://schemas.openxmlformats.org/presentationml/2006/main">
+  <p:cSld>
+    <p:spTree>
+      <p:nvGrpSpPr>
+        <p:cNvPr id="1" name=""/>
+        <p:cNvGrpSpPr/>
+        <p:nvPr/>
+      </p:nvGrpSpPr>
+      <p:grpSpPr>
+        <a:xfrm>
+          <a:off x="0" y="0"/>
+          <a:ext cx="0" cy="0"/>
+          <a:chOff x="0" y="0"/>
+          <a:chExt cx="0" cy="0"/>
+        </a:xfrm>
+      </p:grpSpPr>
+      <p:sp>
+        <p:nvSpPr>
+          <p:cNvPr id="2" name="Title 1">
+            <a:extLst>
+              <a:ext uri="{FF2B5EF4-FFF2-40B4-BE49-F238E27FC236}">
+                <a16:creationId xmlns:a16="http://schemas.microsoft.com/office/drawing/2014/main" id="{656C2134-C014-976E-A04B-C88143F8DC02}"/>
+              </a:ext>
+            </a:extLst>
+          </p:cNvPr>
+          <p:cNvSpPr>
+            <a:spLocks noGrp="1"/>
+          </p:cNvSpPr>
+          <p:nvPr>
+            <p:ph type="title"/>
+          </p:nvPr>
+        </p:nvSpPr>
+        <p:spPr>
+          <a:xfrm>
+            <a:off x="818855" y="594546"/>
+            <a:ext cx="4135701" cy="1499616"/>
+          </a:xfrm>
+        </p:spPr>
+        <p:txBody>
+          <a:bodyPr>
+            <a:normAutofit fontScale="90000"/>
+          </a:bodyPr>
+          <a:lstStyle/>
+          <a:p>
+            <a:r>
+              <a:rPr lang="en-US" dirty="0"/>
+              <a:t>Additional factors affecting death rates</a:t>
+            </a:r>
+          </a:p>
+        </p:txBody>
+      </p:sp>
+      <p:pic>
+        <p:nvPicPr>
+          <p:cNvPr id="5" name="Content Placeholder 4" descr="A screenshot of a computer screen&#10;&#10;Description automatically generated">
+            <a:extLst>
+              <a:ext uri="{FF2B5EF4-FFF2-40B4-BE49-F238E27FC236}">
+                <a16:creationId xmlns:a16="http://schemas.microsoft.com/office/drawing/2014/main" id="{482C3C5E-FF8D-2B1C-27E5-D85AF5FC8E0F}"/>
+              </a:ext>
+            </a:extLst>
+          </p:cNvPr>
+          <p:cNvPicPr>
+            <a:picLocks noGrp="1" noChangeAspect="1"/>
+          </p:cNvPicPr>
+          <p:nvPr>
+            <p:ph idx="1"/>
+          </p:nvPr>
+        </p:nvPicPr>
+        <p:blipFill>
+          <a:blip r:embed="rId2"/>
+          <a:stretch>
+            <a:fillRect/>
+          </a:stretch>
+        </p:blipFill>
+        <p:spPr>
+          <a:xfrm>
+            <a:off x="5159829" y="298580"/>
+            <a:ext cx="6713241" cy="6083875"/>
+          </a:xfrm>
+        </p:spPr>
+      </p:pic>
+      <p:sp>
+        <p:nvSpPr>
+          <p:cNvPr id="6" name="Content Placeholder 2">
+            <a:extLst>
+              <a:ext uri="{FF2B5EF4-FFF2-40B4-BE49-F238E27FC236}">
+                <a16:creationId xmlns:a16="http://schemas.microsoft.com/office/drawing/2014/main" id="{9127FF5E-8BAE-9AC4-92A3-540223046A1F}"/>
+              </a:ext>
+            </a:extLst>
+          </p:cNvPr>
+          <p:cNvSpPr txBox="1">
+            <a:spLocks/>
+          </p:cNvSpPr>
+          <p:nvPr/>
+        </p:nvSpPr>
+        <p:spPr>
+          <a:xfrm>
+            <a:off x="534672" y="2765966"/>
+            <a:ext cx="5237525" cy="1834025"/>
+          </a:xfrm>
+          <a:prstGeom prst="rect">
+            <a:avLst/>
+          </a:prstGeom>
+        </p:spPr>
+        <p:txBody>
+          <a:bodyPr vert="horz" lIns="45720" tIns="45720" rIns="45720" bIns="45720" rtlCol="0">
+            <a:normAutofit/>
+          </a:bodyPr>
+          <a:lstStyle>
+            <a:lvl1pPr marL="91440" indent="-91440" algn="l" defTabSz="914400" rtl="0" eaLnBrk="1" latinLnBrk="0" hangingPunct="1">
+              <a:lnSpc>
+                <a:spcPct val="90000"/>
+              </a:lnSpc>
+              <a:spcBef>
+                <a:spcPts val="1200"/>
+              </a:spcBef>
+              <a:spcAft>
+                <a:spcPts val="200"/>
+              </a:spcAft>
+              <a:buClr>
+                <a:schemeClr val="accent1"/>
+              </a:buClr>
+              <a:buSzPct val="100000"/>
+              <a:buFont typeface="Tw Cen MT" panose="020B0602020104020603" pitchFamily="34" charset="0"/>
+              <a:buChar char=" "/>
+              <a:defRPr sz="2200" kern="1200">
+                <a:solidFill>
+                  <a:schemeClr val="tx1"/>
+                </a:solidFill>
+                <a:latin typeface="+mn-lt"/>
+                <a:ea typeface="+mn-ea"/>
+                <a:cs typeface="+mn-cs"/>
+              </a:defRPr>
+            </a:lvl1pPr>
+            <a:lvl2pPr marL="265176" indent="-137160" algn="l" defTabSz="914400" rtl="0" eaLnBrk="1" latinLnBrk="0" hangingPunct="1">
+              <a:lnSpc>
+                <a:spcPct val="90000"/>
+              </a:lnSpc>
+              <a:spcBef>
+                <a:spcPts val="200"/>
+              </a:spcBef>
+              <a:spcAft>
+                <a:spcPts val="400"/>
+              </a:spcAft>
+              <a:buClr>
+                <a:schemeClr val="accent1"/>
+              </a:buClr>
+              <a:buFont typeface="Wingdings 3" pitchFamily="18" charset="2"/>
+              <a:buChar char=""/>
+              <a:defRPr sz="1800" kern="1200">
+                <a:solidFill>
+                  <a:schemeClr val="tx1"/>
+                </a:solidFill>
+                <a:latin typeface="+mn-lt"/>
+                <a:ea typeface="+mn-ea"/>
+                <a:cs typeface="+mn-cs"/>
+              </a:defRPr>
+            </a:lvl2pPr>
+            <a:lvl3pPr marL="448056" indent="-137160" algn="l" defTabSz="914400" rtl="0" eaLnBrk="1" latinLnBrk="0" hangingPunct="1">
+              <a:lnSpc>
+                <a:spcPct val="90000"/>
+              </a:lnSpc>
+              <a:spcBef>
+                <a:spcPts val="200"/>
+              </a:spcBef>
+              <a:spcAft>
+                <a:spcPts val="400"/>
+              </a:spcAft>
+              <a:buClr>
+                <a:schemeClr val="accent1"/>
+              </a:buClr>
+              <a:buFont typeface="Wingdings 3" pitchFamily="18" charset="2"/>
+              <a:buChar char=""/>
+              <a:defRPr sz="1400" kern="1200">
+                <a:solidFill>
+                  <a:schemeClr val="tx1"/>
+                </a:solidFill>
+                <a:latin typeface="+mn-lt"/>
+                <a:ea typeface="+mn-ea"/>
+                <a:cs typeface="+mn-cs"/>
+              </a:defRPr>
+            </a:lvl3pPr>
+            <a:lvl4pPr marL="594360" indent="-137160" algn="l" defTabSz="914400" rtl="0" eaLnBrk="1" latinLnBrk="0" hangingPunct="1">
+              <a:lnSpc>
+                <a:spcPct val="90000"/>
+              </a:lnSpc>
+              <a:spcBef>
+                <a:spcPts val="200"/>
+              </a:spcBef>
+              <a:spcAft>
+                <a:spcPts val="400"/>
+              </a:spcAft>
+              <a:buClr>
+                <a:schemeClr val="accent1"/>
+              </a:buClr>
+              <a:buFont typeface="Wingdings 3" pitchFamily="18" charset="2"/>
+              <a:buChar char=""/>
+              <a:defRPr sz="1400" kern="1200">
+                <a:solidFill>
+                  <a:schemeClr val="tx1"/>
+                </a:solidFill>
+                <a:latin typeface="+mn-lt"/>
+                <a:ea typeface="+mn-ea"/>
+                <a:cs typeface="+mn-cs"/>
+              </a:defRPr>
+            </a:lvl4pPr>
+            <a:lvl5pPr marL="777240" indent="-137160" algn="l" defTabSz="914400" rtl="0" eaLnBrk="1" latinLnBrk="0" hangingPunct="1">
+              <a:lnSpc>
+                <a:spcPct val="90000"/>
+              </a:lnSpc>
+              <a:spcBef>
+                <a:spcPts val="200"/>
+              </a:spcBef>
+              <a:spcAft>
+                <a:spcPts val="400"/>
+              </a:spcAft>
+              <a:buClr>
+                <a:schemeClr val="accent1"/>
+              </a:buClr>
+              <a:buFont typeface="Wingdings 3" pitchFamily="18" charset="2"/>
+              <a:buChar char=""/>
+              <a:defRPr sz="1400" kern="1200">
+                <a:solidFill>
+                  <a:schemeClr val="tx1"/>
+                </a:solidFill>
+                <a:latin typeface="+mn-lt"/>
+                <a:ea typeface="+mn-ea"/>
+                <a:cs typeface="+mn-cs"/>
+              </a:defRPr>
+            </a:lvl5pPr>
+            <a:lvl6pPr marL="914400" indent="-137160" algn="l" defTabSz="914400" rtl="0" eaLnBrk="1" latinLnBrk="0" hangingPunct="1">
+              <a:lnSpc>
+                <a:spcPct val="90000"/>
+              </a:lnSpc>
+              <a:spcBef>
+                <a:spcPts val="200"/>
+              </a:spcBef>
+              <a:spcAft>
+                <a:spcPts val="400"/>
+              </a:spcAft>
+              <a:buClr>
+                <a:schemeClr val="accent1"/>
+              </a:buClr>
+              <a:buFont typeface="Wingdings 3" pitchFamily="18" charset="2"/>
+              <a:buChar char=""/>
+              <a:defRPr sz="1400" kern="1200">
+                <a:solidFill>
+                  <a:schemeClr val="tx1"/>
+                </a:solidFill>
+                <a:latin typeface="+mn-lt"/>
+                <a:ea typeface="+mn-ea"/>
+                <a:cs typeface="+mn-cs"/>
+              </a:defRPr>
+            </a:lvl6pPr>
+            <a:lvl7pPr marL="1060704" indent="-137160" algn="l" defTabSz="914400" rtl="0" eaLnBrk="1" latinLnBrk="0" hangingPunct="1">
+              <a:lnSpc>
+                <a:spcPct val="90000"/>
+              </a:lnSpc>
+              <a:spcBef>
+                <a:spcPts val="200"/>
+              </a:spcBef>
+              <a:spcAft>
+                <a:spcPts val="400"/>
+              </a:spcAft>
+              <a:buClr>
+                <a:schemeClr val="accent1"/>
+              </a:buClr>
+              <a:buFont typeface="Wingdings 3" pitchFamily="18" charset="2"/>
+              <a:buChar char=""/>
+              <a:defRPr sz="1400" kern="1200">
+                <a:solidFill>
+                  <a:schemeClr val="tx1"/>
+                </a:solidFill>
+                <a:latin typeface="+mn-lt"/>
+                <a:ea typeface="+mn-ea"/>
+                <a:cs typeface="+mn-cs"/>
+              </a:defRPr>
+            </a:lvl7pPr>
+            <a:lvl8pPr marL="1216152" indent="-137160" algn="l" defTabSz="914400" rtl="0" eaLnBrk="1" latinLnBrk="0" hangingPunct="1">
+              <a:lnSpc>
+                <a:spcPct val="90000"/>
+              </a:lnSpc>
+              <a:spcBef>
+                <a:spcPts val="200"/>
+              </a:spcBef>
+              <a:spcAft>
+                <a:spcPts val="400"/>
+              </a:spcAft>
+              <a:buClr>
+                <a:schemeClr val="accent1"/>
+              </a:buClr>
+              <a:buFont typeface="Wingdings 3" pitchFamily="18" charset="2"/>
+              <a:buChar char=""/>
+              <a:defRPr sz="1400" kern="1200">
+                <a:solidFill>
+                  <a:schemeClr val="tx1"/>
+                </a:solidFill>
+                <a:latin typeface="+mn-lt"/>
+                <a:ea typeface="+mn-ea"/>
+                <a:cs typeface="+mn-cs"/>
+              </a:defRPr>
+            </a:lvl8pPr>
+            <a:lvl9pPr marL="1362456" indent="-137160" algn="l" defTabSz="914400" rtl="0" eaLnBrk="1" latinLnBrk="0" hangingPunct="1">
+              <a:lnSpc>
+                <a:spcPct val="90000"/>
+              </a:lnSpc>
+              <a:spcBef>
+                <a:spcPts val="200"/>
+              </a:spcBef>
+              <a:spcAft>
+                <a:spcPts val="400"/>
+              </a:spcAft>
+              <a:buClr>
+                <a:schemeClr val="accent1"/>
+              </a:buClr>
+              <a:buFont typeface="Wingdings 3" pitchFamily="18" charset="2"/>
+              <a:buChar char=""/>
+              <a:defRPr sz="1400" kern="1200">
+                <a:solidFill>
+                  <a:schemeClr val="tx1"/>
+                </a:solidFill>
+                <a:latin typeface="+mn-lt"/>
+                <a:ea typeface="+mn-ea"/>
+                <a:cs typeface="+mn-cs"/>
+              </a:defRPr>
+            </a:lvl9pPr>
+          </a:lstStyle>
+          <a:p>
+            <a:pPr marL="0" indent="0">
+              <a:buFont typeface="Tw Cen MT" panose="020B0602020104020603" pitchFamily="34" charset="0"/>
+              <a:buNone/>
+            </a:pPr>
+            <a:r>
+              <a:rPr lang="en-US" sz="1600" dirty="0"/>
+              <a:t>Negatively correlated with extreme poverty</a:t>
+            </a:r>
+          </a:p>
+          <a:p>
+            <a:pPr marL="0" indent="0">
+              <a:buFont typeface="Tw Cen MT" panose="020B0602020104020603" pitchFamily="34" charset="0"/>
+              <a:buNone/>
+            </a:pPr>
+            <a:r>
+              <a:rPr lang="en-US" sz="1600" dirty="0"/>
+              <a:t>Positively correlated with vaccination rates, increased age, wealthier nations, life expectancy, and human development</a:t>
+            </a:r>
+          </a:p>
+          <a:p>
+            <a:pPr marL="0" indent="0">
+              <a:buFont typeface="Tw Cen MT" panose="020B0602020104020603" pitchFamily="34" charset="0"/>
+              <a:buNone/>
+            </a:pPr>
+            <a:endParaRPr lang="en-US" sz="1600" dirty="0"/>
+          </a:p>
+        </p:txBody>
+      </p:sp>
+    </p:spTree>
+    <p:extLst>
+      <p:ext uri="{BB962C8B-B14F-4D97-AF65-F5344CB8AC3E}">
+        <p14:creationId xmlns:p14="http://schemas.microsoft.com/office/powerpoint/2010/main" val="770231796"/>
       </p:ext>
     </p:extLst>
   </p:cSld>
@@ -24676,23 +24117,6 @@
 </file>
 
 <file path=customXml/item1.xml><?xml version="1.0" encoding="utf-8"?>
-<p:properties xmlns:p="http://schemas.microsoft.com/office/2006/metadata/properties" xmlns:xsi="http://www.w3.org/2001/XMLSchema-instance" xmlns:pc="http://schemas.microsoft.com/office/infopath/2007/PartnerControls">
-  <documentManagement>
-    <MediaServiceKeyPoints xmlns="71af3243-3dd4-4a8d-8c0d-dd76da1f02a5" xsi:nil="true"/>
-  </documentManagement>
-</p:properties>
-</file>
-
-<file path=customXml/item2.xml><?xml version="1.0" encoding="utf-8"?>
-<?mso-contentType ?>
-<FormTemplates xmlns="http://schemas.microsoft.com/sharepoint/v3/contenttype/forms">
-  <Display>DocumentLibraryForm</Display>
-  <Edit>DocumentLibraryForm</Edit>
-  <New>DocumentLibraryForm</New>
-</FormTemplates>
-</file>
-
-<file path=customXml/item3.xml><?xml version="1.0" encoding="utf-8"?>
 <ct:contentTypeSchema xmlns:ct="http://schemas.microsoft.com/office/2006/metadata/contentType" xmlns:ma="http://schemas.microsoft.com/office/2006/metadata/properties/metaAttributes" ct:_="" ma:_="" ma:contentTypeName="Document" ma:contentTypeID="0x01010079F111ED35F8CC479449609E8A0923A6" ma:contentTypeVersion="11" ma:contentTypeDescription="Create a new document." ma:contentTypeScope="" ma:versionID="9677210f24a1be23c92c90fd886aa0aa">
   <xsd:schema xmlns:xsd="http://www.w3.org/2001/XMLSchema" xmlns:xs="http://www.w3.org/2001/XMLSchema" xmlns:p="http://schemas.microsoft.com/office/2006/metadata/properties" xmlns:ns2="71af3243-3dd4-4a8d-8c0d-dd76da1f02a5" xmlns:ns3="16c05727-aa75-4e4a-9b5f-8a80a1165891" targetNamespace="http://schemas.microsoft.com/office/2006/metadata/properties" ma:root="true" ma:fieldsID="60e05723c5c1908df1a1a4ebf11d344e" ns2:_="" ns3:_="">
     <xsd:import namespace="71af3243-3dd4-4a8d-8c0d-dd76da1f02a5"/>
@@ -24903,25 +24327,24 @@
 </ct:contentTypeSchema>
 </file>
 
-<file path=customXml/itemProps1.xml><?xml version="1.0" encoding="utf-8"?>
-<ds:datastoreItem xmlns:ds="http://schemas.openxmlformats.org/officeDocument/2006/customXml" ds:itemID="{788A2F88-55C5-4ED1-9541-807C65424763}">
-  <ds:schemaRefs>
-    <ds:schemaRef ds:uri="http://schemas.microsoft.com/office/2006/metadata/properties"/>
-    <ds:schemaRef ds:uri="http://schemas.microsoft.com/office/infopath/2007/PartnerControls"/>
-    <ds:schemaRef ds:uri="71af3243-3dd4-4a8d-8c0d-dd76da1f02a5"/>
-  </ds:schemaRefs>
-</ds:datastoreItem>
+<file path=customXml/item2.xml><?xml version="1.0" encoding="utf-8"?>
+<?mso-contentType ?>
+<FormTemplates xmlns="http://schemas.microsoft.com/sharepoint/v3/contenttype/forms">
+  <Display>DocumentLibraryForm</Display>
+  <Edit>DocumentLibraryForm</Edit>
+  <New>DocumentLibraryForm</New>
+</FormTemplates>
 </file>
 
-<file path=customXml/itemProps2.xml><?xml version="1.0" encoding="utf-8"?>
-<ds:datastoreItem xmlns:ds="http://schemas.openxmlformats.org/officeDocument/2006/customXml" ds:itemID="{4F44C90D-2A62-4985-9618-3460247437B1}">
-  <ds:schemaRefs>
-    <ds:schemaRef ds:uri="http://schemas.microsoft.com/sharepoint/v3/contenttype/forms"/>
-  </ds:schemaRefs>
-</ds:datastoreItem>
+<file path=customXml/item3.xml><?xml version="1.0" encoding="utf-8"?>
+<p:properties xmlns:p="http://schemas.microsoft.com/office/2006/metadata/properties" xmlns:xsi="http://www.w3.org/2001/XMLSchema-instance" xmlns:pc="http://schemas.microsoft.com/office/infopath/2007/PartnerControls">
+  <documentManagement>
+    <MediaServiceKeyPoints xmlns="71af3243-3dd4-4a8d-8c0d-dd76da1f02a5" xsi:nil="true"/>
+  </documentManagement>
+</p:properties>
 </file>
 
-<file path=customXml/itemProps3.xml><?xml version="1.0" encoding="utf-8"?>
+<file path=customXml/itemProps1.xml><?xml version="1.0" encoding="utf-8"?>
 <ds:datastoreItem xmlns:ds="http://schemas.openxmlformats.org/officeDocument/2006/customXml" ds:itemID="{B61EAB5F-88FC-4FAE-AE3C-037A3C365EB8}">
   <ds:schemaRefs>
     <ds:schemaRef ds:uri="http://schemas.microsoft.com/office/2006/metadata/contentType"/>
@@ -24938,4 +24361,22 @@
     <ds:schemaRef ds:uri="http://schemas.microsoft.com/internal/obd"/>
   </ds:schemaRefs>
 </ds:datastoreItem>
+</file>
+
+<file path=customXml/itemProps2.xml><?xml version="1.0" encoding="utf-8"?>
+<ds:datastoreItem xmlns:ds="http://schemas.openxmlformats.org/officeDocument/2006/customXml" ds:itemID="{4F44C90D-2A62-4985-9618-3460247437B1}">
+  <ds:schemaRefs>
+    <ds:schemaRef ds:uri="http://schemas.microsoft.com/sharepoint/v3/contenttype/forms"/>
+  </ds:schemaRefs>
+</ds:datastoreItem>
+</file>
+
+<file path=customXml/itemProps3.xml><?xml version="1.0" encoding="utf-8"?>
+<ds:datastoreItem xmlns:ds="http://schemas.openxmlformats.org/officeDocument/2006/customXml" ds:itemID="{788A2F88-55C5-4ED1-9541-807C65424763}">
+  <ds:schemaRefs>
+    <ds:schemaRef ds:uri="http://schemas.microsoft.com/office/2006/metadata/properties"/>
+    <ds:schemaRef ds:uri="http://schemas.microsoft.com/office/infopath/2007/PartnerControls"/>
+    <ds:schemaRef ds:uri="71af3243-3dd4-4a8d-8c0d-dd76da1f02a5"/>
+  </ds:schemaRefs>
+</ds:datastoreItem>
 </file>
--- a/ppt/Covid Death Rates.pptx
+++ b/ppt/Covid Death Rates.pptx
@@ -5,7 +5,7 @@
     <p:sldMasterId id="2147483648" r:id="rId4"/>
   </p:sldMasterIdLst>
   <p:notesMasterIdLst>
-    <p:notesMasterId r:id="rId18"/>
+    <p:notesMasterId r:id="rId19"/>
   </p:notesMasterIdLst>
   <p:sldIdLst>
     <p:sldId id="256" r:id="rId5"/>
@@ -18,9 +18,10 @@
     <p:sldId id="284" r:id="rId12"/>
     <p:sldId id="285" r:id="rId13"/>
     <p:sldId id="286" r:id="rId14"/>
-    <p:sldId id="288" r:id="rId15"/>
-    <p:sldId id="287" r:id="rId16"/>
-    <p:sldId id="277" r:id="rId17"/>
+    <p:sldId id="289" r:id="rId15"/>
+    <p:sldId id="288" r:id="rId16"/>
+    <p:sldId id="287" r:id="rId17"/>
+    <p:sldId id="277" r:id="rId18"/>
   </p:sldIdLst>
   <p:sldSz cx="12192000" cy="6858000"/>
   <p:notesSz cx="6858000" cy="9144000"/>
@@ -209,7 +210,7 @@
           <a:p>
             <a:fld id="{C452ADB1-275D-430A-89EE-5C7E6CFF6FF2}" type="datetimeFigureOut">
               <a:rPr lang="en-US" smtClean="0"/>
-              <a:t>8/3/2023</a:t>
+              <a:t>8/4/2023</a:t>
             </a:fld>
             <a:endParaRPr lang="en-US" dirty="0"/>
           </a:p>
@@ -9269,7 +9270,7 @@
           <a:p>
             <a:fld id="{7005E26E-BCB2-4FD5-8FD5-81A5EAE94C21}" type="datetime1">
               <a:rPr lang="en-US" smtClean="0"/>
-              <a:t>8/3/2023</a:t>
+              <a:t>8/4/2023</a:t>
             </a:fld>
             <a:endParaRPr lang="en-US" dirty="0"/>
           </a:p>
@@ -9471,7 +9472,7 @@
           <a:p>
             <a:fld id="{9CC2E9B8-0487-42E4-B571-744A3D775783}" type="datetime1">
               <a:rPr lang="en-US" smtClean="0"/>
-              <a:t>8/3/2023</a:t>
+              <a:t>8/4/2023</a:t>
             </a:fld>
             <a:endParaRPr lang="en-US" dirty="0"/>
           </a:p>
@@ -9646,7 +9647,7 @@
           <a:p>
             <a:fld id="{9052E32D-1E84-43FD-8158-FFFE757EB0E8}" type="datetime1">
               <a:rPr lang="en-US" smtClean="0"/>
-              <a:t>8/3/2023</a:t>
+              <a:t>8/4/2023</a:t>
             </a:fld>
             <a:endParaRPr lang="en-US" dirty="0"/>
           </a:p>
@@ -9846,7 +9847,7 @@
           <a:p>
             <a:fld id="{8585C470-CD19-455C-B830-6D252EAD7FE5}" type="datetime1">
               <a:rPr lang="en-US" smtClean="0"/>
-              <a:t>8/3/2023</a:t>
+              <a:t>8/4/2023</a:t>
             </a:fld>
             <a:endParaRPr lang="en-US" dirty="0"/>
           </a:p>
@@ -18739,7 +18740,7 @@
           <a:p>
             <a:fld id="{7F85C43C-50D9-4F49-A136-0EFF292F93ED}" type="datetime1">
               <a:rPr lang="en-US" smtClean="0"/>
-              <a:t>8/3/2023</a:t>
+              <a:t>8/4/2023</a:t>
             </a:fld>
             <a:endParaRPr lang="en-US" dirty="0"/>
           </a:p>
@@ -19008,7 +19009,7 @@
           <a:p>
             <a:fld id="{7B53B1A3-0AEF-4064-A724-D27D660C8653}" type="datetime1">
               <a:rPr lang="en-US" smtClean="0"/>
-              <a:t>8/3/2023</a:t>
+              <a:t>8/4/2023</a:t>
             </a:fld>
             <a:endParaRPr lang="en-US" dirty="0"/>
           </a:p>
@@ -19401,7 +19402,7 @@
           <a:p>
             <a:fld id="{37D5D0F2-BF66-4A24-9384-A0129B196518}" type="datetime1">
               <a:rPr lang="en-US" smtClean="0"/>
-              <a:t>8/3/2023</a:t>
+              <a:t>8/4/2023</a:t>
             </a:fld>
             <a:endParaRPr lang="en-US" dirty="0"/>
           </a:p>
@@ -19514,7 +19515,7 @@
           <a:p>
             <a:fld id="{8C318A6C-4F6B-48D2-BDB0-D7413B3FDB0A}" type="datetime1">
               <a:rPr lang="en-US" smtClean="0"/>
-              <a:t>8/3/2023</a:t>
+              <a:t>8/4/2023</a:t>
             </a:fld>
             <a:endParaRPr lang="en-US" dirty="0"/>
           </a:p>
@@ -19604,7 +19605,7 @@
           <a:p>
             <a:fld id="{BF01ECED-6ECE-4989-B917-9D4D7E6D3C76}" type="datetime1">
               <a:rPr lang="en-US" smtClean="0"/>
-              <a:t>8/3/2023</a:t>
+              <a:t>8/4/2023</a:t>
             </a:fld>
             <a:endParaRPr lang="en-US" dirty="0"/>
           </a:p>
@@ -19889,7 +19890,7 @@
           <a:p>
             <a:fld id="{E3B570E1-CB40-488E-8C6F-EF4211DFFCB0}" type="datetime1">
               <a:rPr lang="en-US" smtClean="0"/>
-              <a:t>8/3/2023</a:t>
+              <a:t>8/4/2023</a:t>
             </a:fld>
             <a:endParaRPr lang="en-US" dirty="0"/>
           </a:p>
@@ -20164,7 +20165,7 @@
           <a:p>
             <a:fld id="{D1CEB6AF-9F5C-43BE-879E-CB9514111250}" type="datetime1">
               <a:rPr lang="en-US" smtClean="0"/>
-              <a:t>8/3/2023</a:t>
+              <a:t>8/4/2023</a:t>
             </a:fld>
             <a:endParaRPr lang="en-US" dirty="0"/>
           </a:p>
@@ -20409,7 +20410,7 @@
           <a:p>
             <a:fld id="{E7EE424C-FCA3-4EDD-B274-8E055D649B7D}" type="datetime1">
               <a:rPr lang="en-US" smtClean="0"/>
-              <a:t>8/3/2023</a:t>
+              <a:t>8/4/2023</a:t>
             </a:fld>
             <a:endParaRPr lang="en-US" dirty="0"/>
           </a:p>
@@ -21219,7 +21220,7 @@
 </file>
 
 <file path=ppt/slides/slide10.xml><?xml version="1.0" encoding="utf-8"?>
-<p:sld xmlns:a="http://schemas.openxmlformats.org/drawingml/2006/main" xmlns:r="http://schemas.openxmlformats.org/officeDocument/2006/relationships" xmlns:p="http://schemas.openxmlformats.org/presentationml/2006/main">
+<p:sld xmlns:a="http://schemas.openxmlformats.org/drawingml/2006/main" xmlns:r="http://schemas.openxmlformats.org/officeDocument/2006/relationships" xmlns:p="http://schemas.openxmlformats.org/presentationml/2006/main" show="0">
   <p:cSld>
     <p:spTree>
       <p:nvGrpSpPr>
@@ -21256,7 +21257,10 @@
           <a:bodyPr/>
           <a:lstStyle/>
           <a:p>
-            <a:endParaRPr lang="en-US"/>
+            <a:r>
+              <a:rPr lang="en-US" dirty="0"/>
+              <a:t>Multiple linear regression tests</a:t>
+            </a:r>
           </a:p>
         </p:txBody>
       </p:sp>
@@ -21284,8 +21288,8 @@
         </p:blipFill>
         <p:spPr>
           <a:xfrm>
-            <a:off x="7329150" y="1272631"/>
-            <a:ext cx="1782106" cy="1352713"/>
+            <a:off x="290359" y="2306278"/>
+            <a:ext cx="2868673" cy="2177475"/>
           </a:xfrm>
         </p:spPr>
       </p:pic>
@@ -21311,8 +21315,8 @@
         </p:blipFill>
         <p:spPr>
           <a:xfrm>
-            <a:off x="9531348" y="1272631"/>
-            <a:ext cx="1685050" cy="1295278"/>
+            <a:off x="308338" y="4483753"/>
+            <a:ext cx="2832716" cy="2177475"/>
           </a:xfrm>
           <a:prstGeom prst="rect">
             <a:avLst/>
@@ -21341,8 +21345,8 @@
         </p:blipFill>
         <p:spPr>
           <a:xfrm>
-            <a:off x="7329151" y="2672216"/>
-            <a:ext cx="1782105" cy="1379613"/>
+            <a:off x="3159032" y="2289253"/>
+            <a:ext cx="2897728" cy="2243270"/>
           </a:xfrm>
           <a:prstGeom prst="rect">
             <a:avLst/>
@@ -21371,8 +21375,8 @@
         </p:blipFill>
         <p:spPr>
           <a:xfrm>
-            <a:off x="9482822" y="2625344"/>
-            <a:ext cx="1782104" cy="1397477"/>
+            <a:off x="3174800" y="4475572"/>
+            <a:ext cx="2921200" cy="2290725"/>
           </a:xfrm>
           <a:prstGeom prst="rect">
             <a:avLst/>
@@ -21401,8 +21405,8 @@
         </p:blipFill>
         <p:spPr>
           <a:xfrm>
-            <a:off x="7329152" y="4094922"/>
-            <a:ext cx="1782105" cy="1356491"/>
+            <a:off x="6219431" y="2306278"/>
+            <a:ext cx="2860682" cy="2177475"/>
           </a:xfrm>
           <a:prstGeom prst="rect">
             <a:avLst/>
@@ -21431,8 +21435,8 @@
         </p:blipFill>
         <p:spPr>
           <a:xfrm>
-            <a:off x="9482821" y="4051229"/>
-            <a:ext cx="1782105" cy="1397479"/>
+            <a:off x="6313695" y="4523027"/>
+            <a:ext cx="2860682" cy="2243270"/>
           </a:xfrm>
           <a:prstGeom prst="rect">
             <a:avLst/>
@@ -21461,8 +21465,8 @@
         </p:blipFill>
         <p:spPr>
           <a:xfrm>
-            <a:off x="9482822" y="5451413"/>
-            <a:ext cx="1782104" cy="1397477"/>
+            <a:off x="9215426" y="4598483"/>
+            <a:ext cx="2668236" cy="2092358"/>
           </a:xfrm>
           <a:prstGeom prst="rect">
             <a:avLst/>
@@ -21491,14 +21495,380 @@
         </p:blipFill>
         <p:spPr>
           <a:xfrm>
-            <a:off x="7329152" y="5451414"/>
-            <a:ext cx="1782105" cy="1356491"/>
+            <a:off x="9174377" y="2355048"/>
+            <a:ext cx="2865407" cy="2181072"/>
           </a:xfrm>
           <a:prstGeom prst="rect">
             <a:avLst/>
           </a:prstGeom>
         </p:spPr>
       </p:pic>
+      <p:sp>
+        <p:nvSpPr>
+          <p:cNvPr id="3" name="Title 1">
+            <a:extLst>
+              <a:ext uri="{FF2B5EF4-FFF2-40B4-BE49-F238E27FC236}">
+                <a16:creationId xmlns:a16="http://schemas.microsoft.com/office/drawing/2014/main" id="{F6C290FB-75C7-D7F3-8888-A3817E879C88}"/>
+              </a:ext>
+            </a:extLst>
+          </p:cNvPr>
+          <p:cNvSpPr txBox="1">
+            <a:spLocks/>
+          </p:cNvSpPr>
+          <p:nvPr/>
+        </p:nvSpPr>
+        <p:spPr>
+          <a:xfrm>
+            <a:off x="865303" y="1790687"/>
+            <a:ext cx="1896031" cy="637060"/>
+          </a:xfrm>
+          <a:prstGeom prst="rect">
+            <a:avLst/>
+          </a:prstGeom>
+          <a:solidFill>
+            <a:schemeClr val="bg1"/>
+          </a:solidFill>
+        </p:spPr>
+        <p:txBody>
+          <a:bodyPr vert="horz" lIns="91440" tIns="45720" rIns="91440" bIns="45720" rtlCol="0" anchor="ctr">
+            <a:normAutofit/>
+          </a:bodyPr>
+          <a:lstStyle>
+            <a:lvl1pPr algn="l" defTabSz="914400" rtl="0" eaLnBrk="1" latinLnBrk="0" hangingPunct="1">
+              <a:lnSpc>
+                <a:spcPct val="80000"/>
+              </a:lnSpc>
+              <a:spcBef>
+                <a:spcPct val="0"/>
+              </a:spcBef>
+              <a:buNone/>
+              <a:defRPr sz="5000" kern="1200" cap="all" spc="100" baseline="0">
+                <a:solidFill>
+                  <a:schemeClr val="tx1">
+                    <a:lumMod val="95000"/>
+                    <a:lumOff val="5000"/>
+                  </a:schemeClr>
+                </a:solidFill>
+                <a:latin typeface="+mj-lt"/>
+                <a:ea typeface="+mj-ea"/>
+                <a:cs typeface="+mj-cs"/>
+              </a:defRPr>
+            </a:lvl1pPr>
+          </a:lstStyle>
+          <a:p>
+            <a:pPr algn="ctr"/>
+            <a:r>
+              <a:rPr lang="en-US" sz="2800" dirty="0" err="1"/>
+              <a:t>gdp</a:t>
+            </a:r>
+            <a:endParaRPr lang="en-US" sz="2800" dirty="0"/>
+          </a:p>
+        </p:txBody>
+      </p:sp>
+      <p:sp>
+        <p:nvSpPr>
+          <p:cNvPr id="4" name="Title 1">
+            <a:extLst>
+              <a:ext uri="{FF2B5EF4-FFF2-40B4-BE49-F238E27FC236}">
+                <a16:creationId xmlns:a16="http://schemas.microsoft.com/office/drawing/2014/main" id="{52EC28AC-AB2F-568C-F7BE-BF5CD738FB75}"/>
+              </a:ext>
+            </a:extLst>
+          </p:cNvPr>
+          <p:cNvSpPr txBox="1">
+            <a:spLocks/>
+          </p:cNvSpPr>
+          <p:nvPr/>
+        </p:nvSpPr>
+        <p:spPr>
+          <a:xfrm rot="16200000">
+            <a:off x="-393904" y="5413224"/>
+            <a:ext cx="1287628" cy="318531"/>
+          </a:xfrm>
+          <a:prstGeom prst="rect">
+            <a:avLst/>
+          </a:prstGeom>
+          <a:solidFill>
+            <a:schemeClr val="bg1"/>
+          </a:solidFill>
+        </p:spPr>
+        <p:txBody>
+          <a:bodyPr vert="horz" lIns="91440" tIns="45720" rIns="91440" bIns="45720" rtlCol="0" anchor="ctr">
+            <a:normAutofit fontScale="55000" lnSpcReduction="20000"/>
+          </a:bodyPr>
+          <a:lstStyle>
+            <a:lvl1pPr algn="l" defTabSz="914400" rtl="0" eaLnBrk="1" latinLnBrk="0" hangingPunct="1">
+              <a:lnSpc>
+                <a:spcPct val="80000"/>
+              </a:lnSpc>
+              <a:spcBef>
+                <a:spcPct val="0"/>
+              </a:spcBef>
+              <a:buNone/>
+              <a:defRPr sz="5000" kern="1200" cap="all" spc="100" baseline="0">
+                <a:solidFill>
+                  <a:schemeClr val="tx1">
+                    <a:lumMod val="95000"/>
+                    <a:lumOff val="5000"/>
+                  </a:schemeClr>
+                </a:solidFill>
+                <a:latin typeface="+mj-lt"/>
+                <a:ea typeface="+mj-ea"/>
+                <a:cs typeface="+mj-cs"/>
+              </a:defRPr>
+            </a:lvl1pPr>
+          </a:lstStyle>
+          <a:p>
+            <a:r>
+              <a:rPr lang="en-US" sz="2800" dirty="0"/>
+              <a:t>Vaccinated %</a:t>
+            </a:r>
+          </a:p>
+        </p:txBody>
+      </p:sp>
+      <p:sp>
+        <p:nvSpPr>
+          <p:cNvPr id="6" name="Title 1">
+            <a:extLst>
+              <a:ext uri="{FF2B5EF4-FFF2-40B4-BE49-F238E27FC236}">
+                <a16:creationId xmlns:a16="http://schemas.microsoft.com/office/drawing/2014/main" id="{7233EBD4-FC86-9C70-9944-2CBBE556F0D6}"/>
+              </a:ext>
+            </a:extLst>
+          </p:cNvPr>
+          <p:cNvSpPr txBox="1">
+            <a:spLocks/>
+          </p:cNvSpPr>
+          <p:nvPr/>
+        </p:nvSpPr>
+        <p:spPr>
+          <a:xfrm rot="16200000">
+            <a:off x="-335476" y="3061244"/>
+            <a:ext cx="1287628" cy="318531"/>
+          </a:xfrm>
+          <a:prstGeom prst="rect">
+            <a:avLst/>
+          </a:prstGeom>
+          <a:solidFill>
+            <a:schemeClr val="bg1"/>
+          </a:solidFill>
+        </p:spPr>
+        <p:txBody>
+          <a:bodyPr vert="horz" lIns="91440" tIns="45720" rIns="91440" bIns="45720" rtlCol="0" anchor="ctr">
+            <a:normAutofit fontScale="62500" lnSpcReduction="20000"/>
+          </a:bodyPr>
+          <a:lstStyle>
+            <a:lvl1pPr algn="l" defTabSz="914400" rtl="0" eaLnBrk="1" latinLnBrk="0" hangingPunct="1">
+              <a:lnSpc>
+                <a:spcPct val="80000"/>
+              </a:lnSpc>
+              <a:spcBef>
+                <a:spcPct val="0"/>
+              </a:spcBef>
+              <a:buNone/>
+              <a:defRPr sz="5000" kern="1200" cap="all" spc="100" baseline="0">
+                <a:solidFill>
+                  <a:schemeClr val="tx1">
+                    <a:lumMod val="95000"/>
+                    <a:lumOff val="5000"/>
+                  </a:schemeClr>
+                </a:solidFill>
+                <a:latin typeface="+mj-lt"/>
+                <a:ea typeface="+mj-ea"/>
+                <a:cs typeface="+mj-cs"/>
+              </a:defRPr>
+            </a:lvl1pPr>
+          </a:lstStyle>
+          <a:p>
+            <a:r>
+              <a:rPr lang="en-US" sz="2800" dirty="0"/>
+              <a:t>Total deaths</a:t>
+            </a:r>
+          </a:p>
+        </p:txBody>
+      </p:sp>
+      <p:sp>
+        <p:nvSpPr>
+          <p:cNvPr id="8" name="Title 1">
+            <a:extLst>
+              <a:ext uri="{FF2B5EF4-FFF2-40B4-BE49-F238E27FC236}">
+                <a16:creationId xmlns:a16="http://schemas.microsoft.com/office/drawing/2014/main" id="{6A39140C-AD50-1D6B-B5D7-68982700A991}"/>
+              </a:ext>
+            </a:extLst>
+          </p:cNvPr>
+          <p:cNvSpPr txBox="1">
+            <a:spLocks/>
+          </p:cNvSpPr>
+          <p:nvPr/>
+        </p:nvSpPr>
+        <p:spPr>
+          <a:xfrm>
+            <a:off x="3812326" y="1736820"/>
+            <a:ext cx="1896031" cy="637060"/>
+          </a:xfrm>
+          <a:prstGeom prst="rect">
+            <a:avLst/>
+          </a:prstGeom>
+          <a:solidFill>
+            <a:schemeClr val="bg1"/>
+          </a:solidFill>
+        </p:spPr>
+        <p:txBody>
+          <a:bodyPr vert="horz" lIns="91440" tIns="45720" rIns="91440" bIns="45720" rtlCol="0" anchor="ctr">
+            <a:normAutofit/>
+          </a:bodyPr>
+          <a:lstStyle>
+            <a:lvl1pPr algn="l" defTabSz="914400" rtl="0" eaLnBrk="1" latinLnBrk="0" hangingPunct="1">
+              <a:lnSpc>
+                <a:spcPct val="80000"/>
+              </a:lnSpc>
+              <a:spcBef>
+                <a:spcPct val="0"/>
+              </a:spcBef>
+              <a:buNone/>
+              <a:defRPr sz="5000" kern="1200" cap="all" spc="100" baseline="0">
+                <a:solidFill>
+                  <a:schemeClr val="tx1">
+                    <a:lumMod val="95000"/>
+                    <a:lumOff val="5000"/>
+                  </a:schemeClr>
+                </a:solidFill>
+                <a:latin typeface="+mj-lt"/>
+                <a:ea typeface="+mj-ea"/>
+                <a:cs typeface="+mj-cs"/>
+              </a:defRPr>
+            </a:lvl1pPr>
+          </a:lstStyle>
+          <a:p>
+            <a:pPr algn="ctr"/>
+            <a:r>
+              <a:rPr lang="en-US" sz="2800" dirty="0"/>
+              <a:t>Median age</a:t>
+            </a:r>
+          </a:p>
+        </p:txBody>
+      </p:sp>
+      <p:sp>
+        <p:nvSpPr>
+          <p:cNvPr id="10" name="Title 1">
+            <a:extLst>
+              <a:ext uri="{FF2B5EF4-FFF2-40B4-BE49-F238E27FC236}">
+                <a16:creationId xmlns:a16="http://schemas.microsoft.com/office/drawing/2014/main" id="{CA3BDA57-9BC0-9485-ECEF-FAAAA844BA42}"/>
+              </a:ext>
+            </a:extLst>
+          </p:cNvPr>
+          <p:cNvSpPr txBox="1">
+            <a:spLocks/>
+          </p:cNvSpPr>
+          <p:nvPr/>
+        </p:nvSpPr>
+        <p:spPr>
+          <a:xfrm>
+            <a:off x="6872725" y="1744363"/>
+            <a:ext cx="1896031" cy="637060"/>
+          </a:xfrm>
+          <a:prstGeom prst="rect">
+            <a:avLst/>
+          </a:prstGeom>
+          <a:solidFill>
+            <a:schemeClr val="bg1"/>
+          </a:solidFill>
+        </p:spPr>
+        <p:txBody>
+          <a:bodyPr vert="horz" lIns="91440" tIns="45720" rIns="91440" bIns="45720" rtlCol="0" anchor="ctr">
+            <a:normAutofit/>
+          </a:bodyPr>
+          <a:lstStyle>
+            <a:lvl1pPr algn="l" defTabSz="914400" rtl="0" eaLnBrk="1" latinLnBrk="0" hangingPunct="1">
+              <a:lnSpc>
+                <a:spcPct val="80000"/>
+              </a:lnSpc>
+              <a:spcBef>
+                <a:spcPct val="0"/>
+              </a:spcBef>
+              <a:buNone/>
+              <a:defRPr sz="5000" kern="1200" cap="all" spc="100" baseline="0">
+                <a:solidFill>
+                  <a:schemeClr val="tx1">
+                    <a:lumMod val="95000"/>
+                    <a:lumOff val="5000"/>
+                  </a:schemeClr>
+                </a:solidFill>
+                <a:latin typeface="+mj-lt"/>
+                <a:ea typeface="+mj-ea"/>
+                <a:cs typeface="+mj-cs"/>
+              </a:defRPr>
+            </a:lvl1pPr>
+          </a:lstStyle>
+          <a:p>
+            <a:pPr algn="ctr"/>
+            <a:r>
+              <a:rPr lang="en-US" sz="2800" dirty="0" err="1"/>
+              <a:t>hdi</a:t>
+            </a:r>
+            <a:endParaRPr lang="en-US" sz="2800" dirty="0"/>
+          </a:p>
+        </p:txBody>
+      </p:sp>
+      <p:sp>
+        <p:nvSpPr>
+          <p:cNvPr id="12" name="Title 1">
+            <a:extLst>
+              <a:ext uri="{FF2B5EF4-FFF2-40B4-BE49-F238E27FC236}">
+                <a16:creationId xmlns:a16="http://schemas.microsoft.com/office/drawing/2014/main" id="{7C6A326F-3D6F-4A91-6DF1-259F193FD46A}"/>
+              </a:ext>
+            </a:extLst>
+          </p:cNvPr>
+          <p:cNvSpPr txBox="1">
+            <a:spLocks/>
+          </p:cNvSpPr>
+          <p:nvPr/>
+        </p:nvSpPr>
+        <p:spPr>
+          <a:xfrm>
+            <a:off x="9796184" y="1744363"/>
+            <a:ext cx="1896031" cy="637060"/>
+          </a:xfrm>
+          <a:prstGeom prst="rect">
+            <a:avLst/>
+          </a:prstGeom>
+          <a:solidFill>
+            <a:schemeClr val="bg1"/>
+          </a:solidFill>
+        </p:spPr>
+        <p:txBody>
+          <a:bodyPr vert="horz" lIns="91440" tIns="45720" rIns="91440" bIns="45720" rtlCol="0" anchor="ctr">
+            <a:normAutofit fontScale="92500" lnSpcReduction="20000"/>
+          </a:bodyPr>
+          <a:lstStyle>
+            <a:lvl1pPr algn="l" defTabSz="914400" rtl="0" eaLnBrk="1" latinLnBrk="0" hangingPunct="1">
+              <a:lnSpc>
+                <a:spcPct val="80000"/>
+              </a:lnSpc>
+              <a:spcBef>
+                <a:spcPct val="0"/>
+              </a:spcBef>
+              <a:buNone/>
+              <a:defRPr sz="5000" kern="1200" cap="all" spc="100" baseline="0">
+                <a:solidFill>
+                  <a:schemeClr val="tx1">
+                    <a:lumMod val="95000"/>
+                    <a:lumOff val="5000"/>
+                  </a:schemeClr>
+                </a:solidFill>
+                <a:latin typeface="+mj-lt"/>
+                <a:ea typeface="+mj-ea"/>
+                <a:cs typeface="+mj-cs"/>
+              </a:defRPr>
+            </a:lvl1pPr>
+          </a:lstStyle>
+          <a:p>
+            <a:pPr algn="ctr"/>
+            <a:r>
+              <a:rPr lang="en-US" sz="2800" dirty="0"/>
+              <a:t>Life expectancy</a:t>
+            </a:r>
+          </a:p>
+        </p:txBody>
+      </p:sp>
     </p:spTree>
     <p:extLst>
       <p:ext uri="{BB962C8B-B14F-4D97-AF65-F5344CB8AC3E}">
@@ -21513,6 +21883,804 @@
 </file>
 
 <file path=ppt/slides/slide11.xml><?xml version="1.0" encoding="utf-8"?>
+<p:sld xmlns:a="http://schemas.openxmlformats.org/drawingml/2006/main" xmlns:r="http://schemas.openxmlformats.org/officeDocument/2006/relationships" xmlns:p="http://schemas.openxmlformats.org/presentationml/2006/main">
+  <p:cSld>
+    <p:spTree>
+      <p:nvGrpSpPr>
+        <p:cNvPr id="1" name=""/>
+        <p:cNvGrpSpPr/>
+        <p:nvPr/>
+      </p:nvGrpSpPr>
+      <p:grpSpPr>
+        <a:xfrm>
+          <a:off x="0" y="0"/>
+          <a:ext cx="0" cy="0"/>
+          <a:chOff x="0" y="0"/>
+          <a:chExt cx="0" cy="0"/>
+        </a:xfrm>
+      </p:grpSpPr>
+      <p:sp>
+        <p:nvSpPr>
+          <p:cNvPr id="2" name="Title 1">
+            <a:extLst>
+              <a:ext uri="{FF2B5EF4-FFF2-40B4-BE49-F238E27FC236}">
+                <a16:creationId xmlns:a16="http://schemas.microsoft.com/office/drawing/2014/main" id="{A504B3CD-0F8D-3FC7-A2E2-D3C8656B8583}"/>
+              </a:ext>
+            </a:extLst>
+          </p:cNvPr>
+          <p:cNvSpPr>
+            <a:spLocks noGrp="1"/>
+          </p:cNvSpPr>
+          <p:nvPr>
+            <p:ph type="title"/>
+          </p:nvPr>
+        </p:nvSpPr>
+        <p:spPr>
+          <a:xfrm>
+            <a:off x="781327" y="-224520"/>
+            <a:ext cx="9720072" cy="1499616"/>
+          </a:xfrm>
+        </p:spPr>
+        <p:txBody>
+          <a:bodyPr/>
+          <a:lstStyle/>
+          <a:p>
+            <a:r>
+              <a:rPr lang="en-US" dirty="0"/>
+              <a:t>Multiple linear regression tests</a:t>
+            </a:r>
+          </a:p>
+        </p:txBody>
+      </p:sp>
+      <p:pic>
+        <p:nvPicPr>
+          <p:cNvPr id="5" name="Content Placeholder 4" descr="A graph with blue dots and a blue line&#10;&#10;Description automatically generated">
+            <a:extLst>
+              <a:ext uri="{FF2B5EF4-FFF2-40B4-BE49-F238E27FC236}">
+                <a16:creationId xmlns:a16="http://schemas.microsoft.com/office/drawing/2014/main" id="{0AAC1293-606E-D89A-CE69-485169480EF6}"/>
+              </a:ext>
+            </a:extLst>
+          </p:cNvPr>
+          <p:cNvPicPr>
+            <a:picLocks noGrp="1" noChangeAspect="1"/>
+          </p:cNvPicPr>
+          <p:nvPr>
+            <p:ph idx="1"/>
+          </p:nvPr>
+        </p:nvPicPr>
+        <p:blipFill>
+          <a:blip r:embed="rId2"/>
+          <a:stretch>
+            <a:fillRect/>
+          </a:stretch>
+        </p:blipFill>
+        <p:spPr>
+          <a:xfrm>
+            <a:off x="996908" y="1213893"/>
+            <a:ext cx="3677728" cy="2791591"/>
+          </a:xfrm>
+        </p:spPr>
+      </p:pic>
+      <p:pic>
+        <p:nvPicPr>
+          <p:cNvPr id="7" name="Picture 6" descr="A graph with blue dots and a blue line&#10;&#10;Description automatically generated">
+            <a:extLst>
+              <a:ext uri="{FF2B5EF4-FFF2-40B4-BE49-F238E27FC236}">
+                <a16:creationId xmlns:a16="http://schemas.microsoft.com/office/drawing/2014/main" id="{C693A6DB-F6DB-D35B-9271-1C0517652675}"/>
+              </a:ext>
+            </a:extLst>
+          </p:cNvPr>
+          <p:cNvPicPr>
+            <a:picLocks noChangeAspect="1"/>
+          </p:cNvPicPr>
+          <p:nvPr/>
+        </p:nvPicPr>
+        <p:blipFill>
+          <a:blip r:embed="rId3"/>
+          <a:stretch>
+            <a:fillRect/>
+          </a:stretch>
+        </p:blipFill>
+        <p:spPr>
+          <a:xfrm>
+            <a:off x="1032864" y="3899165"/>
+            <a:ext cx="3641771" cy="2799386"/>
+          </a:xfrm>
+          <a:prstGeom prst="rect">
+            <a:avLst/>
+          </a:prstGeom>
+        </p:spPr>
+      </p:pic>
+      <p:pic>
+        <p:nvPicPr>
+          <p:cNvPr id="13" name="Picture 12" descr="A graph with blue dots and a line&#10;&#10;Description automatically generated">
+            <a:extLst>
+              <a:ext uri="{FF2B5EF4-FFF2-40B4-BE49-F238E27FC236}">
+                <a16:creationId xmlns:a16="http://schemas.microsoft.com/office/drawing/2014/main" id="{0CD1A02B-AC21-FA55-5D13-47E9E1D751D4}"/>
+              </a:ext>
+            </a:extLst>
+          </p:cNvPr>
+          <p:cNvPicPr>
+            <a:picLocks noChangeAspect="1"/>
+          </p:cNvPicPr>
+          <p:nvPr/>
+        </p:nvPicPr>
+        <p:blipFill>
+          <a:blip r:embed="rId4"/>
+          <a:stretch>
+            <a:fillRect/>
+          </a:stretch>
+        </p:blipFill>
+        <p:spPr>
+          <a:xfrm>
+            <a:off x="4698112" y="1248634"/>
+            <a:ext cx="3677728" cy="2799389"/>
+          </a:xfrm>
+          <a:prstGeom prst="rect">
+            <a:avLst/>
+          </a:prstGeom>
+        </p:spPr>
+      </p:pic>
+      <p:pic>
+        <p:nvPicPr>
+          <p:cNvPr id="15" name="Picture 14" descr="A graph with blue dots and a line&#10;&#10;Description automatically generated">
+            <a:extLst>
+              <a:ext uri="{FF2B5EF4-FFF2-40B4-BE49-F238E27FC236}">
+                <a16:creationId xmlns:a16="http://schemas.microsoft.com/office/drawing/2014/main" id="{7E3394F9-0EA6-E78F-A79A-2B93AA9D752E}"/>
+              </a:ext>
+            </a:extLst>
+          </p:cNvPr>
+          <p:cNvPicPr>
+            <a:picLocks noChangeAspect="1"/>
+          </p:cNvPicPr>
+          <p:nvPr/>
+        </p:nvPicPr>
+        <p:blipFill>
+          <a:blip r:embed="rId5"/>
+          <a:stretch>
+            <a:fillRect/>
+          </a:stretch>
+        </p:blipFill>
+        <p:spPr>
+          <a:xfrm>
+            <a:off x="4745131" y="3899165"/>
+            <a:ext cx="3630408" cy="2846868"/>
+          </a:xfrm>
+          <a:prstGeom prst="rect">
+            <a:avLst/>
+          </a:prstGeom>
+        </p:spPr>
+      </p:pic>
+      <p:sp>
+        <p:nvSpPr>
+          <p:cNvPr id="3" name="Title 1">
+            <a:extLst>
+              <a:ext uri="{FF2B5EF4-FFF2-40B4-BE49-F238E27FC236}">
+                <a16:creationId xmlns:a16="http://schemas.microsoft.com/office/drawing/2014/main" id="{F6C290FB-75C7-D7F3-8888-A3817E879C88}"/>
+              </a:ext>
+            </a:extLst>
+          </p:cNvPr>
+          <p:cNvSpPr txBox="1">
+            <a:spLocks/>
+          </p:cNvSpPr>
+          <p:nvPr/>
+        </p:nvSpPr>
+        <p:spPr>
+          <a:xfrm>
+            <a:off x="1763485" y="858417"/>
+            <a:ext cx="2360645" cy="491325"/>
+          </a:xfrm>
+          <a:prstGeom prst="rect">
+            <a:avLst/>
+          </a:prstGeom>
+          <a:solidFill>
+            <a:schemeClr val="bg1"/>
+          </a:solidFill>
+        </p:spPr>
+        <p:txBody>
+          <a:bodyPr vert="horz" lIns="91440" tIns="45720" rIns="91440" bIns="45720" rtlCol="0" anchor="ctr">
+            <a:normAutofit/>
+          </a:bodyPr>
+          <a:lstStyle>
+            <a:lvl1pPr algn="l" defTabSz="914400" rtl="0" eaLnBrk="1" latinLnBrk="0" hangingPunct="1">
+              <a:lnSpc>
+                <a:spcPct val="80000"/>
+              </a:lnSpc>
+              <a:spcBef>
+                <a:spcPct val="0"/>
+              </a:spcBef>
+              <a:buNone/>
+              <a:defRPr sz="5000" kern="1200" cap="all" spc="100" baseline="0">
+                <a:solidFill>
+                  <a:schemeClr val="tx1">
+                    <a:lumMod val="95000"/>
+                    <a:lumOff val="5000"/>
+                  </a:schemeClr>
+                </a:solidFill>
+                <a:latin typeface="+mj-lt"/>
+                <a:ea typeface="+mj-ea"/>
+                <a:cs typeface="+mj-cs"/>
+              </a:defRPr>
+            </a:lvl1pPr>
+          </a:lstStyle>
+          <a:p>
+            <a:pPr algn="ctr"/>
+            <a:r>
+              <a:rPr lang="en-US" sz="2800" dirty="0" err="1"/>
+              <a:t>gdp</a:t>
+            </a:r>
+            <a:endParaRPr lang="en-US" sz="2800" dirty="0"/>
+          </a:p>
+        </p:txBody>
+      </p:sp>
+      <p:sp>
+        <p:nvSpPr>
+          <p:cNvPr id="4" name="Title 1">
+            <a:extLst>
+              <a:ext uri="{FF2B5EF4-FFF2-40B4-BE49-F238E27FC236}">
+                <a16:creationId xmlns:a16="http://schemas.microsoft.com/office/drawing/2014/main" id="{52EC28AC-AB2F-568C-F7BE-BF5CD738FB75}"/>
+              </a:ext>
+            </a:extLst>
+          </p:cNvPr>
+          <p:cNvSpPr txBox="1">
+            <a:spLocks/>
+          </p:cNvSpPr>
+          <p:nvPr/>
+        </p:nvSpPr>
+        <p:spPr>
+          <a:xfrm rot="16200000">
+            <a:off x="-148707" y="4685568"/>
+            <a:ext cx="1980206" cy="690683"/>
+          </a:xfrm>
+          <a:prstGeom prst="rect">
+            <a:avLst/>
+          </a:prstGeom>
+          <a:solidFill>
+            <a:schemeClr val="bg1"/>
+          </a:solidFill>
+        </p:spPr>
+        <p:txBody>
+          <a:bodyPr vert="horz" lIns="91440" tIns="45720" rIns="91440" bIns="45720" rtlCol="0" anchor="ctr">
+            <a:normAutofit/>
+          </a:bodyPr>
+          <a:lstStyle>
+            <a:lvl1pPr algn="l" defTabSz="914400" rtl="0" eaLnBrk="1" latinLnBrk="0" hangingPunct="1">
+              <a:lnSpc>
+                <a:spcPct val="80000"/>
+              </a:lnSpc>
+              <a:spcBef>
+                <a:spcPct val="0"/>
+              </a:spcBef>
+              <a:buNone/>
+              <a:defRPr sz="5000" kern="1200" cap="all" spc="100" baseline="0">
+                <a:solidFill>
+                  <a:schemeClr val="tx1">
+                    <a:lumMod val="95000"/>
+                    <a:lumOff val="5000"/>
+                  </a:schemeClr>
+                </a:solidFill>
+                <a:latin typeface="+mj-lt"/>
+                <a:ea typeface="+mj-ea"/>
+                <a:cs typeface="+mj-cs"/>
+              </a:defRPr>
+            </a:lvl1pPr>
+          </a:lstStyle>
+          <a:p>
+            <a:r>
+              <a:rPr lang="en-US" sz="2800" dirty="0"/>
+              <a:t>Vaccinated %</a:t>
+            </a:r>
+          </a:p>
+        </p:txBody>
+      </p:sp>
+      <p:sp>
+        <p:nvSpPr>
+          <p:cNvPr id="6" name="Title 1">
+            <a:extLst>
+              <a:ext uri="{FF2B5EF4-FFF2-40B4-BE49-F238E27FC236}">
+                <a16:creationId xmlns:a16="http://schemas.microsoft.com/office/drawing/2014/main" id="{7233EBD4-FC86-9C70-9944-2CBBE556F0D6}"/>
+              </a:ext>
+            </a:extLst>
+          </p:cNvPr>
+          <p:cNvSpPr txBox="1">
+            <a:spLocks/>
+          </p:cNvSpPr>
+          <p:nvPr/>
+        </p:nvSpPr>
+        <p:spPr>
+          <a:xfrm rot="16200000">
+            <a:off x="-146171" y="2223235"/>
+            <a:ext cx="1870790" cy="685237"/>
+          </a:xfrm>
+          <a:prstGeom prst="rect">
+            <a:avLst/>
+          </a:prstGeom>
+          <a:solidFill>
+            <a:schemeClr val="bg1"/>
+          </a:solidFill>
+        </p:spPr>
+        <p:txBody>
+          <a:bodyPr vert="horz" lIns="91440" tIns="45720" rIns="91440" bIns="45720" rtlCol="0" anchor="ctr">
+            <a:normAutofit/>
+          </a:bodyPr>
+          <a:lstStyle>
+            <a:lvl1pPr algn="l" defTabSz="914400" rtl="0" eaLnBrk="1" latinLnBrk="0" hangingPunct="1">
+              <a:lnSpc>
+                <a:spcPct val="80000"/>
+              </a:lnSpc>
+              <a:spcBef>
+                <a:spcPct val="0"/>
+              </a:spcBef>
+              <a:buNone/>
+              <a:defRPr sz="5000" kern="1200" cap="all" spc="100" baseline="0">
+                <a:solidFill>
+                  <a:schemeClr val="tx1">
+                    <a:lumMod val="95000"/>
+                    <a:lumOff val="5000"/>
+                  </a:schemeClr>
+                </a:solidFill>
+                <a:latin typeface="+mj-lt"/>
+                <a:ea typeface="+mj-ea"/>
+                <a:cs typeface="+mj-cs"/>
+              </a:defRPr>
+            </a:lvl1pPr>
+          </a:lstStyle>
+          <a:p>
+            <a:r>
+              <a:rPr lang="en-US" sz="2800" dirty="0"/>
+              <a:t>Total deaths</a:t>
+            </a:r>
+          </a:p>
+        </p:txBody>
+      </p:sp>
+      <p:sp>
+        <p:nvSpPr>
+          <p:cNvPr id="10" name="Title 1">
+            <a:extLst>
+              <a:ext uri="{FF2B5EF4-FFF2-40B4-BE49-F238E27FC236}">
+                <a16:creationId xmlns:a16="http://schemas.microsoft.com/office/drawing/2014/main" id="{CA3BDA57-9BC0-9485-ECEF-FAAAA844BA42}"/>
+              </a:ext>
+            </a:extLst>
+          </p:cNvPr>
+          <p:cNvSpPr txBox="1">
+            <a:spLocks/>
+          </p:cNvSpPr>
+          <p:nvPr/>
+        </p:nvSpPr>
+        <p:spPr>
+          <a:xfrm>
+            <a:off x="5334554" y="794880"/>
+            <a:ext cx="2792393" cy="595077"/>
+          </a:xfrm>
+          <a:prstGeom prst="rect">
+            <a:avLst/>
+          </a:prstGeom>
+          <a:solidFill>
+            <a:schemeClr val="bg1"/>
+          </a:solidFill>
+        </p:spPr>
+        <p:txBody>
+          <a:bodyPr vert="horz" lIns="91440" tIns="45720" rIns="91440" bIns="45720" rtlCol="0" anchor="ctr">
+            <a:normAutofit/>
+          </a:bodyPr>
+          <a:lstStyle>
+            <a:lvl1pPr algn="l" defTabSz="914400" rtl="0" eaLnBrk="1" latinLnBrk="0" hangingPunct="1">
+              <a:lnSpc>
+                <a:spcPct val="80000"/>
+              </a:lnSpc>
+              <a:spcBef>
+                <a:spcPct val="0"/>
+              </a:spcBef>
+              <a:buNone/>
+              <a:defRPr sz="5000" kern="1200" cap="all" spc="100" baseline="0">
+                <a:solidFill>
+                  <a:schemeClr val="tx1">
+                    <a:lumMod val="95000"/>
+                    <a:lumOff val="5000"/>
+                  </a:schemeClr>
+                </a:solidFill>
+                <a:latin typeface="+mj-lt"/>
+                <a:ea typeface="+mj-ea"/>
+                <a:cs typeface="+mj-cs"/>
+              </a:defRPr>
+            </a:lvl1pPr>
+          </a:lstStyle>
+          <a:p>
+            <a:pPr algn="ctr"/>
+            <a:r>
+              <a:rPr lang="en-US" sz="2800" dirty="0" err="1"/>
+              <a:t>hdi</a:t>
+            </a:r>
+            <a:endParaRPr lang="en-US" sz="2800" dirty="0"/>
+          </a:p>
+        </p:txBody>
+      </p:sp>
+      <p:sp>
+        <p:nvSpPr>
+          <p:cNvPr id="14" name="Content Placeholder 2">
+            <a:extLst>
+              <a:ext uri="{FF2B5EF4-FFF2-40B4-BE49-F238E27FC236}">
+                <a16:creationId xmlns:a16="http://schemas.microsoft.com/office/drawing/2014/main" id="{7F40F44B-D6DD-EFEC-EB8F-AD66F7913779}"/>
+              </a:ext>
+            </a:extLst>
+          </p:cNvPr>
+          <p:cNvSpPr txBox="1">
+            <a:spLocks/>
+          </p:cNvSpPr>
+          <p:nvPr/>
+        </p:nvSpPr>
+        <p:spPr>
+          <a:xfrm>
+            <a:off x="9045939" y="1726164"/>
+            <a:ext cx="2792393" cy="4023360"/>
+          </a:xfrm>
+          <a:prstGeom prst="rect">
+            <a:avLst/>
+          </a:prstGeom>
+        </p:spPr>
+        <p:txBody>
+          <a:bodyPr vert="horz" lIns="45720" tIns="45720" rIns="45720" bIns="45720" rtlCol="0">
+            <a:normAutofit/>
+          </a:bodyPr>
+          <a:lstStyle>
+            <a:lvl1pPr marL="91440" indent="-91440" algn="l" defTabSz="914400" rtl="0" eaLnBrk="1" latinLnBrk="0" hangingPunct="1">
+              <a:lnSpc>
+                <a:spcPct val="90000"/>
+              </a:lnSpc>
+              <a:spcBef>
+                <a:spcPts val="1200"/>
+              </a:spcBef>
+              <a:spcAft>
+                <a:spcPts val="200"/>
+              </a:spcAft>
+              <a:buClr>
+                <a:schemeClr val="accent1"/>
+              </a:buClr>
+              <a:buSzPct val="100000"/>
+              <a:buFont typeface="Tw Cen MT" panose="020B0602020104020603" pitchFamily="34" charset="0"/>
+              <a:buChar char=" "/>
+              <a:defRPr sz="2200" kern="1200">
+                <a:solidFill>
+                  <a:schemeClr val="tx1"/>
+                </a:solidFill>
+                <a:latin typeface="+mn-lt"/>
+                <a:ea typeface="+mn-ea"/>
+                <a:cs typeface="+mn-cs"/>
+              </a:defRPr>
+            </a:lvl1pPr>
+            <a:lvl2pPr marL="265176" indent="-137160" algn="l" defTabSz="914400" rtl="0" eaLnBrk="1" latinLnBrk="0" hangingPunct="1">
+              <a:lnSpc>
+                <a:spcPct val="90000"/>
+              </a:lnSpc>
+              <a:spcBef>
+                <a:spcPts val="200"/>
+              </a:spcBef>
+              <a:spcAft>
+                <a:spcPts val="400"/>
+              </a:spcAft>
+              <a:buClr>
+                <a:schemeClr val="accent1"/>
+              </a:buClr>
+              <a:buFont typeface="Wingdings 3" pitchFamily="18" charset="2"/>
+              <a:buChar char=""/>
+              <a:defRPr sz="1800" kern="1200">
+                <a:solidFill>
+                  <a:schemeClr val="tx1"/>
+                </a:solidFill>
+                <a:latin typeface="+mn-lt"/>
+                <a:ea typeface="+mn-ea"/>
+                <a:cs typeface="+mn-cs"/>
+              </a:defRPr>
+            </a:lvl2pPr>
+            <a:lvl3pPr marL="448056" indent="-137160" algn="l" defTabSz="914400" rtl="0" eaLnBrk="1" latinLnBrk="0" hangingPunct="1">
+              <a:lnSpc>
+                <a:spcPct val="90000"/>
+              </a:lnSpc>
+              <a:spcBef>
+                <a:spcPts val="200"/>
+              </a:spcBef>
+              <a:spcAft>
+                <a:spcPts val="400"/>
+              </a:spcAft>
+              <a:buClr>
+                <a:schemeClr val="accent1"/>
+              </a:buClr>
+              <a:buFont typeface="Wingdings 3" pitchFamily="18" charset="2"/>
+              <a:buChar char=""/>
+              <a:defRPr sz="1400" kern="1200">
+                <a:solidFill>
+                  <a:schemeClr val="tx1"/>
+                </a:solidFill>
+                <a:latin typeface="+mn-lt"/>
+                <a:ea typeface="+mn-ea"/>
+                <a:cs typeface="+mn-cs"/>
+              </a:defRPr>
+            </a:lvl3pPr>
+            <a:lvl4pPr marL="594360" indent="-137160" algn="l" defTabSz="914400" rtl="0" eaLnBrk="1" latinLnBrk="0" hangingPunct="1">
+              <a:lnSpc>
+                <a:spcPct val="90000"/>
+              </a:lnSpc>
+              <a:spcBef>
+                <a:spcPts val="200"/>
+              </a:spcBef>
+              <a:spcAft>
+                <a:spcPts val="400"/>
+              </a:spcAft>
+              <a:buClr>
+                <a:schemeClr val="accent1"/>
+              </a:buClr>
+              <a:buFont typeface="Wingdings 3" pitchFamily="18" charset="2"/>
+              <a:buChar char=""/>
+              <a:defRPr sz="1400" kern="1200">
+                <a:solidFill>
+                  <a:schemeClr val="tx1"/>
+                </a:solidFill>
+                <a:latin typeface="+mn-lt"/>
+                <a:ea typeface="+mn-ea"/>
+                <a:cs typeface="+mn-cs"/>
+              </a:defRPr>
+            </a:lvl4pPr>
+            <a:lvl5pPr marL="777240" indent="-137160" algn="l" defTabSz="914400" rtl="0" eaLnBrk="1" latinLnBrk="0" hangingPunct="1">
+              <a:lnSpc>
+                <a:spcPct val="90000"/>
+              </a:lnSpc>
+              <a:spcBef>
+                <a:spcPts val="200"/>
+              </a:spcBef>
+              <a:spcAft>
+                <a:spcPts val="400"/>
+              </a:spcAft>
+              <a:buClr>
+                <a:schemeClr val="accent1"/>
+              </a:buClr>
+              <a:buFont typeface="Wingdings 3" pitchFamily="18" charset="2"/>
+              <a:buChar char=""/>
+              <a:defRPr sz="1400" kern="1200">
+                <a:solidFill>
+                  <a:schemeClr val="tx1"/>
+                </a:solidFill>
+                <a:latin typeface="+mn-lt"/>
+                <a:ea typeface="+mn-ea"/>
+                <a:cs typeface="+mn-cs"/>
+              </a:defRPr>
+            </a:lvl5pPr>
+            <a:lvl6pPr marL="914400" indent="-137160" algn="l" defTabSz="914400" rtl="0" eaLnBrk="1" latinLnBrk="0" hangingPunct="1">
+              <a:lnSpc>
+                <a:spcPct val="90000"/>
+              </a:lnSpc>
+              <a:spcBef>
+                <a:spcPts val="200"/>
+              </a:spcBef>
+              <a:spcAft>
+                <a:spcPts val="400"/>
+              </a:spcAft>
+              <a:buClr>
+                <a:schemeClr val="accent1"/>
+              </a:buClr>
+              <a:buFont typeface="Wingdings 3" pitchFamily="18" charset="2"/>
+              <a:buChar char=""/>
+              <a:defRPr sz="1400" kern="1200">
+                <a:solidFill>
+                  <a:schemeClr val="tx1"/>
+                </a:solidFill>
+                <a:latin typeface="+mn-lt"/>
+                <a:ea typeface="+mn-ea"/>
+                <a:cs typeface="+mn-cs"/>
+              </a:defRPr>
+            </a:lvl6pPr>
+            <a:lvl7pPr marL="1060704" indent="-137160" algn="l" defTabSz="914400" rtl="0" eaLnBrk="1" latinLnBrk="0" hangingPunct="1">
+              <a:lnSpc>
+                <a:spcPct val="90000"/>
+              </a:lnSpc>
+              <a:spcBef>
+                <a:spcPts val="200"/>
+              </a:spcBef>
+              <a:spcAft>
+                <a:spcPts val="400"/>
+              </a:spcAft>
+              <a:buClr>
+                <a:schemeClr val="accent1"/>
+              </a:buClr>
+              <a:buFont typeface="Wingdings 3" pitchFamily="18" charset="2"/>
+              <a:buChar char=""/>
+              <a:defRPr sz="1400" kern="1200">
+                <a:solidFill>
+                  <a:schemeClr val="tx1"/>
+                </a:solidFill>
+                <a:latin typeface="+mn-lt"/>
+                <a:ea typeface="+mn-ea"/>
+                <a:cs typeface="+mn-cs"/>
+              </a:defRPr>
+            </a:lvl7pPr>
+            <a:lvl8pPr marL="1216152" indent="-137160" algn="l" defTabSz="914400" rtl="0" eaLnBrk="1" latinLnBrk="0" hangingPunct="1">
+              <a:lnSpc>
+                <a:spcPct val="90000"/>
+              </a:lnSpc>
+              <a:spcBef>
+                <a:spcPts val="200"/>
+              </a:spcBef>
+              <a:spcAft>
+                <a:spcPts val="400"/>
+              </a:spcAft>
+              <a:buClr>
+                <a:schemeClr val="accent1"/>
+              </a:buClr>
+              <a:buFont typeface="Wingdings 3" pitchFamily="18" charset="2"/>
+              <a:buChar char=""/>
+              <a:defRPr sz="1400" kern="1200">
+                <a:solidFill>
+                  <a:schemeClr val="tx1"/>
+                </a:solidFill>
+                <a:latin typeface="+mn-lt"/>
+                <a:ea typeface="+mn-ea"/>
+                <a:cs typeface="+mn-cs"/>
+              </a:defRPr>
+            </a:lvl8pPr>
+            <a:lvl9pPr marL="1362456" indent="-137160" algn="l" defTabSz="914400" rtl="0" eaLnBrk="1" latinLnBrk="0" hangingPunct="1">
+              <a:lnSpc>
+                <a:spcPct val="90000"/>
+              </a:lnSpc>
+              <a:spcBef>
+                <a:spcPts val="200"/>
+              </a:spcBef>
+              <a:spcAft>
+                <a:spcPts val="400"/>
+              </a:spcAft>
+              <a:buClr>
+                <a:schemeClr val="accent1"/>
+              </a:buClr>
+              <a:buFont typeface="Wingdings 3" pitchFamily="18" charset="2"/>
+              <a:buChar char=""/>
+              <a:defRPr sz="1400" kern="1200">
+                <a:solidFill>
+                  <a:schemeClr val="tx1"/>
+                </a:solidFill>
+                <a:latin typeface="+mn-lt"/>
+                <a:ea typeface="+mn-ea"/>
+                <a:cs typeface="+mn-cs"/>
+              </a:defRPr>
+            </a:lvl9pPr>
+          </a:lstStyle>
+          <a:p>
+            <a:endParaRPr lang="en-US" dirty="0"/>
+          </a:p>
+        </p:txBody>
+      </p:sp>
+      <p:pic>
+        <p:nvPicPr>
+          <p:cNvPr id="18" name="Picture 17" descr="A graph with blue dots and a line&#10;&#10;Description automatically generated">
+            <a:extLst>
+              <a:ext uri="{FF2B5EF4-FFF2-40B4-BE49-F238E27FC236}">
+                <a16:creationId xmlns:a16="http://schemas.microsoft.com/office/drawing/2014/main" id="{D5947668-4DDF-7049-5A77-36270523D278}"/>
+              </a:ext>
+            </a:extLst>
+          </p:cNvPr>
+          <p:cNvPicPr>
+            <a:picLocks noChangeAspect="1"/>
+          </p:cNvPicPr>
+          <p:nvPr/>
+        </p:nvPicPr>
+        <p:blipFill>
+          <a:blip r:embed="rId6"/>
+          <a:stretch>
+            <a:fillRect/>
+          </a:stretch>
+        </p:blipFill>
+        <p:spPr>
+          <a:xfrm>
+            <a:off x="8387383" y="1251148"/>
+            <a:ext cx="3533788" cy="2735674"/>
+          </a:xfrm>
+          <a:prstGeom prst="rect">
+            <a:avLst/>
+          </a:prstGeom>
+        </p:spPr>
+      </p:pic>
+      <p:sp>
+        <p:nvSpPr>
+          <p:cNvPr id="20" name="Title 1">
+            <a:extLst>
+              <a:ext uri="{FF2B5EF4-FFF2-40B4-BE49-F238E27FC236}">
+                <a16:creationId xmlns:a16="http://schemas.microsoft.com/office/drawing/2014/main" id="{3CAAFA93-DA2E-251C-2CE6-817A7E34964F}"/>
+              </a:ext>
+            </a:extLst>
+          </p:cNvPr>
+          <p:cNvSpPr txBox="1">
+            <a:spLocks/>
+          </p:cNvSpPr>
+          <p:nvPr/>
+        </p:nvSpPr>
+        <p:spPr>
+          <a:xfrm>
+            <a:off x="9012282" y="791989"/>
+            <a:ext cx="2792393" cy="595077"/>
+          </a:xfrm>
+          <a:prstGeom prst="rect">
+            <a:avLst/>
+          </a:prstGeom>
+          <a:solidFill>
+            <a:schemeClr val="bg1"/>
+          </a:solidFill>
+        </p:spPr>
+        <p:txBody>
+          <a:bodyPr vert="horz" lIns="91440" tIns="45720" rIns="91440" bIns="45720" rtlCol="0" anchor="ctr">
+            <a:normAutofit/>
+          </a:bodyPr>
+          <a:lstStyle>
+            <a:lvl1pPr algn="l" defTabSz="914400" rtl="0" eaLnBrk="1" latinLnBrk="0" hangingPunct="1">
+              <a:lnSpc>
+                <a:spcPct val="80000"/>
+              </a:lnSpc>
+              <a:spcBef>
+                <a:spcPct val="0"/>
+              </a:spcBef>
+              <a:buNone/>
+              <a:defRPr sz="5000" kern="1200" cap="all" spc="100" baseline="0">
+                <a:solidFill>
+                  <a:schemeClr val="tx1">
+                    <a:lumMod val="95000"/>
+                    <a:lumOff val="5000"/>
+                  </a:schemeClr>
+                </a:solidFill>
+                <a:latin typeface="+mj-lt"/>
+                <a:ea typeface="+mj-ea"/>
+                <a:cs typeface="+mj-cs"/>
+              </a:defRPr>
+            </a:lvl1pPr>
+          </a:lstStyle>
+          <a:p>
+            <a:pPr algn="ctr"/>
+            <a:r>
+              <a:rPr lang="en-US" sz="2800" dirty="0"/>
+              <a:t>Aged ≥ 65</a:t>
+            </a:r>
+          </a:p>
+        </p:txBody>
+      </p:sp>
+      <p:pic>
+        <p:nvPicPr>
+          <p:cNvPr id="22" name="Picture 21" descr="A graph of blue dots and a line&#10;&#10;Description automatically generated">
+            <a:extLst>
+              <a:ext uri="{FF2B5EF4-FFF2-40B4-BE49-F238E27FC236}">
+                <a16:creationId xmlns:a16="http://schemas.microsoft.com/office/drawing/2014/main" id="{0AC69E21-319C-E9F3-F49F-7C7ABB66F9A3}"/>
+              </a:ext>
+            </a:extLst>
+          </p:cNvPr>
+          <p:cNvPicPr>
+            <a:picLocks noChangeAspect="1"/>
+          </p:cNvPicPr>
+          <p:nvPr/>
+        </p:nvPicPr>
+        <p:blipFill>
+          <a:blip r:embed="rId7"/>
+          <a:stretch>
+            <a:fillRect/>
+          </a:stretch>
+        </p:blipFill>
+        <p:spPr>
+          <a:xfrm>
+            <a:off x="8416708" y="3899165"/>
+            <a:ext cx="3630409" cy="2846868"/>
+          </a:xfrm>
+          <a:prstGeom prst="rect">
+            <a:avLst/>
+          </a:prstGeom>
+        </p:spPr>
+      </p:pic>
+    </p:spTree>
+    <p:extLst>
+      <p:ext uri="{BB962C8B-B14F-4D97-AF65-F5344CB8AC3E}">
+        <p14:creationId xmlns:p14="http://schemas.microsoft.com/office/powerpoint/2010/main" val="1753931563"/>
+      </p:ext>
+    </p:extLst>
+  </p:cSld>
+  <p:clrMapOvr>
+    <a:masterClrMapping/>
+  </p:clrMapOvr>
+</p:sld>
+</file>
+
+<file path=ppt/slides/slide12.xml><?xml version="1.0" encoding="utf-8"?>
 <p:sld xmlns:a="http://schemas.openxmlformats.org/drawingml/2006/main" xmlns:r="http://schemas.openxmlformats.org/officeDocument/2006/relationships" xmlns:p="http://schemas.openxmlformats.org/presentationml/2006/main">
   <p:cSld>
     <p:spTree>
@@ -21580,19 +22748,19 @@
           <a:p>
             <a:r>
               <a:rPr lang="en-US" dirty="0"/>
-              <a:t>Covid vaccinations statistically support a decrease in total deaths, but this is debatable given the array of data which correlates slightly upwards with vaccination rates.</a:t>
+              <a:t>Efficacy of vaccinations statistically correlate with a decrease in total deaths, but this is not the only factor affecting death rates.</a:t>
             </a:r>
           </a:p>
           <a:p>
             <a:r>
               <a:rPr lang="en-US" dirty="0"/>
-              <a:t>Covid vaccination rates correlate with wealthier and older populations which died at higher rates than poorer and younger populations.</a:t>
+              <a:t>Covid vaccination rates correlate with wealthier, more developed, and older populations which died at higher rates than poorer and younger populations.</a:t>
             </a:r>
           </a:p>
           <a:p>
             <a:r>
               <a:rPr lang="en-US" dirty="0"/>
-              <a:t>A country’s covid death rates likely have more to do with the vulnerabilities of elderly populations.</a:t>
+              <a:t>A country’s death rates from covid likely have more to do with the vulnerabilities of elderly populations.</a:t>
             </a:r>
           </a:p>
         </p:txBody>
@@ -21610,7 +22778,7 @@
 </p:sld>
 </file>
 
-<file path=ppt/slides/slide12.xml><?xml version="1.0" encoding="utf-8"?>
+<file path=ppt/slides/slide13.xml><?xml version="1.0" encoding="utf-8"?>
 <p:sld xmlns:a="http://schemas.openxmlformats.org/drawingml/2006/main" xmlns:r="http://schemas.openxmlformats.org/officeDocument/2006/relationships" xmlns:p="http://schemas.openxmlformats.org/presentationml/2006/main">
   <p:cSld>
     <p:spTree>
@@ -21678,15 +22846,22 @@
           <a:p>
             <a:pPr lvl="1"/>
             <a:r>
-              <a:rPr lang="en-US" dirty="0"/>
+              <a:rPr lang="en-US" sz="2400" dirty="0"/>
               <a:t>Assess pandemic intensity over time as opposed to total</a:t>
             </a:r>
           </a:p>
           <a:p>
             <a:pPr lvl="1"/>
             <a:r>
-              <a:rPr lang="en-US" dirty="0"/>
+              <a:rPr lang="en-US" sz="2400" dirty="0"/>
               <a:t>Missing from this data is information about deaths by age group which could assist more refined assessments of vulnerable populations </a:t>
+            </a:r>
+          </a:p>
+          <a:p>
+            <a:pPr lvl="1"/>
+            <a:r>
+              <a:rPr lang="en-US" sz="2400" dirty="0"/>
+              <a:t>Measuring by excess mortality improve accuracy and account for underreporting in poorer or autocratic countries</a:t>
             </a:r>
           </a:p>
           <a:p>
@@ -21708,7 +22883,7 @@
 </p:sld>
 </file>
 
-<file path=ppt/slides/slide13.xml><?xml version="1.0" encoding="utf-8"?>
+<file path=ppt/slides/slide14.xml><?xml version="1.0" encoding="utf-8"?>
 <p:sld xmlns:a="http://schemas.openxmlformats.org/drawingml/2006/main" xmlns:r="http://schemas.openxmlformats.org/officeDocument/2006/relationships" xmlns:p="http://schemas.openxmlformats.org/presentationml/2006/main">
   <p:cSld>
     <p:bg>
@@ -21863,7 +23038,7 @@
 </file>
 
 <file path=ppt/slides/slide2.xml><?xml version="1.0" encoding="utf-8"?>
-<p:sld xmlns:a="http://schemas.openxmlformats.org/drawingml/2006/main" xmlns:r="http://schemas.openxmlformats.org/officeDocument/2006/relationships" xmlns:p="http://schemas.openxmlformats.org/presentationml/2006/main">
+<p:sld xmlns:a="http://schemas.openxmlformats.org/drawingml/2006/main" xmlns:r="http://schemas.openxmlformats.org/officeDocument/2006/relationships" xmlns:p="http://schemas.openxmlformats.org/presentationml/2006/main" show="0">
   <p:cSld>
     <p:spTree>
       <p:nvGrpSpPr>
@@ -22051,7 +23226,12 @@
             <p:ph idx="1"/>
           </p:nvPr>
         </p:nvSpPr>
-        <p:spPr/>
+        <p:spPr>
+          <a:xfrm>
+            <a:off x="734879" y="2084832"/>
+            <a:ext cx="9720073" cy="1499616"/>
+          </a:xfrm>
+        </p:spPr>
         <p:txBody>
           <a:bodyPr/>
           <a:lstStyle/>
@@ -22066,7 +23246,7 @@
             <a:pPr lvl="1"/>
             <a:r>
               <a:rPr lang="en-US" sz="2400" dirty="0"/>
-              <a:t>Target most vulnerable populations</a:t>
+              <a:t>Refine response to support vulnerable populations</a:t>
             </a:r>
           </a:p>
           <a:p>
@@ -22168,7 +23348,7 @@
           <a:p>
             <a:r>
               <a:rPr lang="en-US" dirty="0"/>
-              <a:t>35 Columns, 302K Rows</a:t>
+              <a:t>35 Columns, 302,000 Rows</a:t>
             </a:r>
           </a:p>
           <a:p>
@@ -22803,7 +23983,7 @@
           <a:p>
             <a:r>
               <a:rPr lang="en-US" dirty="0"/>
-              <a:t>Hypothesis test: Did vaccination rates decrease death rates?</a:t>
+              <a:t>Correlation analysis: Did vaccination rates decrease death rates?</a:t>
             </a:r>
           </a:p>
         </p:txBody>
@@ -22826,15 +24006,24 @@
         </p:nvSpPr>
         <p:spPr>
           <a:xfrm>
-            <a:off x="646639" y="2084832"/>
-            <a:ext cx="5237525" cy="920612"/>
+            <a:off x="646637" y="2271445"/>
+            <a:ext cx="5237525" cy="1408348"/>
           </a:xfrm>
         </p:spPr>
         <p:txBody>
           <a:bodyPr>
-            <a:normAutofit lnSpcReduction="10000"/>
+            <a:normAutofit/>
           </a:bodyPr>
           <a:lstStyle/>
+          <a:p>
+            <a:pPr marL="0" indent="0">
+              <a:buNone/>
+            </a:pPr>
+            <a:r>
+              <a:rPr lang="en-US" sz="1600" b="1" dirty="0"/>
+              <a:t>Hypothesis Test:</a:t>
+            </a:r>
+          </a:p>
           <a:p>
             <a:pPr marL="0" indent="0">
               <a:buNone/>
@@ -22913,7 +24102,7 @@
         <p:spPr>
           <a:xfrm>
             <a:off x="646638" y="3800885"/>
-            <a:ext cx="5237525" cy="1408349"/>
+            <a:ext cx="5237525" cy="1872127"/>
           </a:xfrm>
           <a:prstGeom prst="rect">
             <a:avLst/>
@@ -23151,6 +24340,13 @@
               <a:rPr lang="en-US" sz="1600" b="1" dirty="0"/>
               <a:t>P-value: 0.012</a:t>
             </a:r>
+            <a:br>
+              <a:rPr lang="en-US" sz="1600" b="1" dirty="0"/>
+            </a:br>
+            <a:r>
+              <a:rPr lang="en-US" sz="1600" b="1" dirty="0"/>
+              <a:t>R-squared: 0.057</a:t>
+            </a:r>
           </a:p>
           <a:p>
             <a:pPr marL="0" indent="0">
@@ -23167,7 +24363,10 @@
               <a:buFont typeface="Tw Cen MT" panose="020B0602020104020603" pitchFamily="34" charset="0"/>
               <a:buNone/>
             </a:pPr>
-            <a:endParaRPr lang="en-US" sz="1600" dirty="0"/>
+            <a:r>
+              <a:rPr lang="en-US" sz="1600" dirty="0"/>
+              <a:t>…But this is counter-intuitive to the data, and the low r-squared value suggests that other variables may affect deaths per million more than vaccination rates.</a:t>
+            </a:r>
           </a:p>
         </p:txBody>
       </p:sp>
@@ -24117,6 +25316,15 @@
 </file>
 
 <file path=customXml/item1.xml><?xml version="1.0" encoding="utf-8"?>
+<?mso-contentType ?>
+<FormTemplates xmlns="http://schemas.microsoft.com/sharepoint/v3/contenttype/forms">
+  <Display>DocumentLibraryForm</Display>
+  <Edit>DocumentLibraryForm</Edit>
+  <New>DocumentLibraryForm</New>
+</FormTemplates>
+</file>
+
+<file path=customXml/item2.xml><?xml version="1.0" encoding="utf-8"?>
 <ct:contentTypeSchema xmlns:ct="http://schemas.microsoft.com/office/2006/metadata/contentType" xmlns:ma="http://schemas.microsoft.com/office/2006/metadata/properties/metaAttributes" ct:_="" ma:_="" ma:contentTypeName="Document" ma:contentTypeID="0x01010079F111ED35F8CC479449609E8A0923A6" ma:contentTypeVersion="11" ma:contentTypeDescription="Create a new document." ma:contentTypeScope="" ma:versionID="9677210f24a1be23c92c90fd886aa0aa">
   <xsd:schema xmlns:xsd="http://www.w3.org/2001/XMLSchema" xmlns:xs="http://www.w3.org/2001/XMLSchema" xmlns:p="http://schemas.microsoft.com/office/2006/metadata/properties" xmlns:ns2="71af3243-3dd4-4a8d-8c0d-dd76da1f02a5" xmlns:ns3="16c05727-aa75-4e4a-9b5f-8a80a1165891" targetNamespace="http://schemas.microsoft.com/office/2006/metadata/properties" ma:root="true" ma:fieldsID="60e05723c5c1908df1a1a4ebf11d344e" ns2:_="" ns3:_="">
     <xsd:import namespace="71af3243-3dd4-4a8d-8c0d-dd76da1f02a5"/>
@@ -24327,15 +25535,6 @@
 </ct:contentTypeSchema>
 </file>
 
-<file path=customXml/item2.xml><?xml version="1.0" encoding="utf-8"?>
-<?mso-contentType ?>
-<FormTemplates xmlns="http://schemas.microsoft.com/sharepoint/v3/contenttype/forms">
-  <Display>DocumentLibraryForm</Display>
-  <Edit>DocumentLibraryForm</Edit>
-  <New>DocumentLibraryForm</New>
-</FormTemplates>
-</file>
-
 <file path=customXml/item3.xml><?xml version="1.0" encoding="utf-8"?>
 <p:properties xmlns:p="http://schemas.microsoft.com/office/2006/metadata/properties" xmlns:xsi="http://www.w3.org/2001/XMLSchema-instance" xmlns:pc="http://schemas.microsoft.com/office/infopath/2007/PartnerControls">
   <documentManagement>
@@ -24345,6 +25544,14 @@
 </file>
 
 <file path=customXml/itemProps1.xml><?xml version="1.0" encoding="utf-8"?>
+<ds:datastoreItem xmlns:ds="http://schemas.openxmlformats.org/officeDocument/2006/customXml" ds:itemID="{4F44C90D-2A62-4985-9618-3460247437B1}">
+  <ds:schemaRefs>
+    <ds:schemaRef ds:uri="http://schemas.microsoft.com/sharepoint/v3/contenttype/forms"/>
+  </ds:schemaRefs>
+</ds:datastoreItem>
+</file>
+
+<file path=customXml/itemProps2.xml><?xml version="1.0" encoding="utf-8"?>
 <ds:datastoreItem xmlns:ds="http://schemas.openxmlformats.org/officeDocument/2006/customXml" ds:itemID="{B61EAB5F-88FC-4FAE-AE3C-037A3C365EB8}">
   <ds:schemaRefs>
     <ds:schemaRef ds:uri="http://schemas.microsoft.com/office/2006/metadata/contentType"/>
@@ -24363,14 +25570,6 @@
 </ds:datastoreItem>
 </file>
 
-<file path=customXml/itemProps2.xml><?xml version="1.0" encoding="utf-8"?>
-<ds:datastoreItem xmlns:ds="http://schemas.openxmlformats.org/officeDocument/2006/customXml" ds:itemID="{4F44C90D-2A62-4985-9618-3460247437B1}">
-  <ds:schemaRefs>
-    <ds:schemaRef ds:uri="http://schemas.microsoft.com/sharepoint/v3/contenttype/forms"/>
-  </ds:schemaRefs>
-</ds:datastoreItem>
-</file>
-
 <file path=customXml/itemProps3.xml><?xml version="1.0" encoding="utf-8"?>
 <ds:datastoreItem xmlns:ds="http://schemas.openxmlformats.org/officeDocument/2006/customXml" ds:itemID="{788A2F88-55C5-4ED1-9541-807C65424763}">
   <ds:schemaRefs>

--- a/ppt/Covid Death Rates.pptx
+++ b/ppt/Covid Death Rates.pptx
@@ -210,7 +210,7 @@
           <a:p>
             <a:fld id="{C452ADB1-275D-430A-89EE-5C7E6CFF6FF2}" type="datetimeFigureOut">
               <a:rPr lang="en-US" smtClean="0"/>
-              <a:t>8/4/2023</a:t>
+              <a:t>8/8/2023</a:t>
             </a:fld>
             <a:endParaRPr lang="en-US" dirty="0"/>
           </a:p>
@@ -9270,7 +9270,7 @@
           <a:p>
             <a:fld id="{7005E26E-BCB2-4FD5-8FD5-81A5EAE94C21}" type="datetime1">
               <a:rPr lang="en-US" smtClean="0"/>
-              <a:t>8/4/2023</a:t>
+              <a:t>8/8/2023</a:t>
             </a:fld>
             <a:endParaRPr lang="en-US" dirty="0"/>
           </a:p>
@@ -9472,7 +9472,7 @@
           <a:p>
             <a:fld id="{9CC2E9B8-0487-42E4-B571-744A3D775783}" type="datetime1">
               <a:rPr lang="en-US" smtClean="0"/>
-              <a:t>8/4/2023</a:t>
+              <a:t>8/8/2023</a:t>
             </a:fld>
             <a:endParaRPr lang="en-US" dirty="0"/>
           </a:p>
@@ -9647,7 +9647,7 @@
           <a:p>
             <a:fld id="{9052E32D-1E84-43FD-8158-FFFE757EB0E8}" type="datetime1">
               <a:rPr lang="en-US" smtClean="0"/>
-              <a:t>8/4/2023</a:t>
+              <a:t>8/8/2023</a:t>
             </a:fld>
             <a:endParaRPr lang="en-US" dirty="0"/>
           </a:p>
@@ -9847,7 +9847,7 @@
           <a:p>
             <a:fld id="{8585C470-CD19-455C-B830-6D252EAD7FE5}" type="datetime1">
               <a:rPr lang="en-US" smtClean="0"/>
-              <a:t>8/4/2023</a:t>
+              <a:t>8/8/2023</a:t>
             </a:fld>
             <a:endParaRPr lang="en-US" dirty="0"/>
           </a:p>
@@ -18740,7 +18740,7 @@
           <a:p>
             <a:fld id="{7F85C43C-50D9-4F49-A136-0EFF292F93ED}" type="datetime1">
               <a:rPr lang="en-US" smtClean="0"/>
-              <a:t>8/4/2023</a:t>
+              <a:t>8/8/2023</a:t>
             </a:fld>
             <a:endParaRPr lang="en-US" dirty="0"/>
           </a:p>
@@ -19009,7 +19009,7 @@
           <a:p>
             <a:fld id="{7B53B1A3-0AEF-4064-A724-D27D660C8653}" type="datetime1">
               <a:rPr lang="en-US" smtClean="0"/>
-              <a:t>8/4/2023</a:t>
+              <a:t>8/8/2023</a:t>
             </a:fld>
             <a:endParaRPr lang="en-US" dirty="0"/>
           </a:p>
@@ -19402,7 +19402,7 @@
           <a:p>
             <a:fld id="{37D5D0F2-BF66-4A24-9384-A0129B196518}" type="datetime1">
               <a:rPr lang="en-US" smtClean="0"/>
-              <a:t>8/4/2023</a:t>
+              <a:t>8/8/2023</a:t>
             </a:fld>
             <a:endParaRPr lang="en-US" dirty="0"/>
           </a:p>
@@ -19515,7 +19515,7 @@
           <a:p>
             <a:fld id="{8C318A6C-4F6B-48D2-BDB0-D7413B3FDB0A}" type="datetime1">
               <a:rPr lang="en-US" smtClean="0"/>
-              <a:t>8/4/2023</a:t>
+              <a:t>8/8/2023</a:t>
             </a:fld>
             <a:endParaRPr lang="en-US" dirty="0"/>
           </a:p>
@@ -19605,7 +19605,7 @@
           <a:p>
             <a:fld id="{BF01ECED-6ECE-4989-B917-9D4D7E6D3C76}" type="datetime1">
               <a:rPr lang="en-US" smtClean="0"/>
-              <a:t>8/4/2023</a:t>
+              <a:t>8/8/2023</a:t>
             </a:fld>
             <a:endParaRPr lang="en-US" dirty="0"/>
           </a:p>
@@ -19890,7 +19890,7 @@
           <a:p>
             <a:fld id="{E3B570E1-CB40-488E-8C6F-EF4211DFFCB0}" type="datetime1">
               <a:rPr lang="en-US" smtClean="0"/>
-              <a:t>8/4/2023</a:t>
+              <a:t>8/8/2023</a:t>
             </a:fld>
             <a:endParaRPr lang="en-US" dirty="0"/>
           </a:p>
@@ -20165,7 +20165,7 @@
           <a:p>
             <a:fld id="{D1CEB6AF-9F5C-43BE-879E-CB9514111250}" type="datetime1">
               <a:rPr lang="en-US" smtClean="0"/>
-              <a:t>8/4/2023</a:t>
+              <a:t>8/8/2023</a:t>
             </a:fld>
             <a:endParaRPr lang="en-US" dirty="0"/>
           </a:p>
@@ -20410,7 +20410,7 @@
           <a:p>
             <a:fld id="{E7EE424C-FCA3-4EDD-B274-8E055D649B7D}" type="datetime1">
               <a:rPr lang="en-US" smtClean="0"/>
-              <a:t>8/4/2023</a:t>
+              <a:t>8/8/2023</a:t>
             </a:fld>
             <a:endParaRPr lang="en-US" dirty="0"/>
           </a:p>
@@ -24338,15 +24338,20 @@
             </a:pPr>
             <a:r>
               <a:rPr lang="en-US" sz="1600" b="1" dirty="0"/>
-              <a:t>P-value: 0.012</a:t>
+              <a:t>P-value: 0.002</a:t>
             </a:r>
             <a:br>
               <a:rPr lang="en-US" sz="1600" b="1" dirty="0"/>
             </a:br>
             <a:r>
               <a:rPr lang="en-US" sz="1600" b="1" dirty="0"/>
-              <a:t>R-squared: 0.057</a:t>
+              <a:t>R-squared</a:t>
             </a:r>
+            <a:r>
+              <a:rPr lang="en-US" sz="1600" b="1"/>
+              <a:t>: 0.079</a:t>
+            </a:r>
+            <a:endParaRPr lang="en-US" sz="1600" b="1" dirty="0"/>
           </a:p>
           <a:p>
             <a:pPr marL="0" indent="0">
@@ -25316,15 +25321,6 @@
 </file>
 
 <file path=customXml/item1.xml><?xml version="1.0" encoding="utf-8"?>
-<?mso-contentType ?>
-<FormTemplates xmlns="http://schemas.microsoft.com/sharepoint/v3/contenttype/forms">
-  <Display>DocumentLibraryForm</Display>
-  <Edit>DocumentLibraryForm</Edit>
-  <New>DocumentLibraryForm</New>
-</FormTemplates>
-</file>
-
-<file path=customXml/item2.xml><?xml version="1.0" encoding="utf-8"?>
 <ct:contentTypeSchema xmlns:ct="http://schemas.microsoft.com/office/2006/metadata/contentType" xmlns:ma="http://schemas.microsoft.com/office/2006/metadata/properties/metaAttributes" ct:_="" ma:_="" ma:contentTypeName="Document" ma:contentTypeID="0x01010079F111ED35F8CC479449609E8A0923A6" ma:contentTypeVersion="11" ma:contentTypeDescription="Create a new document." ma:contentTypeScope="" ma:versionID="9677210f24a1be23c92c90fd886aa0aa">
   <xsd:schema xmlns:xsd="http://www.w3.org/2001/XMLSchema" xmlns:xs="http://www.w3.org/2001/XMLSchema" xmlns:p="http://schemas.microsoft.com/office/2006/metadata/properties" xmlns:ns2="71af3243-3dd4-4a8d-8c0d-dd76da1f02a5" xmlns:ns3="16c05727-aa75-4e4a-9b5f-8a80a1165891" targetNamespace="http://schemas.microsoft.com/office/2006/metadata/properties" ma:root="true" ma:fieldsID="60e05723c5c1908df1a1a4ebf11d344e" ns2:_="" ns3:_="">
     <xsd:import namespace="71af3243-3dd4-4a8d-8c0d-dd76da1f02a5"/>
@@ -25535,6 +25531,15 @@
 </ct:contentTypeSchema>
 </file>
 
+<file path=customXml/item2.xml><?xml version="1.0" encoding="utf-8"?>
+<?mso-contentType ?>
+<FormTemplates xmlns="http://schemas.microsoft.com/sharepoint/v3/contenttype/forms">
+  <Display>DocumentLibraryForm</Display>
+  <Edit>DocumentLibraryForm</Edit>
+  <New>DocumentLibraryForm</New>
+</FormTemplates>
+</file>
+
 <file path=customXml/item3.xml><?xml version="1.0" encoding="utf-8"?>
 <p:properties xmlns:p="http://schemas.microsoft.com/office/2006/metadata/properties" xmlns:xsi="http://www.w3.org/2001/XMLSchema-instance" xmlns:pc="http://schemas.microsoft.com/office/infopath/2007/PartnerControls">
   <documentManagement>
@@ -25544,14 +25549,6 @@
 </file>
 
 <file path=customXml/itemProps1.xml><?xml version="1.0" encoding="utf-8"?>
-<ds:datastoreItem xmlns:ds="http://schemas.openxmlformats.org/officeDocument/2006/customXml" ds:itemID="{4F44C90D-2A62-4985-9618-3460247437B1}">
-  <ds:schemaRefs>
-    <ds:schemaRef ds:uri="http://schemas.microsoft.com/sharepoint/v3/contenttype/forms"/>
-  </ds:schemaRefs>
-</ds:datastoreItem>
-</file>
-
-<file path=customXml/itemProps2.xml><?xml version="1.0" encoding="utf-8"?>
 <ds:datastoreItem xmlns:ds="http://schemas.openxmlformats.org/officeDocument/2006/customXml" ds:itemID="{B61EAB5F-88FC-4FAE-AE3C-037A3C365EB8}">
   <ds:schemaRefs>
     <ds:schemaRef ds:uri="http://schemas.microsoft.com/office/2006/metadata/contentType"/>
@@ -25570,6 +25567,14 @@
 </ds:datastoreItem>
 </file>
 
+<file path=customXml/itemProps2.xml><?xml version="1.0" encoding="utf-8"?>
+<ds:datastoreItem xmlns:ds="http://schemas.openxmlformats.org/officeDocument/2006/customXml" ds:itemID="{4F44C90D-2A62-4985-9618-3460247437B1}">
+  <ds:schemaRefs>
+    <ds:schemaRef ds:uri="http://schemas.microsoft.com/sharepoint/v3/contenttype/forms"/>
+  </ds:schemaRefs>
+</ds:datastoreItem>
+</file>
+
 <file path=customXml/itemProps3.xml><?xml version="1.0" encoding="utf-8"?>
 <ds:datastoreItem xmlns:ds="http://schemas.openxmlformats.org/officeDocument/2006/customXml" ds:itemID="{788A2F88-55C5-4ED1-9541-807C65424763}">
   <ds:schemaRefs>

--- a/ppt/Covid Death Rates.pptx
+++ b/ppt/Covid Death Rates.pptx
@@ -210,7 +210,7 @@
           <a:p>
             <a:fld id="{C452ADB1-275D-430A-89EE-5C7E6CFF6FF2}" type="datetimeFigureOut">
               <a:rPr lang="en-US" smtClean="0"/>
-              <a:t>8/8/2023</a:t>
+              <a:t>8/9/2023</a:t>
             </a:fld>
             <a:endParaRPr lang="en-US" dirty="0"/>
           </a:p>
@@ -9270,7 +9270,7 @@
           <a:p>
             <a:fld id="{7005E26E-BCB2-4FD5-8FD5-81A5EAE94C21}" type="datetime1">
               <a:rPr lang="en-US" smtClean="0"/>
-              <a:t>8/8/2023</a:t>
+              <a:t>8/9/2023</a:t>
             </a:fld>
             <a:endParaRPr lang="en-US" dirty="0"/>
           </a:p>
@@ -9472,7 +9472,7 @@
           <a:p>
             <a:fld id="{9CC2E9B8-0487-42E4-B571-744A3D775783}" type="datetime1">
               <a:rPr lang="en-US" smtClean="0"/>
-              <a:t>8/8/2023</a:t>
+              <a:t>8/9/2023</a:t>
             </a:fld>
             <a:endParaRPr lang="en-US" dirty="0"/>
           </a:p>
@@ -9647,7 +9647,7 @@
           <a:p>
             <a:fld id="{9052E32D-1E84-43FD-8158-FFFE757EB0E8}" type="datetime1">
               <a:rPr lang="en-US" smtClean="0"/>
-              <a:t>8/8/2023</a:t>
+              <a:t>8/9/2023</a:t>
             </a:fld>
             <a:endParaRPr lang="en-US" dirty="0"/>
           </a:p>
@@ -9847,7 +9847,7 @@
           <a:p>
             <a:fld id="{8585C470-CD19-455C-B830-6D252EAD7FE5}" type="datetime1">
               <a:rPr lang="en-US" smtClean="0"/>
-              <a:t>8/8/2023</a:t>
+              <a:t>8/9/2023</a:t>
             </a:fld>
             <a:endParaRPr lang="en-US" dirty="0"/>
           </a:p>
@@ -18740,7 +18740,7 @@
           <a:p>
             <a:fld id="{7F85C43C-50D9-4F49-A136-0EFF292F93ED}" type="datetime1">
               <a:rPr lang="en-US" smtClean="0"/>
-              <a:t>8/8/2023</a:t>
+              <a:t>8/9/2023</a:t>
             </a:fld>
             <a:endParaRPr lang="en-US" dirty="0"/>
           </a:p>
@@ -19009,7 +19009,7 @@
           <a:p>
             <a:fld id="{7B53B1A3-0AEF-4064-A724-D27D660C8653}" type="datetime1">
               <a:rPr lang="en-US" smtClean="0"/>
-              <a:t>8/8/2023</a:t>
+              <a:t>8/9/2023</a:t>
             </a:fld>
             <a:endParaRPr lang="en-US" dirty="0"/>
           </a:p>
@@ -19402,7 +19402,7 @@
           <a:p>
             <a:fld id="{37D5D0F2-BF66-4A24-9384-A0129B196518}" type="datetime1">
               <a:rPr lang="en-US" smtClean="0"/>
-              <a:t>8/8/2023</a:t>
+              <a:t>8/9/2023</a:t>
             </a:fld>
             <a:endParaRPr lang="en-US" dirty="0"/>
           </a:p>
@@ -19515,7 +19515,7 @@
           <a:p>
             <a:fld id="{8C318A6C-4F6B-48D2-BDB0-D7413B3FDB0A}" type="datetime1">
               <a:rPr lang="en-US" smtClean="0"/>
-              <a:t>8/8/2023</a:t>
+              <a:t>8/9/2023</a:t>
             </a:fld>
             <a:endParaRPr lang="en-US" dirty="0"/>
           </a:p>
@@ -19605,7 +19605,7 @@
           <a:p>
             <a:fld id="{BF01ECED-6ECE-4989-B917-9D4D7E6D3C76}" type="datetime1">
               <a:rPr lang="en-US" smtClean="0"/>
-              <a:t>8/8/2023</a:t>
+              <a:t>8/9/2023</a:t>
             </a:fld>
             <a:endParaRPr lang="en-US" dirty="0"/>
           </a:p>
@@ -19890,7 +19890,7 @@
           <a:p>
             <a:fld id="{E3B570E1-CB40-488E-8C6F-EF4211DFFCB0}" type="datetime1">
               <a:rPr lang="en-US" smtClean="0"/>
-              <a:t>8/8/2023</a:t>
+              <a:t>8/9/2023</a:t>
             </a:fld>
             <a:endParaRPr lang="en-US" dirty="0"/>
           </a:p>
@@ -20165,7 +20165,7 @@
           <a:p>
             <a:fld id="{D1CEB6AF-9F5C-43BE-879E-CB9514111250}" type="datetime1">
               <a:rPr lang="en-US" smtClean="0"/>
-              <a:t>8/8/2023</a:t>
+              <a:t>8/9/2023</a:t>
             </a:fld>
             <a:endParaRPr lang="en-US" dirty="0"/>
           </a:p>
@@ -20410,7 +20410,7 @@
           <a:p>
             <a:fld id="{E7EE424C-FCA3-4EDD-B274-8E055D649B7D}" type="datetime1">
               <a:rPr lang="en-US" smtClean="0"/>
-              <a:t>8/8/2023</a:t>
+              <a:t>8/9/2023</a:t>
             </a:fld>
             <a:endParaRPr lang="en-US" dirty="0"/>
           </a:p>
@@ -22741,25 +22741,44 @@
             <p:ph idx="1"/>
           </p:nvPr>
         </p:nvSpPr>
-        <p:spPr/>
+        <p:spPr>
+          <a:ln>
+            <a:solidFill>
+              <a:schemeClr val="bg1"/>
+            </a:solidFill>
+          </a:ln>
+        </p:spPr>
         <p:txBody>
-          <a:bodyPr/>
+          <a:bodyPr>
+            <a:normAutofit/>
+          </a:bodyPr>
           <a:lstStyle/>
           <a:p>
+            <a:pPr lvl="1"/>
             <a:r>
-              <a:rPr lang="en-US" dirty="0"/>
+              <a:rPr lang="en-US" sz="2400" dirty="0"/>
               <a:t>Efficacy of vaccinations statistically correlate with a decrease in total deaths, but this is not the only factor affecting death rates.</a:t>
             </a:r>
           </a:p>
           <a:p>
+            <a:pPr lvl="1"/>
+            <a:endParaRPr lang="en-US" sz="2400" dirty="0"/>
+          </a:p>
+          <a:p>
+            <a:pPr lvl="1"/>
             <a:r>
-              <a:rPr lang="en-US" dirty="0"/>
+              <a:rPr lang="en-US" sz="2400" dirty="0"/>
               <a:t>Covid vaccination rates correlate with wealthier, more developed, and older populations which died at higher rates than poorer and younger populations.</a:t>
             </a:r>
           </a:p>
           <a:p>
+            <a:pPr lvl="1"/>
+            <a:endParaRPr lang="en-US" sz="2400" dirty="0"/>
+          </a:p>
+          <a:p>
+            <a:pPr lvl="1"/>
             <a:r>
-              <a:rPr lang="en-US" dirty="0"/>
+              <a:rPr lang="en-US" sz="2400" dirty="0"/>
               <a:t>A country’s death rates from covid likely have more to do with the vulnerabilities of elderly populations.</a:t>
             </a:r>
           </a:p>
@@ -22852,10 +22871,18 @@
           </a:p>
           <a:p>
             <a:pPr lvl="1"/>
+            <a:endParaRPr lang="en-US" sz="2400" dirty="0"/>
+          </a:p>
+          <a:p>
+            <a:pPr lvl="1"/>
             <a:r>
               <a:rPr lang="en-US" sz="2400" dirty="0"/>
               <a:t>Missing from this data is information about deaths by age group which could assist more refined assessments of vulnerable populations </a:t>
             </a:r>
+          </a:p>
+          <a:p>
+            <a:pPr lvl="1"/>
+            <a:endParaRPr lang="en-US" sz="2400" dirty="0"/>
           </a:p>
           <a:p>
             <a:pPr lvl="1"/>
@@ -23262,6 +23289,36 @@
           </a:p>
         </p:txBody>
       </p:sp>
+      <p:pic>
+        <p:nvPicPr>
+          <p:cNvPr id="7" name="Picture 6">
+            <a:extLst>
+              <a:ext uri="{FF2B5EF4-FFF2-40B4-BE49-F238E27FC236}">
+                <a16:creationId xmlns:a16="http://schemas.microsoft.com/office/drawing/2014/main" id="{BA4337EE-5BA7-D269-00A0-2DB38730AD77}"/>
+              </a:ext>
+            </a:extLst>
+          </p:cNvPr>
+          <p:cNvPicPr>
+            <a:picLocks noChangeAspect="1"/>
+          </p:cNvPicPr>
+          <p:nvPr/>
+        </p:nvPicPr>
+        <p:blipFill>
+          <a:blip r:embed="rId2"/>
+          <a:stretch>
+            <a:fillRect/>
+          </a:stretch>
+        </p:blipFill>
+        <p:spPr>
+          <a:xfrm>
+            <a:off x="7224266" y="3725668"/>
+            <a:ext cx="3230686" cy="2716791"/>
+          </a:xfrm>
+          <a:prstGeom prst="rect">
+            <a:avLst/>
+          </a:prstGeom>
+        </p:spPr>
+      </p:pic>
     </p:spTree>
     <p:extLst>
       <p:ext uri="{BB962C8B-B14F-4D97-AF65-F5344CB8AC3E}">
@@ -23347,23 +23404,45 @@
           <a:lstStyle/>
           <a:p>
             <a:r>
-              <a:rPr lang="en-US" dirty="0"/>
+              <a:rPr lang="en-US" sz="2800" dirty="0"/>
               <a:t>35 Columns, 302,000 Rows</a:t>
             </a:r>
           </a:p>
           <a:p>
             <a:pPr lvl="1"/>
             <a:r>
-              <a:rPr lang="en-US" dirty="0"/>
+              <a:rPr lang="en-US" sz="2400" dirty="0"/>
               <a:t>By country data from 1/3/2020 to 4/12/2023</a:t>
             </a:r>
           </a:p>
           <a:p>
             <a:pPr lvl="1"/>
             <a:r>
-              <a:rPr lang="en-US" dirty="0"/>
+              <a:rPr lang="en-US" sz="2400" dirty="0"/>
               <a:t>Missing values required using weekly averages in analysis</a:t>
             </a:r>
+          </a:p>
+          <a:p>
+            <a:pPr lvl="1"/>
+            <a:r>
+              <a:rPr lang="en-US" sz="2400" dirty="0"/>
+              <a:t>Likelihood of underreporting or overreporting not explicitly addressed</a:t>
+            </a:r>
+          </a:p>
+          <a:p>
+            <a:pPr lvl="1"/>
+            <a:r>
+              <a:rPr lang="en-US" sz="2400" dirty="0"/>
+              <a:t>Overtime analysis uses weekly averages</a:t>
+            </a:r>
+          </a:p>
+          <a:p>
+            <a:pPr lvl="1"/>
+            <a:r>
+              <a:rPr lang="en-US" sz="2400" dirty="0"/>
+              <a:t>Total analysis uses total or highest values to return unique values</a:t>
+            </a:r>
+            <a:endParaRPr lang="en-US" dirty="0"/>
           </a:p>
           <a:p>
             <a:pPr lvl="1"/>
@@ -23405,6 +23484,35 @@
           <a:chExt cx="0" cy="0"/>
         </a:xfrm>
       </p:grpSpPr>
+      <p:pic>
+        <p:nvPicPr>
+          <p:cNvPr id="14" name="Content Placeholder 13" descr="A graph of different colored lines&#10;&#10;Description automatically generated">
+            <a:extLst>
+              <a:ext uri="{FF2B5EF4-FFF2-40B4-BE49-F238E27FC236}">
+                <a16:creationId xmlns:a16="http://schemas.microsoft.com/office/drawing/2014/main" id="{E7915B1B-3BDA-3485-1A30-C44A5E6D5CB3}"/>
+              </a:ext>
+            </a:extLst>
+          </p:cNvPr>
+          <p:cNvPicPr>
+            <a:picLocks noGrp="1" noChangeAspect="1"/>
+          </p:cNvPicPr>
+          <p:nvPr>
+            <p:ph idx="1"/>
+          </p:nvPr>
+        </p:nvPicPr>
+        <p:blipFill>
+          <a:blip r:embed="rId2"/>
+          <a:stretch>
+            <a:fillRect/>
+          </a:stretch>
+        </p:blipFill>
+        <p:spPr>
+          <a:xfrm>
+            <a:off x="1384678" y="1388841"/>
+            <a:ext cx="7058808" cy="5274468"/>
+          </a:xfrm>
+        </p:spPr>
+      </p:pic>
       <p:sp>
         <p:nvSpPr>
           <p:cNvPr id="2" name="Title 1">
@@ -23438,35 +23546,6 @@
           </a:p>
         </p:txBody>
       </p:sp>
-      <p:pic>
-        <p:nvPicPr>
-          <p:cNvPr id="5" name="Content Placeholder 4" descr="A graph of different colored lines&#10;&#10;Description automatically generated">
-            <a:extLst>
-              <a:ext uri="{FF2B5EF4-FFF2-40B4-BE49-F238E27FC236}">
-                <a16:creationId xmlns:a16="http://schemas.microsoft.com/office/drawing/2014/main" id="{43229D98-8411-3850-01A4-29AB7BA36EDC}"/>
-              </a:ext>
-            </a:extLst>
-          </p:cNvPr>
-          <p:cNvPicPr>
-            <a:picLocks noGrp="1" noChangeAspect="1"/>
-          </p:cNvPicPr>
-          <p:nvPr>
-            <p:ph idx="1"/>
-          </p:nvPr>
-        </p:nvPicPr>
-        <p:blipFill>
-          <a:blip r:embed="rId2"/>
-          <a:stretch>
-            <a:fillRect/>
-          </a:stretch>
-        </p:blipFill>
-        <p:spPr>
-          <a:xfrm>
-            <a:off x="1590675" y="1359027"/>
-            <a:ext cx="6768786" cy="5035423"/>
-          </a:xfrm>
-        </p:spPr>
-      </p:pic>
       <p:grpSp>
         <p:nvGrpSpPr>
           <p:cNvPr id="9" name="Group 8">
@@ -23482,9 +23561,9 @@
         <p:grpSpPr>
           <a:xfrm>
             <a:off x="7361852" y="1875453"/>
-            <a:ext cx="3592287" cy="646331"/>
+            <a:ext cx="3592287" cy="1200329"/>
             <a:chOff x="7361852" y="1875453"/>
-            <a:chExt cx="4245429" cy="646331"/>
+            <a:chExt cx="4245429" cy="1200329"/>
           </a:xfrm>
         </p:grpSpPr>
         <p:sp>
@@ -23502,7 +23581,7 @@
           <p:spPr>
             <a:xfrm>
               <a:off x="8640146" y="1875453"/>
-              <a:ext cx="2967135" cy="646331"/>
+              <a:ext cx="2967135" cy="1200329"/>
             </a:xfrm>
             <a:prstGeom prst="rect">
               <a:avLst/>
@@ -23521,7 +23600,7 @@
             <a:lstStyle/>
             <a:p>
               <a:r>
-                <a:rPr lang="en-US" dirty="0"/>
+                <a:rPr lang="en-US" sz="2400" dirty="0"/>
                 <a:t>Correlates with China’s “reopening”</a:t>
               </a:r>
             </a:p>
@@ -23597,9 +23676,9 @@
         <p:grpSpPr>
           <a:xfrm>
             <a:off x="4254760" y="4105884"/>
-            <a:ext cx="6634065" cy="451734"/>
+            <a:ext cx="6634065" cy="498389"/>
             <a:chOff x="4254760" y="4105884"/>
-            <a:chExt cx="6634065" cy="451734"/>
+            <a:chExt cx="6634065" cy="498389"/>
           </a:xfrm>
         </p:grpSpPr>
         <p:sp>
@@ -23617,7 +23696,7 @@
           <p:spPr>
             <a:xfrm>
               <a:off x="8443485" y="4137322"/>
-              <a:ext cx="2445340" cy="369332"/>
+              <a:ext cx="2445340" cy="461665"/>
             </a:xfrm>
             <a:prstGeom prst="rect">
               <a:avLst/>
@@ -23636,7 +23715,7 @@
             <a:lstStyle/>
             <a:p>
               <a:r>
-                <a:rPr lang="en-US" dirty="0"/>
+                <a:rPr lang="en-US" sz="2400" dirty="0"/>
                 <a:t>Seasonal spikes</a:t>
               </a:r>
             </a:p>
@@ -23710,7 +23789,7 @@
           </p:nvSpPr>
           <p:spPr>
             <a:xfrm>
-              <a:off x="4254760" y="4357606"/>
+              <a:off x="4254760" y="4404261"/>
               <a:ext cx="4188725" cy="200012"/>
             </a:xfrm>
             <a:prstGeom prst="leftArrow">
@@ -23761,6 +23840,126 @@
   <p:clrMapOvr>
     <a:masterClrMapping/>
   </p:clrMapOvr>
+  <p:timing>
+    <p:tnLst>
+      <p:par>
+        <p:cTn id="1" dur="indefinite" restart="never" nodeType="tmRoot">
+          <p:childTnLst>
+            <p:seq concurrent="1" nextAc="seek">
+              <p:cTn id="2" dur="indefinite" nodeType="mainSeq">
+                <p:childTnLst>
+                  <p:par>
+                    <p:cTn id="3" fill="hold">
+                      <p:stCondLst>
+                        <p:cond delay="indefinite"/>
+                      </p:stCondLst>
+                      <p:childTnLst>
+                        <p:par>
+                          <p:cTn id="4" fill="hold">
+                            <p:stCondLst>
+                              <p:cond delay="0"/>
+                            </p:stCondLst>
+                            <p:childTnLst>
+                              <p:par>
+                                <p:cTn id="5" presetID="1" presetClass="entr" presetSubtype="0" fill="hold" nodeType="clickEffect">
+                                  <p:stCondLst>
+                                    <p:cond delay="0"/>
+                                  </p:stCondLst>
+                                  <p:childTnLst>
+                                    <p:set>
+                                      <p:cBhvr>
+                                        <p:cTn id="6" dur="1" fill="hold">
+                                          <p:stCondLst>
+                                            <p:cond delay="0"/>
+                                          </p:stCondLst>
+                                        </p:cTn>
+                                        <p:tgtEl>
+                                          <p:spTgt spid="12"/>
+                                        </p:tgtEl>
+                                        <p:attrNameLst>
+                                          <p:attrName>style.visibility</p:attrName>
+                                        </p:attrNameLst>
+                                      </p:cBhvr>
+                                      <p:to>
+                                        <p:strVal val="visible"/>
+                                      </p:to>
+                                    </p:set>
+                                  </p:childTnLst>
+                                </p:cTn>
+                              </p:par>
+                            </p:childTnLst>
+                          </p:cTn>
+                        </p:par>
+                      </p:childTnLst>
+                    </p:cTn>
+                  </p:par>
+                  <p:par>
+                    <p:cTn id="7" fill="hold">
+                      <p:stCondLst>
+                        <p:cond delay="indefinite"/>
+                      </p:stCondLst>
+                      <p:childTnLst>
+                        <p:par>
+                          <p:cTn id="8" fill="hold">
+                            <p:stCondLst>
+                              <p:cond delay="0"/>
+                            </p:stCondLst>
+                            <p:childTnLst>
+                              <p:par>
+                                <p:cTn id="9" presetID="1" presetClass="entr" presetSubtype="0" fill="hold" nodeType="clickEffect">
+                                  <p:stCondLst>
+                                    <p:cond delay="0"/>
+                                  </p:stCondLst>
+                                  <p:childTnLst>
+                                    <p:set>
+                                      <p:cBhvr>
+                                        <p:cTn id="10" dur="1" fill="hold">
+                                          <p:stCondLst>
+                                            <p:cond delay="0"/>
+                                          </p:stCondLst>
+                                        </p:cTn>
+                                        <p:tgtEl>
+                                          <p:spTgt spid="9"/>
+                                        </p:tgtEl>
+                                        <p:attrNameLst>
+                                          <p:attrName>style.visibility</p:attrName>
+                                        </p:attrNameLst>
+                                      </p:cBhvr>
+                                      <p:to>
+                                        <p:strVal val="visible"/>
+                                      </p:to>
+                                    </p:set>
+                                  </p:childTnLst>
+                                </p:cTn>
+                              </p:par>
+                            </p:childTnLst>
+                          </p:cTn>
+                        </p:par>
+                      </p:childTnLst>
+                    </p:cTn>
+                  </p:par>
+                </p:childTnLst>
+              </p:cTn>
+              <p:prevCondLst>
+                <p:cond evt="onPrev" delay="0">
+                  <p:tgtEl>
+                    <p:sldTgt/>
+                  </p:tgtEl>
+                </p:cond>
+              </p:prevCondLst>
+              <p:nextCondLst>
+                <p:cond evt="onNext" delay="0">
+                  <p:tgtEl>
+                    <p:sldTgt/>
+                  </p:tgtEl>
+                </p:cond>
+              </p:nextCondLst>
+            </p:seq>
+          </p:childTnLst>
+        </p:cTn>
+      </p:par>
+    </p:tnLst>
+  </p:timing>
 </p:sld>
 </file>
 
@@ -23816,10 +24015,10 @@
       </p:sp>
       <p:pic>
         <p:nvPicPr>
-          <p:cNvPr id="5" name="Content Placeholder 4" descr="A graph of different colored lines&#10;&#10;Description automatically generated">
+          <p:cNvPr id="7" name="Content Placeholder 6" descr="A graph of different colored lines&#10;&#10;Description automatically generated">
             <a:extLst>
               <a:ext uri="{FF2B5EF4-FFF2-40B4-BE49-F238E27FC236}">
-                <a16:creationId xmlns:a16="http://schemas.microsoft.com/office/drawing/2014/main" id="{CFFA9DA4-0EEA-83D7-8CC9-867B276301FF}"/>
+                <a16:creationId xmlns:a16="http://schemas.microsoft.com/office/drawing/2014/main" id="{1ECA1C56-E9CF-418D-61CC-DCDBFF49AA3D}"/>
               </a:ext>
             </a:extLst>
           </p:cNvPr>
@@ -23838,11 +24037,51 @@
         </p:blipFill>
         <p:spPr>
           <a:xfrm>
-            <a:off x="818013" y="1781175"/>
-            <a:ext cx="6487662" cy="4826086"/>
+            <a:off x="1173745" y="1636356"/>
+            <a:ext cx="6627230" cy="4951985"/>
           </a:xfrm>
         </p:spPr>
       </p:pic>
+      <p:sp>
+        <p:nvSpPr>
+          <p:cNvPr id="8" name="TextBox 7">
+            <a:extLst>
+              <a:ext uri="{FF2B5EF4-FFF2-40B4-BE49-F238E27FC236}">
+                <a16:creationId xmlns:a16="http://schemas.microsoft.com/office/drawing/2014/main" id="{9D823FDD-B572-38E7-549B-093CC789AFF0}"/>
+              </a:ext>
+            </a:extLst>
+          </p:cNvPr>
+          <p:cNvSpPr txBox="1"/>
+          <p:nvPr/>
+        </p:nvSpPr>
+        <p:spPr>
+          <a:xfrm>
+            <a:off x="8118216" y="3230359"/>
+            <a:ext cx="3217280" cy="646331"/>
+          </a:xfrm>
+          <a:prstGeom prst="rect">
+            <a:avLst/>
+          </a:prstGeom>
+          <a:noFill/>
+          <a:ln>
+            <a:solidFill>
+              <a:schemeClr val="tx1"/>
+            </a:solidFill>
+          </a:ln>
+        </p:spPr>
+        <p:txBody>
+          <a:bodyPr wrap="square" rtlCol="0">
+            <a:spAutoFit/>
+          </a:bodyPr>
+          <a:lstStyle/>
+          <a:p>
+            <a:r>
+              <a:rPr lang="en-US" dirty="0"/>
+              <a:t>Deaths Per Million makes Brazil look like the worst performer</a:t>
+            </a:r>
+          </a:p>
+        </p:txBody>
+      </p:sp>
     </p:spTree>
     <p:extLst>
       <p:ext uri="{BB962C8B-B14F-4D97-AF65-F5344CB8AC3E}">
@@ -23925,11 +24164,201 @@
         </p:blipFill>
         <p:spPr>
           <a:xfrm>
-            <a:off x="2283113" y="1676400"/>
+            <a:off x="1648885" y="1629747"/>
             <a:ext cx="6584662" cy="4912368"/>
           </a:xfrm>
         </p:spPr>
       </p:pic>
+      <p:grpSp>
+        <p:nvGrpSpPr>
+          <p:cNvPr id="8" name="Group 7">
+            <a:extLst>
+              <a:ext uri="{FF2B5EF4-FFF2-40B4-BE49-F238E27FC236}">
+                <a16:creationId xmlns:a16="http://schemas.microsoft.com/office/drawing/2014/main" id="{BFD00756-4A44-0138-8700-12EFCF92F1C2}"/>
+              </a:ext>
+            </a:extLst>
+          </p:cNvPr>
+          <p:cNvGrpSpPr/>
+          <p:nvPr/>
+        </p:nvGrpSpPr>
+        <p:grpSpPr>
+          <a:xfrm>
+            <a:off x="5747658" y="2062337"/>
+            <a:ext cx="5811352" cy="1938992"/>
+            <a:chOff x="5747658" y="2062337"/>
+            <a:chExt cx="5811352" cy="1938992"/>
+          </a:xfrm>
+        </p:grpSpPr>
+        <p:grpSp>
+          <p:nvGrpSpPr>
+            <p:cNvPr id="3" name="Group 2">
+              <a:extLst>
+                <a:ext uri="{FF2B5EF4-FFF2-40B4-BE49-F238E27FC236}">
+                  <a16:creationId xmlns:a16="http://schemas.microsoft.com/office/drawing/2014/main" id="{1CF92C03-1BAF-45DB-D67B-4D7C13ADB70C}"/>
+                </a:ext>
+              </a:extLst>
+            </p:cNvPr>
+            <p:cNvGrpSpPr/>
+            <p:nvPr/>
+          </p:nvGrpSpPr>
+          <p:grpSpPr>
+            <a:xfrm>
+              <a:off x="5747658" y="2062337"/>
+              <a:ext cx="5811352" cy="1938992"/>
+              <a:chOff x="4309266" y="1962103"/>
+              <a:chExt cx="6867960" cy="1938992"/>
+            </a:xfrm>
+          </p:grpSpPr>
+          <p:sp>
+            <p:nvSpPr>
+              <p:cNvPr id="4" name="TextBox 3">
+                <a:extLst>
+                  <a:ext uri="{FF2B5EF4-FFF2-40B4-BE49-F238E27FC236}">
+                    <a16:creationId xmlns:a16="http://schemas.microsoft.com/office/drawing/2014/main" id="{F2EBCE8B-E492-884F-FE57-371AFAE0BE97}"/>
+                  </a:ext>
+                </a:extLst>
+              </p:cNvPr>
+              <p:cNvSpPr txBox="1"/>
+              <p:nvPr/>
+            </p:nvSpPr>
+            <p:spPr>
+              <a:xfrm>
+                <a:off x="8210091" y="1962103"/>
+                <a:ext cx="2967135" cy="1938992"/>
+              </a:xfrm>
+              <a:prstGeom prst="rect">
+                <a:avLst/>
+              </a:prstGeom>
+              <a:noFill/>
+              <a:ln>
+                <a:solidFill>
+                  <a:schemeClr val="tx1"/>
+                </a:solidFill>
+              </a:ln>
+            </p:spPr>
+            <p:txBody>
+              <a:bodyPr wrap="square" rtlCol="0">
+                <a:spAutoFit/>
+              </a:bodyPr>
+              <a:lstStyle/>
+              <a:p>
+                <a:r>
+                  <a:rPr lang="en-US" sz="2400" dirty="0"/>
+                  <a:t>Inconsistent reporting may indicate data contamination or bias</a:t>
+                </a:r>
+              </a:p>
+            </p:txBody>
+          </p:sp>
+          <p:sp>
+            <p:nvSpPr>
+              <p:cNvPr id="6" name="Arrow: Left 5">
+                <a:extLst>
+                  <a:ext uri="{FF2B5EF4-FFF2-40B4-BE49-F238E27FC236}">
+                    <a16:creationId xmlns:a16="http://schemas.microsoft.com/office/drawing/2014/main" id="{44656E79-98BF-C9B6-123A-11546CBDD44E}"/>
+                  </a:ext>
+                </a:extLst>
+              </p:cNvPr>
+              <p:cNvSpPr/>
+              <p:nvPr/>
+            </p:nvSpPr>
+            <p:spPr>
+              <a:xfrm>
+                <a:off x="4309266" y="1984598"/>
+                <a:ext cx="3900826" cy="238490"/>
+              </a:xfrm>
+              <a:prstGeom prst="leftArrow">
+                <a:avLst/>
+              </a:prstGeom>
+              <a:solidFill>
+                <a:schemeClr val="bg1"/>
+              </a:solidFill>
+              <a:ln>
+                <a:solidFill>
+                  <a:schemeClr val="tx1"/>
+                </a:solidFill>
+              </a:ln>
+            </p:spPr>
+            <p:style>
+              <a:lnRef idx="2">
+                <a:schemeClr val="accent1">
+                  <a:shade val="15000"/>
+                </a:schemeClr>
+              </a:lnRef>
+              <a:fillRef idx="1">
+                <a:schemeClr val="accent1"/>
+              </a:fillRef>
+              <a:effectRef idx="0">
+                <a:schemeClr val="accent1"/>
+              </a:effectRef>
+              <a:fontRef idx="minor">
+                <a:schemeClr val="lt1"/>
+              </a:fontRef>
+            </p:style>
+            <p:txBody>
+              <a:bodyPr rtlCol="0" anchor="ctr"/>
+              <a:lstStyle/>
+              <a:p>
+                <a:pPr algn="ctr"/>
+                <a:endParaRPr lang="en-US"/>
+              </a:p>
+            </p:txBody>
+          </p:sp>
+        </p:grpSp>
+        <p:sp>
+          <p:nvSpPr>
+            <p:cNvPr id="7" name="Arrow: Left 6">
+              <a:extLst>
+                <a:ext uri="{FF2B5EF4-FFF2-40B4-BE49-F238E27FC236}">
+                  <a16:creationId xmlns:a16="http://schemas.microsoft.com/office/drawing/2014/main" id="{9DD9B7BF-1677-3B1A-5B12-D1297370CBAE}"/>
+                </a:ext>
+              </a:extLst>
+            </p:cNvPr>
+            <p:cNvSpPr/>
+            <p:nvPr/>
+          </p:nvSpPr>
+          <p:spPr>
+            <a:xfrm>
+              <a:off x="7035283" y="3309755"/>
+              <a:ext cx="2013074" cy="238490"/>
+            </a:xfrm>
+            <a:prstGeom prst="leftArrow">
+              <a:avLst/>
+            </a:prstGeom>
+            <a:solidFill>
+              <a:schemeClr val="bg1"/>
+            </a:solidFill>
+            <a:ln>
+              <a:solidFill>
+                <a:schemeClr val="tx1"/>
+              </a:solidFill>
+            </a:ln>
+          </p:spPr>
+          <p:style>
+            <a:lnRef idx="2">
+              <a:schemeClr val="accent1">
+                <a:shade val="15000"/>
+              </a:schemeClr>
+            </a:lnRef>
+            <a:fillRef idx="1">
+              <a:schemeClr val="accent1"/>
+            </a:fillRef>
+            <a:effectRef idx="0">
+              <a:schemeClr val="accent1"/>
+            </a:effectRef>
+            <a:fontRef idx="minor">
+              <a:schemeClr val="lt1"/>
+            </a:fontRef>
+          </p:style>
+          <p:txBody>
+            <a:bodyPr rtlCol="0" anchor="ctr"/>
+            <a:lstStyle/>
+            <a:p>
+              <a:pPr algn="ctr"/>
+              <a:endParaRPr lang="en-US"/>
+            </a:p>
+          </p:txBody>
+        </p:sp>
+      </p:grpSp>
     </p:spTree>
     <p:extLst>
       <p:ext uri="{BB962C8B-B14F-4D97-AF65-F5344CB8AC3E}">
@@ -23940,6 +24369,81 @@
   <p:clrMapOvr>
     <a:masterClrMapping/>
   </p:clrMapOvr>
+  <p:timing>
+    <p:tnLst>
+      <p:par>
+        <p:cTn id="1" dur="indefinite" restart="never" nodeType="tmRoot">
+          <p:childTnLst>
+            <p:seq concurrent="1" nextAc="seek">
+              <p:cTn id="2" dur="indefinite" nodeType="mainSeq">
+                <p:childTnLst>
+                  <p:par>
+                    <p:cTn id="3" fill="hold">
+                      <p:stCondLst>
+                        <p:cond delay="indefinite"/>
+                      </p:stCondLst>
+                      <p:childTnLst>
+                        <p:par>
+                          <p:cTn id="4" fill="hold">
+                            <p:stCondLst>
+                              <p:cond delay="0"/>
+                            </p:stCondLst>
+                            <p:childTnLst>
+                              <p:par>
+                                <p:cTn id="5" presetID="1" presetClass="entr" presetSubtype="0" fill="hold" nodeType="clickEffect">
+                                  <p:stCondLst>
+                                    <p:cond delay="0"/>
+                                  </p:stCondLst>
+                                  <p:childTnLst>
+                                    <p:set>
+                                      <p:cBhvr>
+                                        <p:cTn id="6" dur="1" fill="hold">
+                                          <p:stCondLst>
+                                            <p:cond delay="0"/>
+                                          </p:stCondLst>
+                                        </p:cTn>
+                                        <p:tgtEl>
+                                          <p:spTgt spid="8"/>
+                                        </p:tgtEl>
+                                        <p:attrNameLst>
+                                          <p:attrName>style.visibility</p:attrName>
+                                        </p:attrNameLst>
+                                      </p:cBhvr>
+                                      <p:to>
+                                        <p:strVal val="visible"/>
+                                      </p:to>
+                                    </p:set>
+                                  </p:childTnLst>
+                                </p:cTn>
+                              </p:par>
+                            </p:childTnLst>
+                          </p:cTn>
+                        </p:par>
+                      </p:childTnLst>
+                    </p:cTn>
+                  </p:par>
+                </p:childTnLst>
+              </p:cTn>
+              <p:prevCondLst>
+                <p:cond evt="onPrev" delay="0">
+                  <p:tgtEl>
+                    <p:sldTgt/>
+                  </p:tgtEl>
+                </p:cond>
+              </p:prevCondLst>
+              <p:nextCondLst>
+                <p:cond evt="onNext" delay="0">
+                  <p:tgtEl>
+                    <p:sldTgt/>
+                  </p:tgtEl>
+                </p:cond>
+              </p:nextCondLst>
+            </p:seq>
+          </p:childTnLst>
+        </p:cTn>
+      </p:par>
+    </p:tnLst>
+  </p:timing>
 </p:sld>
 </file>
 
@@ -23976,14 +24480,28 @@
             <p:ph type="title"/>
           </p:nvPr>
         </p:nvSpPr>
-        <p:spPr/>
+        <p:spPr>
+          <a:xfrm>
+            <a:off x="930822" y="435180"/>
+            <a:ext cx="9720072" cy="1499616"/>
+          </a:xfrm>
+        </p:spPr>
         <p:txBody>
-          <a:bodyPr/>
+          <a:bodyPr>
+            <a:normAutofit fontScale="90000"/>
+          </a:bodyPr>
           <a:lstStyle/>
           <a:p>
             <a:r>
               <a:rPr lang="en-US" dirty="0"/>
-              <a:t>Correlation analysis: Did vaccination rates decrease death rates?</a:t>
+              <a:t>Hypothesis Test: </a:t>
+            </a:r>
+            <a:br>
+              <a:rPr lang="en-US" dirty="0"/>
+            </a:br>
+            <a:r>
+              <a:rPr lang="en-US" dirty="0"/>
+              <a:t>Did vaccination rates decrease death rates?</a:t>
             </a:r>
           </a:p>
         </p:txBody>
@@ -24006,9 +24524,14 @@
         </p:nvSpPr>
         <p:spPr>
           <a:xfrm>
-            <a:off x="646637" y="2271445"/>
-            <a:ext cx="5237525" cy="1408348"/>
+            <a:off x="404043" y="2172997"/>
+            <a:ext cx="5691958" cy="4129604"/>
           </a:xfrm>
+          <a:ln>
+            <a:solidFill>
+              <a:schemeClr val="tx1"/>
+            </a:solidFill>
+          </a:ln>
         </p:spPr>
         <p:txBody>
           <a:bodyPr>
@@ -24020,8 +24543,8 @@
               <a:buNone/>
             </a:pPr>
             <a:r>
-              <a:rPr lang="en-US" sz="1600" b="1" dirty="0"/>
-              <a:t>Hypothesis Test:</a:t>
+              <a:rPr lang="en-US" sz="1800" b="1" dirty="0"/>
+              <a:t>Hypothesis:</a:t>
             </a:r>
           </a:p>
           <a:p>
@@ -24029,7 +24552,7 @@
               <a:buNone/>
             </a:pPr>
             <a:r>
-              <a:rPr lang="en-US" sz="1600" dirty="0"/>
+              <a:rPr lang="en-US" sz="1800" dirty="0"/>
               <a:t>H0: Vaccination rates do not lower the death rate in a country.</a:t>
             </a:r>
           </a:p>
@@ -24038,19 +24561,77 @@
               <a:buNone/>
             </a:pPr>
             <a:r>
-              <a:rPr lang="en-US" sz="1600" dirty="0"/>
+              <a:rPr lang="en-US" sz="1800" dirty="0"/>
               <a:t>H</a:t>
             </a:r>
             <a:r>
-              <a:rPr lang="el-GR" sz="1600" dirty="0">
+              <a:rPr lang="el-GR" sz="1800" dirty="0">
                 <a:latin typeface="Times New Roman" panose="02020603050405020304" pitchFamily="18" charset="0"/>
                 <a:cs typeface="Times New Roman" panose="02020603050405020304" pitchFamily="18" charset="0"/>
               </a:rPr>
               <a:t>α</a:t>
             </a:r>
             <a:r>
-              <a:rPr lang="en-US" sz="1600" dirty="0"/>
+              <a:rPr lang="en-US" sz="1800" dirty="0"/>
               <a:t>: An increase in vaccination rates lowers the death rate in a country.</a:t>
+            </a:r>
+          </a:p>
+          <a:p>
+            <a:pPr marL="0" indent="0">
+              <a:buFont typeface="Tw Cen MT" panose="020B0602020104020603" pitchFamily="34" charset="0"/>
+              <a:buNone/>
+            </a:pPr>
+            <a:r>
+              <a:rPr lang="en-US" sz="1800" b="1" dirty="0"/>
+              <a:t>P-value: 0.002</a:t>
+            </a:r>
+            <a:br>
+              <a:rPr lang="en-US" sz="1800" b="1" dirty="0"/>
+            </a:br>
+            <a:endParaRPr lang="en-US" sz="1800" b="1" dirty="0"/>
+          </a:p>
+          <a:p>
+            <a:pPr marL="0" indent="0">
+              <a:buFont typeface="Tw Cen MT" panose="020B0602020104020603" pitchFamily="34" charset="0"/>
+              <a:buNone/>
+            </a:pPr>
+            <a:r>
+              <a:rPr lang="en-US" sz="1800" dirty="0"/>
+              <a:t>Statistical results suggest accepting H</a:t>
+            </a:r>
+            <a:r>
+              <a:rPr lang="el-GR" sz="1800" dirty="0">
+                <a:latin typeface="Times New Roman" panose="02020603050405020304" pitchFamily="18" charset="0"/>
+                <a:cs typeface="Times New Roman" panose="02020603050405020304" pitchFamily="18" charset="0"/>
+              </a:rPr>
+              <a:t>α</a:t>
+            </a:r>
+            <a:r>
+              <a:rPr lang="en-US" sz="1800" dirty="0">
+                <a:latin typeface="Times New Roman" panose="02020603050405020304" pitchFamily="18" charset="0"/>
+                <a:cs typeface="Times New Roman" panose="02020603050405020304" pitchFamily="18" charset="0"/>
+              </a:rPr>
+              <a:t> </a:t>
+            </a:r>
+            <a:r>
+              <a:rPr lang="en-US" sz="1800" dirty="0">
+                <a:cs typeface="Times New Roman" panose="02020603050405020304" pitchFamily="18" charset="0"/>
+              </a:rPr>
+              <a:t>within 95% confidence rating</a:t>
+            </a:r>
+            <a:r>
+              <a:rPr lang="en-US" sz="1800" dirty="0"/>
+              <a:t>.  </a:t>
+            </a:r>
+          </a:p>
+          <a:p>
+            <a:pPr marL="0" indent="0">
+              <a:buFont typeface="Tw Cen MT" panose="020B0602020104020603" pitchFamily="34" charset="0"/>
+              <a:buNone/>
+            </a:pPr>
+            <a:r>
+              <a:rPr lang="en-US" sz="1800" dirty="0"/>
+              <a:t>However, vaccination rates do not tell the entire story.</a:t>
             </a:r>
           </a:p>
         </p:txBody>
@@ -24101,8 +24682,8 @@
         </p:nvSpPr>
         <p:spPr>
           <a:xfrm>
-            <a:off x="646638" y="3800885"/>
-            <a:ext cx="5237525" cy="1872127"/>
+            <a:off x="404042" y="3819546"/>
+            <a:ext cx="5691958" cy="1872127"/>
           </a:xfrm>
           <a:prstGeom prst="rect">
             <a:avLst/>
@@ -24336,42 +24917,7 @@
               <a:buFont typeface="Tw Cen MT" panose="020B0602020104020603" pitchFamily="34" charset="0"/>
               <a:buNone/>
             </a:pPr>
-            <a:r>
-              <a:rPr lang="en-US" sz="1600" b="1" dirty="0"/>
-              <a:t>P-value: 0.002</a:t>
-            </a:r>
-            <a:br>
-              <a:rPr lang="en-US" sz="1600" b="1" dirty="0"/>
-            </a:br>
-            <a:r>
-              <a:rPr lang="en-US" sz="1600" b="1" dirty="0"/>
-              <a:t>R-squared</a:t>
-            </a:r>
-            <a:r>
-              <a:rPr lang="en-US" sz="1600" b="1"/>
-              <a:t>: 0.079</a:t>
-            </a:r>
-            <a:endParaRPr lang="en-US" sz="1600" b="1" dirty="0"/>
-          </a:p>
-          <a:p>
-            <a:pPr marL="0" indent="0">
-              <a:buFont typeface="Tw Cen MT" panose="020B0602020104020603" pitchFamily="34" charset="0"/>
-              <a:buNone/>
-            </a:pPr>
-            <a:r>
-              <a:rPr lang="en-US" sz="1600" dirty="0"/>
-              <a:t>These readings suggest that we can reject the null hypothesis.  </a:t>
-            </a:r>
-          </a:p>
-          <a:p>
-            <a:pPr marL="0" indent="0">
-              <a:buFont typeface="Tw Cen MT" panose="020B0602020104020603" pitchFamily="34" charset="0"/>
-              <a:buNone/>
-            </a:pPr>
-            <a:r>
-              <a:rPr lang="en-US" sz="1600" dirty="0"/>
-              <a:t>…But this is counter-intuitive to the data, and the low r-squared value suggests that other variables may affect deaths per million more than vaccination rates.</a:t>
-            </a:r>
+            <a:endParaRPr lang="en-US" sz="1600" dirty="0"/>
           </a:p>
         </p:txBody>
       </p:sp>
@@ -24485,12 +25031,17 @@
         </p:nvSpPr>
         <p:spPr>
           <a:xfrm>
-            <a:off x="534672" y="2765966"/>
+            <a:off x="432036" y="2511987"/>
             <a:ext cx="5237525" cy="1834025"/>
           </a:xfrm>
           <a:prstGeom prst="rect">
             <a:avLst/>
           </a:prstGeom>
+          <a:ln>
+            <a:solidFill>
+              <a:schemeClr val="tx1"/>
+            </a:solidFill>
+          </a:ln>
         </p:spPr>
         <p:txBody>
           <a:bodyPr vert="horz" lIns="45720" tIns="45720" rIns="45720" bIns="45720" rtlCol="0">
@@ -24721,8 +25272,16 @@
               <a:buNone/>
             </a:pPr>
             <a:r>
-              <a:rPr lang="en-US" sz="1600" dirty="0"/>
-              <a:t>Negatively correlated with extreme poverty</a:t>
+              <a:rPr lang="en-US" sz="1800" dirty="0"/>
+              <a:t>Total Deaths are </a:t>
+            </a:r>
+            <a:r>
+              <a:rPr lang="en-US" sz="1800" u="sng" dirty="0"/>
+              <a:t>negatively correlated </a:t>
+            </a:r>
+            <a:r>
+              <a:rPr lang="en-US" sz="1800" dirty="0"/>
+              <a:t>with extreme poverty</a:t>
             </a:r>
           </a:p>
           <a:p>
@@ -24731,15 +25290,13 @@
               <a:buNone/>
             </a:pPr>
             <a:r>
-              <a:rPr lang="en-US" sz="1600" dirty="0"/>
-              <a:t>Positively correlated with vaccination rates, increased age, wealthier nations, life expectancy, and human development</a:t>
+              <a:rPr lang="en-US" sz="1800" u="sng" dirty="0"/>
+              <a:t>Positively correlated </a:t>
             </a:r>
-          </a:p>
-          <a:p>
-            <a:pPr marL="0" indent="0">
-              <a:buFont typeface="Tw Cen MT" panose="020B0602020104020603" pitchFamily="34" charset="0"/>
-              <a:buNone/>
-            </a:pPr>
+            <a:r>
+              <a:rPr lang="en-US" sz="1800" dirty="0"/>
+              <a:t>with vaccination rates, increased age, wealthier nations, life expectancy, and human development</a:t>
+            </a:r>
             <a:endParaRPr lang="en-US" sz="1600" dirty="0"/>
           </a:p>
         </p:txBody>
@@ -25321,6 +25878,15 @@
 </file>
 
 <file path=customXml/item1.xml><?xml version="1.0" encoding="utf-8"?>
+<?mso-contentType ?>
+<FormTemplates xmlns="http://schemas.microsoft.com/sharepoint/v3/contenttype/forms">
+  <Display>DocumentLibraryForm</Display>
+  <Edit>DocumentLibraryForm</Edit>
+  <New>DocumentLibraryForm</New>
+</FormTemplates>
+</file>
+
+<file path=customXml/item2.xml><?xml version="1.0" encoding="utf-8"?>
 <ct:contentTypeSchema xmlns:ct="http://schemas.microsoft.com/office/2006/metadata/contentType" xmlns:ma="http://schemas.microsoft.com/office/2006/metadata/properties/metaAttributes" ct:_="" ma:_="" ma:contentTypeName="Document" ma:contentTypeID="0x01010079F111ED35F8CC479449609E8A0923A6" ma:contentTypeVersion="11" ma:contentTypeDescription="Create a new document." ma:contentTypeScope="" ma:versionID="9677210f24a1be23c92c90fd886aa0aa">
   <xsd:schema xmlns:xsd="http://www.w3.org/2001/XMLSchema" xmlns:xs="http://www.w3.org/2001/XMLSchema" xmlns:p="http://schemas.microsoft.com/office/2006/metadata/properties" xmlns:ns2="71af3243-3dd4-4a8d-8c0d-dd76da1f02a5" xmlns:ns3="16c05727-aa75-4e4a-9b5f-8a80a1165891" targetNamespace="http://schemas.microsoft.com/office/2006/metadata/properties" ma:root="true" ma:fieldsID="60e05723c5c1908df1a1a4ebf11d344e" ns2:_="" ns3:_="">
     <xsd:import namespace="71af3243-3dd4-4a8d-8c0d-dd76da1f02a5"/>
@@ -25531,15 +26097,6 @@
 </ct:contentTypeSchema>
 </file>
 
-<file path=customXml/item2.xml><?xml version="1.0" encoding="utf-8"?>
-<?mso-contentType ?>
-<FormTemplates xmlns="http://schemas.microsoft.com/sharepoint/v3/contenttype/forms">
-  <Display>DocumentLibraryForm</Display>
-  <Edit>DocumentLibraryForm</Edit>
-  <New>DocumentLibraryForm</New>
-</FormTemplates>
-</file>
-
 <file path=customXml/item3.xml><?xml version="1.0" encoding="utf-8"?>
 <p:properties xmlns:p="http://schemas.microsoft.com/office/2006/metadata/properties" xmlns:xsi="http://www.w3.org/2001/XMLSchema-instance" xmlns:pc="http://schemas.microsoft.com/office/infopath/2007/PartnerControls">
   <documentManagement>
@@ -25549,6 +26106,14 @@
 </file>
 
 <file path=customXml/itemProps1.xml><?xml version="1.0" encoding="utf-8"?>
+<ds:datastoreItem xmlns:ds="http://schemas.openxmlformats.org/officeDocument/2006/customXml" ds:itemID="{4F44C90D-2A62-4985-9618-3460247437B1}">
+  <ds:schemaRefs>
+    <ds:schemaRef ds:uri="http://schemas.microsoft.com/sharepoint/v3/contenttype/forms"/>
+  </ds:schemaRefs>
+</ds:datastoreItem>
+</file>
+
+<file path=customXml/itemProps2.xml><?xml version="1.0" encoding="utf-8"?>
 <ds:datastoreItem xmlns:ds="http://schemas.openxmlformats.org/officeDocument/2006/customXml" ds:itemID="{B61EAB5F-88FC-4FAE-AE3C-037A3C365EB8}">
   <ds:schemaRefs>
     <ds:schemaRef ds:uri="http://schemas.microsoft.com/office/2006/metadata/contentType"/>
@@ -25567,14 +26132,6 @@
 </ds:datastoreItem>
 </file>
 
-<file path=customXml/itemProps2.xml><?xml version="1.0" encoding="utf-8"?>
-<ds:datastoreItem xmlns:ds="http://schemas.openxmlformats.org/officeDocument/2006/customXml" ds:itemID="{4F44C90D-2A62-4985-9618-3460247437B1}">
-  <ds:schemaRefs>
-    <ds:schemaRef ds:uri="http://schemas.microsoft.com/sharepoint/v3/contenttype/forms"/>
-  </ds:schemaRefs>
-</ds:datastoreItem>
-</file>
-
 <file path=customXml/itemProps3.xml><?xml version="1.0" encoding="utf-8"?>
 <ds:datastoreItem xmlns:ds="http://schemas.openxmlformats.org/officeDocument/2006/customXml" ds:itemID="{788A2F88-55C5-4ED1-9541-807C65424763}">
   <ds:schemaRefs>

--- a/ppt/Covid Death Rates.pptx
+++ b/ppt/Covid Death Rates.pptx
@@ -210,7 +210,7 @@
           <a:p>
             <a:fld id="{C452ADB1-275D-430A-89EE-5C7E6CFF6FF2}" type="datetimeFigureOut">
               <a:rPr lang="en-US" smtClean="0"/>
-              <a:t>8/9/2023</a:t>
+              <a:t>8/11/2023</a:t>
             </a:fld>
             <a:endParaRPr lang="en-US" dirty="0"/>
           </a:p>
@@ -9270,7 +9270,7 @@
           <a:p>
             <a:fld id="{7005E26E-BCB2-4FD5-8FD5-81A5EAE94C21}" type="datetime1">
               <a:rPr lang="en-US" smtClean="0"/>
-              <a:t>8/9/2023</a:t>
+              <a:t>8/11/2023</a:t>
             </a:fld>
             <a:endParaRPr lang="en-US" dirty="0"/>
           </a:p>
@@ -9472,7 +9472,7 @@
           <a:p>
             <a:fld id="{9CC2E9B8-0487-42E4-B571-744A3D775783}" type="datetime1">
               <a:rPr lang="en-US" smtClean="0"/>
-              <a:t>8/9/2023</a:t>
+              <a:t>8/11/2023</a:t>
             </a:fld>
             <a:endParaRPr lang="en-US" dirty="0"/>
           </a:p>
@@ -9647,7 +9647,7 @@
           <a:p>
             <a:fld id="{9052E32D-1E84-43FD-8158-FFFE757EB0E8}" type="datetime1">
               <a:rPr lang="en-US" smtClean="0"/>
-              <a:t>8/9/2023</a:t>
+              <a:t>8/11/2023</a:t>
             </a:fld>
             <a:endParaRPr lang="en-US" dirty="0"/>
           </a:p>
@@ -9847,7 +9847,7 @@
           <a:p>
             <a:fld id="{8585C470-CD19-455C-B830-6D252EAD7FE5}" type="datetime1">
               <a:rPr lang="en-US" smtClean="0"/>
-              <a:t>8/9/2023</a:t>
+              <a:t>8/11/2023</a:t>
             </a:fld>
             <a:endParaRPr lang="en-US" dirty="0"/>
           </a:p>
@@ -18740,7 +18740,7 @@
           <a:p>
             <a:fld id="{7F85C43C-50D9-4F49-A136-0EFF292F93ED}" type="datetime1">
               <a:rPr lang="en-US" smtClean="0"/>
-              <a:t>8/9/2023</a:t>
+              <a:t>8/11/2023</a:t>
             </a:fld>
             <a:endParaRPr lang="en-US" dirty="0"/>
           </a:p>
@@ -19009,7 +19009,7 @@
           <a:p>
             <a:fld id="{7B53B1A3-0AEF-4064-A724-D27D660C8653}" type="datetime1">
               <a:rPr lang="en-US" smtClean="0"/>
-              <a:t>8/9/2023</a:t>
+              <a:t>8/11/2023</a:t>
             </a:fld>
             <a:endParaRPr lang="en-US" dirty="0"/>
           </a:p>
@@ -19402,7 +19402,7 @@
           <a:p>
             <a:fld id="{37D5D0F2-BF66-4A24-9384-A0129B196518}" type="datetime1">
               <a:rPr lang="en-US" smtClean="0"/>
-              <a:t>8/9/2023</a:t>
+              <a:t>8/11/2023</a:t>
             </a:fld>
             <a:endParaRPr lang="en-US" dirty="0"/>
           </a:p>
@@ -19515,7 +19515,7 @@
           <a:p>
             <a:fld id="{8C318A6C-4F6B-48D2-BDB0-D7413B3FDB0A}" type="datetime1">
               <a:rPr lang="en-US" smtClean="0"/>
-              <a:t>8/9/2023</a:t>
+              <a:t>8/11/2023</a:t>
             </a:fld>
             <a:endParaRPr lang="en-US" dirty="0"/>
           </a:p>
@@ -19605,7 +19605,7 @@
           <a:p>
             <a:fld id="{BF01ECED-6ECE-4989-B917-9D4D7E6D3C76}" type="datetime1">
               <a:rPr lang="en-US" smtClean="0"/>
-              <a:t>8/9/2023</a:t>
+              <a:t>8/11/2023</a:t>
             </a:fld>
             <a:endParaRPr lang="en-US" dirty="0"/>
           </a:p>
@@ -19890,7 +19890,7 @@
           <a:p>
             <a:fld id="{E3B570E1-CB40-488E-8C6F-EF4211DFFCB0}" type="datetime1">
               <a:rPr lang="en-US" smtClean="0"/>
-              <a:t>8/9/2023</a:t>
+              <a:t>8/11/2023</a:t>
             </a:fld>
             <a:endParaRPr lang="en-US" dirty="0"/>
           </a:p>
@@ -20165,7 +20165,7 @@
           <a:p>
             <a:fld id="{D1CEB6AF-9F5C-43BE-879E-CB9514111250}" type="datetime1">
               <a:rPr lang="en-US" smtClean="0"/>
-              <a:t>8/9/2023</a:t>
+              <a:t>8/11/2023</a:t>
             </a:fld>
             <a:endParaRPr lang="en-US" dirty="0"/>
           </a:p>
@@ -20410,7 +20410,7 @@
           <a:p>
             <a:fld id="{E7EE424C-FCA3-4EDD-B274-8E055D649B7D}" type="datetime1">
               <a:rPr lang="en-US" smtClean="0"/>
-              <a:t>8/9/2023</a:t>
+              <a:t>8/11/2023</a:t>
             </a:fld>
             <a:endParaRPr lang="en-US" dirty="0"/>
           </a:p>
@@ -22757,7 +22757,7 @@
             <a:pPr lvl="1"/>
             <a:r>
               <a:rPr lang="en-US" sz="2400" dirty="0"/>
-              <a:t>Efficacy of vaccinations statistically correlate with a decrease in total deaths, but this is not the only factor affecting death rates.</a:t>
+              <a:t>Vaccination percentages are not the only factor affecting death rates.</a:t>
             </a:r>
           </a:p>
           <a:p>
@@ -22768,7 +22768,7 @@
             <a:pPr lvl="1"/>
             <a:r>
               <a:rPr lang="en-US" sz="2400" dirty="0"/>
-              <a:t>Covid vaccination rates correlate with wealthier, more developed, and older populations which died at higher rates than poorer and younger populations.</a:t>
+              <a:t>Covid vaccination rates correlate with wealthier, more developed, and older populations which showed higher death rates than poorer and younger populations.</a:t>
             </a:r>
           </a:p>
           <a:p>
@@ -23278,13 +23278,6 @@
           </a:p>
           <a:p>
             <a:pPr lvl="1"/>
-            <a:r>
-              <a:rPr lang="en-US" sz="2400" dirty="0"/>
-              <a:t>Inform decision making by understanding at-risk societies</a:t>
-            </a:r>
-          </a:p>
-          <a:p>
-            <a:pPr lvl="1"/>
             <a:endParaRPr lang="en-US" dirty="0"/>
           </a:p>
         </p:txBody>
@@ -23433,13 +23426,6 @@
             <a:pPr lvl="1"/>
             <a:r>
               <a:rPr lang="en-US" sz="2400" dirty="0"/>
-              <a:t>Overtime analysis uses weekly averages</a:t>
-            </a:r>
-          </a:p>
-          <a:p>
-            <a:pPr lvl="1"/>
-            <a:r>
-              <a:rPr lang="en-US" sz="2400" dirty="0"/>
               <a:t>Total analysis uses total or highest values to return unique values</a:t>
             </a:r>
             <a:endParaRPr lang="en-US" dirty="0"/>
@@ -23541,7 +23527,7 @@
           <a:p>
             <a:r>
               <a:rPr lang="en-US" dirty="0"/>
-              <a:t>New cases over time</a:t>
+              <a:t>New covid cases over time</a:t>
             </a:r>
           </a:p>
         </p:txBody>
@@ -24488,7 +24474,7 @@
         </p:spPr>
         <p:txBody>
           <a:bodyPr>
-            <a:normAutofit fontScale="90000"/>
+            <a:normAutofit/>
           </a:bodyPr>
           <a:lstStyle/>
           <a:p>
@@ -24501,7 +24487,7 @@
             </a:br>
             <a:r>
               <a:rPr lang="en-US" dirty="0"/>
-              <a:t>Did vaccination rates decrease death rates?</a:t>
+              <a:t>Did vaccination rates Affect death rates?</a:t>
             </a:r>
           </a:p>
         </p:txBody>
@@ -24553,7 +24539,7 @@
             </a:pPr>
             <a:r>
               <a:rPr lang="en-US" sz="1800" dirty="0"/>
-              <a:t>H0: Vaccination rates do not lower the death rate in a country.</a:t>
+              <a:t>H0: Vaccination rates do not affect the death rate in a country.</a:t>
             </a:r>
           </a:p>
           <a:p>
@@ -24573,7 +24559,7 @@
             </a:r>
             <a:r>
               <a:rPr lang="en-US" sz="1800" dirty="0"/>
-              <a:t>: An increase in vaccination rates lowers the death rate in a country.</a:t>
+              <a:t>: Vaccination rates have an effect on a country’s death rate.</a:t>
             </a:r>
           </a:p>
           <a:p>
@@ -25031,7 +25017,7 @@
         </p:nvSpPr>
         <p:spPr>
           <a:xfrm>
-            <a:off x="432036" y="2511987"/>
+            <a:off x="413375" y="3429000"/>
             <a:ext cx="5237525" cy="1834025"/>
           </a:xfrm>
           <a:prstGeom prst="rect">
